--- a/발표자료/설계서2-14(엄희상,박주호,김태경)_변경사항.pptx
+++ b/발표자료/설계서2-14(엄희상,박주호,김태경)_변경사항.pptx
@@ -5,11 +5,12 @@
     <p:sldMasterId id="2147483648" r:id="rId1"/>
   </p:sldMasterIdLst>
   <p:notesMasterIdLst>
-    <p:notesMasterId r:id="rId4"/>
+    <p:notesMasterId r:id="rId5"/>
   </p:notesMasterIdLst>
   <p:sldIdLst>
-    <p:sldId id="259" r:id="rId2"/>
-    <p:sldId id="257" r:id="rId3"/>
+    <p:sldId id="260" r:id="rId2"/>
+    <p:sldId id="261" r:id="rId3"/>
+    <p:sldId id="262" r:id="rId4"/>
   </p:sldIdLst>
   <p:sldSz cx="12192000" cy="6858000"/>
   <p:notesSz cx="6802438" cy="9934575"/>
@@ -198,7 +199,7 @@
           <a:p>
             <a:fld id="{338F416E-BDEE-475A-BE43-4BCCACE5F70C}" type="datetimeFigureOut">
               <a:rPr lang="ko-KR" altLang="en-US" smtClean="0"/>
-              <a:t>2017-03-16</a:t>
+              <a:t>2017-03-19</a:t>
             </a:fld>
             <a:endParaRPr lang="ko-KR" altLang="en-US"/>
           </a:p>
@@ -540,7 +541,192 @@
     </p:spTree>
     <p:extLst>
       <p:ext uri="{BB962C8B-B14F-4D97-AF65-F5344CB8AC3E}">
-        <p14:creationId xmlns:p14="http://schemas.microsoft.com/office/powerpoint/2010/main" val="3992425216"/>
+        <p14:creationId xmlns:p14="http://schemas.microsoft.com/office/powerpoint/2010/main" val="2521798846"/>
+      </p:ext>
+    </p:extLst>
+  </p:cSld>
+  <p:clrMapOvr>
+    <a:masterClrMapping/>
+  </p:clrMapOvr>
+</p:notes>
+</file>
+
+<file path=ppt/notesSlides/notesSlide2.xml><?xml version="1.0" encoding="utf-8"?>
+<p:notes xmlns:a="http://schemas.openxmlformats.org/drawingml/2006/main" xmlns:r="http://schemas.openxmlformats.org/officeDocument/2006/relationships" xmlns:p="http://schemas.openxmlformats.org/presentationml/2006/main">
+  <p:cSld>
+    <p:spTree>
+      <p:nvGrpSpPr>
+        <p:cNvPr id="1" name=""/>
+        <p:cNvGrpSpPr/>
+        <p:nvPr/>
+      </p:nvGrpSpPr>
+      <p:grpSpPr>
+        <a:xfrm>
+          <a:off x="0" y="0"/>
+          <a:ext cx="0" cy="0"/>
+          <a:chOff x="0" y="0"/>
+          <a:chExt cx="0" cy="0"/>
+        </a:xfrm>
+      </p:grpSpPr>
+      <p:sp>
+        <p:nvSpPr>
+          <p:cNvPr id="2" name="슬라이드 이미지 개체 틀 1"/>
+          <p:cNvSpPr>
+            <a:spLocks noGrp="1" noRot="1" noChangeAspect="1"/>
+          </p:cNvSpPr>
+          <p:nvPr>
+            <p:ph type="sldImg"/>
+          </p:nvPr>
+        </p:nvSpPr>
+        <p:spPr/>
+      </p:sp>
+      <p:sp>
+        <p:nvSpPr>
+          <p:cNvPr id="3" name="슬라이드 노트 개체 틀 2"/>
+          <p:cNvSpPr>
+            <a:spLocks noGrp="1"/>
+          </p:cNvSpPr>
+          <p:nvPr>
+            <p:ph type="body" idx="1"/>
+          </p:nvPr>
+        </p:nvSpPr>
+        <p:spPr/>
+        <p:txBody>
+          <a:bodyPr/>
+          <a:lstStyle/>
+          <a:p>
+            <a:endParaRPr lang="ko-KR" altLang="en-US" dirty="0"/>
+          </a:p>
+        </p:txBody>
+      </p:sp>
+      <p:sp>
+        <p:nvSpPr>
+          <p:cNvPr id="4" name="슬라이드 번호 개체 틀 3"/>
+          <p:cNvSpPr>
+            <a:spLocks noGrp="1"/>
+          </p:cNvSpPr>
+          <p:nvPr>
+            <p:ph type="sldNum" sz="quarter" idx="10"/>
+          </p:nvPr>
+        </p:nvSpPr>
+        <p:spPr/>
+        <p:txBody>
+          <a:bodyPr/>
+          <a:lstStyle/>
+          <a:p>
+            <a:fld id="{597E0DDD-3118-4D1E-B8B6-C1ED2C358385}" type="slidenum">
+              <a:rPr lang="ko-KR" altLang="en-US" smtClean="0"/>
+              <a:t>2</a:t>
+            </a:fld>
+            <a:endParaRPr lang="ko-KR" altLang="en-US"/>
+          </a:p>
+        </p:txBody>
+      </p:sp>
+    </p:spTree>
+    <p:extLst>
+      <p:ext uri="{BB962C8B-B14F-4D97-AF65-F5344CB8AC3E}">
+        <p14:creationId xmlns:p14="http://schemas.microsoft.com/office/powerpoint/2010/main" val="222263627"/>
+      </p:ext>
+    </p:extLst>
+  </p:cSld>
+  <p:clrMapOvr>
+    <a:masterClrMapping/>
+  </p:clrMapOvr>
+</p:notes>
+</file>
+
+<file path=ppt/notesSlides/notesSlide3.xml><?xml version="1.0" encoding="utf-8"?>
+<p:notes xmlns:a="http://schemas.openxmlformats.org/drawingml/2006/main" xmlns:r="http://schemas.openxmlformats.org/officeDocument/2006/relationships" xmlns:p="http://schemas.openxmlformats.org/presentationml/2006/main">
+  <p:cSld>
+    <p:spTree>
+      <p:nvGrpSpPr>
+        <p:cNvPr id="1" name=""/>
+        <p:cNvGrpSpPr/>
+        <p:nvPr/>
+      </p:nvGrpSpPr>
+      <p:grpSpPr>
+        <a:xfrm>
+          <a:off x="0" y="0"/>
+          <a:ext cx="0" cy="0"/>
+          <a:chOff x="0" y="0"/>
+          <a:chExt cx="0" cy="0"/>
+        </a:xfrm>
+      </p:grpSpPr>
+      <p:sp>
+        <p:nvSpPr>
+          <p:cNvPr id="2" name="슬라이드 이미지 개체 틀 1"/>
+          <p:cNvSpPr>
+            <a:spLocks noGrp="1" noRot="1" noChangeAspect="1"/>
+          </p:cNvSpPr>
+          <p:nvPr>
+            <p:ph type="sldImg"/>
+          </p:nvPr>
+        </p:nvSpPr>
+        <p:spPr/>
+      </p:sp>
+      <p:sp>
+        <p:nvSpPr>
+          <p:cNvPr id="3" name="슬라이드 노트 개체 틀 2"/>
+          <p:cNvSpPr>
+            <a:spLocks noGrp="1"/>
+          </p:cNvSpPr>
+          <p:nvPr>
+            <p:ph type="body" idx="1"/>
+          </p:nvPr>
+        </p:nvSpPr>
+        <p:spPr/>
+        <p:txBody>
+          <a:bodyPr/>
+          <a:lstStyle/>
+          <a:p>
+            <a:pPr marL="0" marR="0" indent="0" algn="l" defTabSz="914400" rtl="0" eaLnBrk="1" fontAlgn="auto" latinLnBrk="1" hangingPunct="1">
+              <a:lnSpc>
+                <a:spcPct val="100000"/>
+              </a:lnSpc>
+              <a:spcBef>
+                <a:spcPts val="0"/>
+              </a:spcBef>
+              <a:spcAft>
+                <a:spcPts val="0"/>
+              </a:spcAft>
+              <a:buClrTx/>
+              <a:buSzTx/>
+              <a:buFontTx/>
+              <a:buNone/>
+              <a:tabLst/>
+              <a:defRPr/>
+            </a:pPr>
+            <a:endParaRPr lang="ko-KR" altLang="en-US" dirty="0" smtClean="0"/>
+          </a:p>
+        </p:txBody>
+      </p:sp>
+      <p:sp>
+        <p:nvSpPr>
+          <p:cNvPr id="4" name="슬라이드 번호 개체 틀 3"/>
+          <p:cNvSpPr>
+            <a:spLocks noGrp="1"/>
+          </p:cNvSpPr>
+          <p:nvPr>
+            <p:ph type="sldNum" sz="quarter" idx="10"/>
+          </p:nvPr>
+        </p:nvSpPr>
+        <p:spPr/>
+        <p:txBody>
+          <a:bodyPr/>
+          <a:lstStyle/>
+          <a:p>
+            <a:fld id="{597E0DDD-3118-4D1E-B8B6-C1ED2C358385}" type="slidenum">
+              <a:rPr lang="ko-KR" altLang="en-US" smtClean="0"/>
+              <a:t>3</a:t>
+            </a:fld>
+            <a:endParaRPr lang="ko-KR" altLang="en-US"/>
+          </a:p>
+        </p:txBody>
+      </p:sp>
+    </p:spTree>
+    <p:extLst>
+      <p:ext uri="{BB962C8B-B14F-4D97-AF65-F5344CB8AC3E}">
+        <p14:creationId xmlns:p14="http://schemas.microsoft.com/office/powerpoint/2010/main" val="556115744"/>
       </p:ext>
     </p:extLst>
   </p:cSld>
@@ -681,7 +867,7 @@
           <a:p>
             <a:fld id="{1C9BDBE1-081A-4C83-BB5C-7AB3CFF4573E}" type="datetimeFigureOut">
               <a:rPr lang="ko-KR" altLang="en-US" smtClean="0"/>
-              <a:t>2017-03-16</a:t>
+              <a:t>2017-03-19</a:t>
             </a:fld>
             <a:endParaRPr lang="ko-KR" altLang="en-US"/>
           </a:p>
@@ -851,7 +1037,7 @@
           <a:p>
             <a:fld id="{1C9BDBE1-081A-4C83-BB5C-7AB3CFF4573E}" type="datetimeFigureOut">
               <a:rPr lang="ko-KR" altLang="en-US" smtClean="0"/>
-              <a:t>2017-03-16</a:t>
+              <a:t>2017-03-19</a:t>
             </a:fld>
             <a:endParaRPr lang="ko-KR" altLang="en-US"/>
           </a:p>
@@ -1031,7 +1217,7 @@
           <a:p>
             <a:fld id="{1C9BDBE1-081A-4C83-BB5C-7AB3CFF4573E}" type="datetimeFigureOut">
               <a:rPr lang="ko-KR" altLang="en-US" smtClean="0"/>
-              <a:t>2017-03-16</a:t>
+              <a:t>2017-03-19</a:t>
             </a:fld>
             <a:endParaRPr lang="ko-KR" altLang="en-US"/>
           </a:p>
@@ -1239,7 +1425,7 @@
           <a:p>
             <a:fld id="{1C9BDBE1-081A-4C83-BB5C-7AB3CFF4573E}" type="datetimeFigureOut">
               <a:rPr lang="ko-KR" altLang="en-US" smtClean="0"/>
-              <a:t>2017-03-16</a:t>
+              <a:t>2017-03-19</a:t>
             </a:fld>
             <a:endParaRPr lang="ko-KR" altLang="en-US"/>
           </a:p>
@@ -1485,7 +1671,7 @@
           <a:p>
             <a:fld id="{1C9BDBE1-081A-4C83-BB5C-7AB3CFF4573E}" type="datetimeFigureOut">
               <a:rPr lang="ko-KR" altLang="en-US" smtClean="0"/>
-              <a:t>2017-03-16</a:t>
+              <a:t>2017-03-19</a:t>
             </a:fld>
             <a:endParaRPr lang="ko-KR" altLang="en-US"/>
           </a:p>
@@ -1717,7 +1903,7 @@
           <a:p>
             <a:fld id="{1C9BDBE1-081A-4C83-BB5C-7AB3CFF4573E}" type="datetimeFigureOut">
               <a:rPr lang="ko-KR" altLang="en-US" smtClean="0"/>
-              <a:t>2017-03-16</a:t>
+              <a:t>2017-03-19</a:t>
             </a:fld>
             <a:endParaRPr lang="ko-KR" altLang="en-US"/>
           </a:p>
@@ -2084,7 +2270,7 @@
           <a:p>
             <a:fld id="{1C9BDBE1-081A-4C83-BB5C-7AB3CFF4573E}" type="datetimeFigureOut">
               <a:rPr lang="ko-KR" altLang="en-US" smtClean="0"/>
-              <a:t>2017-03-16</a:t>
+              <a:t>2017-03-19</a:t>
             </a:fld>
             <a:endParaRPr lang="ko-KR" altLang="en-US"/>
           </a:p>
@@ -2202,7 +2388,7 @@
           <a:p>
             <a:fld id="{1C9BDBE1-081A-4C83-BB5C-7AB3CFF4573E}" type="datetimeFigureOut">
               <a:rPr lang="ko-KR" altLang="en-US" smtClean="0"/>
-              <a:t>2017-03-16</a:t>
+              <a:t>2017-03-19</a:t>
             </a:fld>
             <a:endParaRPr lang="ko-KR" altLang="en-US"/>
           </a:p>
@@ -2297,7 +2483,7 @@
           <a:p>
             <a:fld id="{1C9BDBE1-081A-4C83-BB5C-7AB3CFF4573E}" type="datetimeFigureOut">
               <a:rPr lang="ko-KR" altLang="en-US" smtClean="0"/>
-              <a:t>2017-03-16</a:t>
+              <a:t>2017-03-19</a:t>
             </a:fld>
             <a:endParaRPr lang="ko-KR" altLang="en-US"/>
           </a:p>
@@ -2574,7 +2760,7 @@
           <a:p>
             <a:fld id="{1C9BDBE1-081A-4C83-BB5C-7AB3CFF4573E}" type="datetimeFigureOut">
               <a:rPr lang="ko-KR" altLang="en-US" smtClean="0"/>
-              <a:t>2017-03-16</a:t>
+              <a:t>2017-03-19</a:t>
             </a:fld>
             <a:endParaRPr lang="ko-KR" altLang="en-US"/>
           </a:p>
@@ -2827,7 +3013,7 @@
           <a:p>
             <a:fld id="{1C9BDBE1-081A-4C83-BB5C-7AB3CFF4573E}" type="datetimeFigureOut">
               <a:rPr lang="ko-KR" altLang="en-US" smtClean="0"/>
-              <a:t>2017-03-16</a:t>
+              <a:t>2017-03-19</a:t>
             </a:fld>
             <a:endParaRPr lang="ko-KR" altLang="en-US"/>
           </a:p>
@@ -3040,7 +3226,7 @@
           <a:p>
             <a:fld id="{1C9BDBE1-081A-4C83-BB5C-7AB3CFF4573E}" type="datetimeFigureOut">
               <a:rPr lang="ko-KR" altLang="en-US" smtClean="0"/>
-              <a:t>2017-03-16</a:t>
+              <a:t>2017-03-19</a:t>
             </a:fld>
             <a:endParaRPr lang="ko-KR" altLang="en-US"/>
           </a:p>
@@ -7874,8 +8060,8 @@
         </p:nvSpPr>
         <p:spPr>
           <a:xfrm>
-            <a:off x="1193349" y="1956628"/>
-            <a:ext cx="9805302" cy="3167021"/>
+            <a:off x="1820532" y="1910211"/>
+            <a:ext cx="8739964" cy="3582519"/>
           </a:xfrm>
           <a:prstGeom prst="rect">
             <a:avLst/>
@@ -7900,10 +8086,10 @@
               <a:buChar char="••"/>
             </a:pPr>
             <a:r>
-              <a:rPr lang="ko-KR" altLang="en-US" dirty="0" smtClean="0"/>
+              <a:rPr lang="ko-KR" altLang="en-US" dirty="0"/>
               <a:t>신호에 할당되는 시간과 혼잡도 분석 알고리즘</a:t>
             </a:r>
-            <a:endParaRPr lang="en-US" altLang="ko-KR" dirty="0" smtClean="0"/>
+            <a:endParaRPr lang="en-US" altLang="ko-KR" dirty="0"/>
           </a:p>
           <a:p>
             <a:pPr marL="285750" lvl="1" indent="-285750" defTabSz="1022350">
@@ -7920,62 +8106,8 @@
               <a:buChar char="-"/>
             </a:pPr>
             <a:r>
-              <a:rPr lang="ko-KR" altLang="en-US" dirty="0" smtClean="0"/>
+              <a:rPr lang="ko-KR" altLang="en-US" dirty="0"/>
               <a:t>정지된 차량의 대수를 파악하여 할당 가중치를 곱한 시간만큼 신호를 할당 한다</a:t>
-            </a:r>
-            <a:r>
-              <a:rPr lang="en-US" altLang="ko-KR" dirty="0" smtClean="0"/>
-              <a:t>.</a:t>
-            </a:r>
-          </a:p>
-          <a:p>
-            <a:pPr marL="285750" lvl="1" indent="-285750" defTabSz="1022350">
-              <a:lnSpc>
-                <a:spcPct val="150000"/>
-              </a:lnSpc>
-              <a:spcBef>
-                <a:spcPct val="0"/>
-              </a:spcBef>
-              <a:spcAft>
-                <a:spcPct val="15000"/>
-              </a:spcAft>
-              <a:buFont typeface="맑은 고딕" panose="020B0503020000020004" pitchFamily="50" charset="-127"/>
-              <a:buChar char="-"/>
-            </a:pPr>
-            <a:r>
-              <a:rPr lang="ko-KR" altLang="en-US" dirty="0" smtClean="0"/>
-              <a:t>신호가 꺼진 후 할당된 신호 동안 차량의 주행 속도와 통과한 차량의 수를 파악하여 할당 가중치를 증가시키거나 낮춘다</a:t>
-            </a:r>
-            <a:r>
-              <a:rPr lang="en-US" altLang="ko-KR" dirty="0" smtClean="0"/>
-              <a:t>.</a:t>
-            </a:r>
-          </a:p>
-          <a:p>
-            <a:pPr marL="285750" lvl="1" indent="-285750" defTabSz="1022350">
-              <a:lnSpc>
-                <a:spcPct val="150000"/>
-              </a:lnSpc>
-              <a:spcBef>
-                <a:spcPct val="0"/>
-              </a:spcBef>
-              <a:spcAft>
-                <a:spcPct val="15000"/>
-              </a:spcAft>
-              <a:buFont typeface="맑은 고딕" panose="020B0503020000020004" pitchFamily="50" charset="-127"/>
-              <a:buChar char="-"/>
-            </a:pPr>
-            <a:r>
-              <a:rPr lang="ko-KR" altLang="en-US" dirty="0" smtClean="0"/>
-              <a:t>혼잡도는 각 </a:t>
-            </a:r>
-            <a:r>
-              <a:rPr lang="ko-KR" altLang="en-US" dirty="0"/>
-              <a:t>도로의 길이와 제한속도 그리고 각 차량의 주행속도 교통체증 시간을 고려하여 </a:t>
-            </a:r>
-            <a:r>
-              <a:rPr lang="ko-KR" altLang="en-US" dirty="0" smtClean="0"/>
-              <a:t>측정한다</a:t>
             </a:r>
             <a:r>
               <a:rPr lang="en-US" altLang="ko-KR" dirty="0"/>
@@ -7997,21 +8129,74 @@
               <a:buChar char="-"/>
             </a:pPr>
             <a:r>
-              <a:rPr lang="ko-KR" altLang="en-US" dirty="0" smtClean="0"/>
-              <a:t>시간 할당 가중치를 요일과 시간 별로 기록하여 최적의 가중치로 신호를 할당 한다</a:t>
+              <a:rPr lang="ko-KR" altLang="en-US" dirty="0"/>
+              <a:t>신호가 꺼진 후 할당된 신호 동안 차량의 주행 속도와 통과한 차량의 수를 파악하여 할당 가중치를 증가시키거나 낮춘다</a:t>
             </a:r>
             <a:r>
-              <a:rPr lang="en-US" altLang="ko-KR" smtClean="0"/>
+              <a:rPr lang="en-US" altLang="ko-KR" dirty="0"/>
               <a:t>.</a:t>
             </a:r>
-            <a:endParaRPr lang="en-US" altLang="ko-KR" dirty="0" smtClean="0"/>
+          </a:p>
+          <a:p>
+            <a:pPr marL="285750" lvl="1" indent="-285750" defTabSz="1022350">
+              <a:lnSpc>
+                <a:spcPct val="150000"/>
+              </a:lnSpc>
+              <a:spcBef>
+                <a:spcPct val="0"/>
+              </a:spcBef>
+              <a:spcAft>
+                <a:spcPct val="15000"/>
+              </a:spcAft>
+              <a:buFont typeface="맑은 고딕" panose="020B0503020000020004" pitchFamily="50" charset="-127"/>
+              <a:buChar char="-"/>
+            </a:pPr>
+            <a:r>
+              <a:rPr lang="ko-KR" altLang="en-US" dirty="0"/>
+              <a:t>혼잡도는 각 도로의 길이와 제한속도 그리고 각 차량의 주행속도 교통체증 시간을 고려하여 측정한다</a:t>
+            </a:r>
+            <a:r>
+              <a:rPr lang="en-US" altLang="ko-KR" dirty="0"/>
+              <a:t>.</a:t>
+            </a:r>
+          </a:p>
+          <a:p>
+            <a:pPr marL="285750" lvl="1" indent="-285750" defTabSz="1022350">
+              <a:lnSpc>
+                <a:spcPct val="150000"/>
+              </a:lnSpc>
+              <a:spcBef>
+                <a:spcPct val="0"/>
+              </a:spcBef>
+              <a:spcAft>
+                <a:spcPct val="15000"/>
+              </a:spcAft>
+              <a:buFont typeface="맑은 고딕" panose="020B0503020000020004" pitchFamily="50" charset="-127"/>
+              <a:buChar char="-"/>
+            </a:pPr>
+            <a:r>
+              <a:rPr lang="ko-KR" altLang="en-US" dirty="0"/>
+              <a:t>시간 할당 가중치를 요일과 시간 별로 </a:t>
+            </a:r>
+            <a:r>
+              <a:rPr lang="ko-KR" altLang="en-US" dirty="0"/>
+              <a:t>관리하여 </a:t>
+            </a:r>
+            <a:r>
+              <a:rPr lang="ko-KR" altLang="en-US" dirty="0"/>
+              <a:t>최적의 가중치로 신호를 할당 한다</a:t>
+            </a:r>
+            <a:r>
+              <a:rPr lang="en-US" altLang="ko-KR" dirty="0"/>
+              <a:t>.</a:t>
+            </a:r>
           </a:p>
         </p:txBody>
       </p:sp>
     </p:spTree>
     <p:extLst>
       <p:ext uri="{BB962C8B-B14F-4D97-AF65-F5344CB8AC3E}">
-        <p14:creationId xmlns:p14="http://schemas.microsoft.com/office/powerpoint/2010/main" val="1774938366"/>
+        <p14:creationId xmlns:p14="http://schemas.microsoft.com/office/powerpoint/2010/main" val="3174119312"/>
       </p:ext>
     </p:extLst>
   </p:cSld>
@@ -8045,9 +8230,4769 @@
           <a:chExt cx="0" cy="0"/>
         </a:xfrm>
       </p:grpSpPr>
+      <p:pic>
+        <p:nvPicPr>
+          <p:cNvPr id="5" name="그림 4"/>
+          <p:cNvPicPr>
+            <a:picLocks noChangeAspect="1"/>
+          </p:cNvPicPr>
+          <p:nvPr/>
+        </p:nvPicPr>
+        <p:blipFill>
+          <a:blip r:embed="rId3"/>
+          <a:stretch>
+            <a:fillRect/>
+          </a:stretch>
+        </p:blipFill>
+        <p:spPr>
+          <a:xfrm>
+            <a:off x="1703513" y="1956628"/>
+            <a:ext cx="6293135" cy="3920644"/>
+          </a:xfrm>
+          <a:prstGeom prst="rect">
+            <a:avLst/>
+          </a:prstGeom>
+        </p:spPr>
+      </p:pic>
+      <p:pic>
+        <p:nvPicPr>
+          <p:cNvPr id="2" name="그림 1"/>
+          <p:cNvPicPr>
+            <a:picLocks noChangeAspect="1"/>
+          </p:cNvPicPr>
+          <p:nvPr/>
+        </p:nvPicPr>
+        <p:blipFill>
+          <a:blip r:embed="rId4"/>
+          <a:stretch>
+            <a:fillRect/>
+          </a:stretch>
+        </p:blipFill>
+        <p:spPr>
+          <a:xfrm>
+            <a:off x="5357519" y="2636912"/>
+            <a:ext cx="4873836" cy="4065654"/>
+          </a:xfrm>
+          <a:prstGeom prst="rect">
+            <a:avLst/>
+          </a:prstGeom>
+        </p:spPr>
+      </p:pic>
       <p:grpSp>
         <p:nvGrpSpPr>
-          <p:cNvPr id="5" name="그룹 4"/>
+          <p:cNvPr id="3" name="그룹 2"/>
+          <p:cNvGrpSpPr/>
+          <p:nvPr/>
+        </p:nvGrpSpPr>
+        <p:grpSpPr>
+          <a:xfrm>
+            <a:off x="2279576" y="177180"/>
+            <a:ext cx="1728192" cy="1010336"/>
+            <a:chOff x="251520" y="258424"/>
+            <a:chExt cx="1584176" cy="1010336"/>
+          </a:xfrm>
+        </p:grpSpPr>
+        <p:grpSp>
+          <p:nvGrpSpPr>
+            <p:cNvPr id="19" name="그룹 18"/>
+            <p:cNvGrpSpPr/>
+            <p:nvPr/>
+          </p:nvGrpSpPr>
+          <p:grpSpPr>
+            <a:xfrm>
+              <a:off x="251520" y="258424"/>
+              <a:ext cx="1584176" cy="1010336"/>
+              <a:chOff x="5716588" y="4849813"/>
+              <a:chExt cx="2047875" cy="1304925"/>
+            </a:xfrm>
+          </p:grpSpPr>
+          <p:grpSp>
+            <p:nvGrpSpPr>
+              <p:cNvPr id="21" name="그룹 20"/>
+              <p:cNvGrpSpPr/>
+              <p:nvPr/>
+            </p:nvGrpSpPr>
+            <p:grpSpPr>
+              <a:xfrm>
+                <a:off x="6908800" y="5722938"/>
+                <a:ext cx="855663" cy="431800"/>
+                <a:chOff x="6908800" y="5722938"/>
+                <a:chExt cx="855663" cy="431800"/>
+              </a:xfrm>
+            </p:grpSpPr>
+            <p:sp>
+              <p:nvSpPr>
+                <p:cNvPr id="23" name="Freeform 39"/>
+                <p:cNvSpPr>
+                  <a:spLocks/>
+                </p:cNvSpPr>
+                <p:nvPr userDrawn="1"/>
+              </p:nvSpPr>
+              <p:spPr bwMode="auto">
+                <a:xfrm>
+                  <a:off x="6908800" y="5722938"/>
+                  <a:ext cx="855663" cy="341313"/>
+                </a:xfrm>
+                <a:custGeom>
+                  <a:avLst/>
+                  <a:gdLst>
+                    <a:gd name="T0" fmla="*/ 788 w 1617"/>
+                    <a:gd name="T1" fmla="*/ 1 h 646"/>
+                    <a:gd name="T2" fmla="*/ 819 w 1617"/>
+                    <a:gd name="T3" fmla="*/ 1 h 646"/>
+                    <a:gd name="T4" fmla="*/ 869 w 1617"/>
+                    <a:gd name="T5" fmla="*/ 6 h 646"/>
+                    <a:gd name="T6" fmla="*/ 937 w 1617"/>
+                    <a:gd name="T7" fmla="*/ 20 h 646"/>
+                    <a:gd name="T8" fmla="*/ 975 w 1617"/>
+                    <a:gd name="T9" fmla="*/ 32 h 646"/>
+                    <a:gd name="T10" fmla="*/ 1017 w 1617"/>
+                    <a:gd name="T11" fmla="*/ 48 h 646"/>
+                    <a:gd name="T12" fmla="*/ 1060 w 1617"/>
+                    <a:gd name="T13" fmla="*/ 68 h 646"/>
+                    <a:gd name="T14" fmla="*/ 1104 w 1617"/>
+                    <a:gd name="T15" fmla="*/ 93 h 646"/>
+                    <a:gd name="T16" fmla="*/ 1149 w 1617"/>
+                    <a:gd name="T17" fmla="*/ 124 h 646"/>
+                    <a:gd name="T18" fmla="*/ 1193 w 1617"/>
+                    <a:gd name="T19" fmla="*/ 162 h 646"/>
+                    <a:gd name="T20" fmla="*/ 1236 w 1617"/>
+                    <a:gd name="T21" fmla="*/ 207 h 646"/>
+                    <a:gd name="T22" fmla="*/ 1278 w 1617"/>
+                    <a:gd name="T23" fmla="*/ 259 h 646"/>
+                    <a:gd name="T24" fmla="*/ 1318 w 1617"/>
+                    <a:gd name="T25" fmla="*/ 319 h 646"/>
+                    <a:gd name="T26" fmla="*/ 1470 w 1617"/>
+                    <a:gd name="T27" fmla="*/ 344 h 646"/>
+                    <a:gd name="T28" fmla="*/ 1493 w 1617"/>
+                    <a:gd name="T29" fmla="*/ 348 h 646"/>
+                    <a:gd name="T30" fmla="*/ 1517 w 1617"/>
+                    <a:gd name="T31" fmla="*/ 358 h 646"/>
+                    <a:gd name="T32" fmla="*/ 1544 w 1617"/>
+                    <a:gd name="T33" fmla="*/ 373 h 646"/>
+                    <a:gd name="T34" fmla="*/ 1571 w 1617"/>
+                    <a:gd name="T35" fmla="*/ 398 h 646"/>
+                    <a:gd name="T36" fmla="*/ 1584 w 1617"/>
+                    <a:gd name="T37" fmla="*/ 415 h 646"/>
+                    <a:gd name="T38" fmla="*/ 1595 w 1617"/>
+                    <a:gd name="T39" fmla="*/ 433 h 646"/>
+                    <a:gd name="T40" fmla="*/ 1604 w 1617"/>
+                    <a:gd name="T41" fmla="*/ 456 h 646"/>
+                    <a:gd name="T42" fmla="*/ 1612 w 1617"/>
+                    <a:gd name="T43" fmla="*/ 482 h 646"/>
+                    <a:gd name="T44" fmla="*/ 1616 w 1617"/>
+                    <a:gd name="T45" fmla="*/ 511 h 646"/>
+                    <a:gd name="T46" fmla="*/ 1617 w 1617"/>
+                    <a:gd name="T47" fmla="*/ 544 h 646"/>
+                    <a:gd name="T48" fmla="*/ 1588 w 1617"/>
+                    <a:gd name="T49" fmla="*/ 646 h 646"/>
+                    <a:gd name="T50" fmla="*/ 0 w 1617"/>
+                    <a:gd name="T51" fmla="*/ 582 h 646"/>
+                    <a:gd name="T52" fmla="*/ 1 w 1617"/>
+                    <a:gd name="T53" fmla="*/ 433 h 646"/>
+                    <a:gd name="T54" fmla="*/ 3 w 1617"/>
+                    <a:gd name="T55" fmla="*/ 415 h 646"/>
+                    <a:gd name="T56" fmla="*/ 9 w 1617"/>
+                    <a:gd name="T57" fmla="*/ 397 h 646"/>
+                    <a:gd name="T58" fmla="*/ 22 w 1617"/>
+                    <a:gd name="T59" fmla="*/ 373 h 646"/>
+                    <a:gd name="T60" fmla="*/ 44 w 1617"/>
+                    <a:gd name="T61" fmla="*/ 347 h 646"/>
+                    <a:gd name="T62" fmla="*/ 78 w 1617"/>
+                    <a:gd name="T63" fmla="*/ 321 h 646"/>
+                    <a:gd name="T64" fmla="*/ 126 w 1617"/>
+                    <a:gd name="T65" fmla="*/ 298 h 646"/>
+                    <a:gd name="T66" fmla="*/ 190 w 1617"/>
+                    <a:gd name="T67" fmla="*/ 278 h 646"/>
+                    <a:gd name="T68" fmla="*/ 199 w 1617"/>
+                    <a:gd name="T69" fmla="*/ 266 h 646"/>
+                    <a:gd name="T70" fmla="*/ 224 w 1617"/>
+                    <a:gd name="T71" fmla="*/ 235 h 646"/>
+                    <a:gd name="T72" fmla="*/ 268 w 1617"/>
+                    <a:gd name="T73" fmla="*/ 192 h 646"/>
+                    <a:gd name="T74" fmla="*/ 313 w 1617"/>
+                    <a:gd name="T75" fmla="*/ 154 h 646"/>
+                    <a:gd name="T76" fmla="*/ 348 w 1617"/>
+                    <a:gd name="T77" fmla="*/ 129 h 646"/>
+                    <a:gd name="T78" fmla="*/ 391 w 1617"/>
+                    <a:gd name="T79" fmla="*/ 103 h 646"/>
+                    <a:gd name="T80" fmla="*/ 437 w 1617"/>
+                    <a:gd name="T81" fmla="*/ 79 h 646"/>
+                    <a:gd name="T82" fmla="*/ 487 w 1617"/>
+                    <a:gd name="T83" fmla="*/ 56 h 646"/>
+                    <a:gd name="T84" fmla="*/ 545 w 1617"/>
+                    <a:gd name="T85" fmla="*/ 37 h 646"/>
+                    <a:gd name="T86" fmla="*/ 607 w 1617"/>
+                    <a:gd name="T87" fmla="*/ 21 h 646"/>
+                    <a:gd name="T88" fmla="*/ 675 w 1617"/>
+                    <a:gd name="T89" fmla="*/ 9 h 646"/>
+                    <a:gd name="T90" fmla="*/ 749 w 1617"/>
+                    <a:gd name="T91" fmla="*/ 3 h 646"/>
+                    <a:gd name="T92" fmla="*/ 788 w 1617"/>
+                    <a:gd name="T93" fmla="*/ 1 h 646"/>
+                  </a:gdLst>
+                  <a:ahLst/>
+                  <a:cxnLst>
+                    <a:cxn ang="0">
+                      <a:pos x="T0" y="T1"/>
+                    </a:cxn>
+                    <a:cxn ang="0">
+                      <a:pos x="T2" y="T3"/>
+                    </a:cxn>
+                    <a:cxn ang="0">
+                      <a:pos x="T4" y="T5"/>
+                    </a:cxn>
+                    <a:cxn ang="0">
+                      <a:pos x="T6" y="T7"/>
+                    </a:cxn>
+                    <a:cxn ang="0">
+                      <a:pos x="T8" y="T9"/>
+                    </a:cxn>
+                    <a:cxn ang="0">
+                      <a:pos x="T10" y="T11"/>
+                    </a:cxn>
+                    <a:cxn ang="0">
+                      <a:pos x="T12" y="T13"/>
+                    </a:cxn>
+                    <a:cxn ang="0">
+                      <a:pos x="T14" y="T15"/>
+                    </a:cxn>
+                    <a:cxn ang="0">
+                      <a:pos x="T16" y="T17"/>
+                    </a:cxn>
+                    <a:cxn ang="0">
+                      <a:pos x="T18" y="T19"/>
+                    </a:cxn>
+                    <a:cxn ang="0">
+                      <a:pos x="T20" y="T21"/>
+                    </a:cxn>
+                    <a:cxn ang="0">
+                      <a:pos x="T22" y="T23"/>
+                    </a:cxn>
+                    <a:cxn ang="0">
+                      <a:pos x="T24" y="T25"/>
+                    </a:cxn>
+                    <a:cxn ang="0">
+                      <a:pos x="T26" y="T27"/>
+                    </a:cxn>
+                    <a:cxn ang="0">
+                      <a:pos x="T28" y="T29"/>
+                    </a:cxn>
+                    <a:cxn ang="0">
+                      <a:pos x="T30" y="T31"/>
+                    </a:cxn>
+                    <a:cxn ang="0">
+                      <a:pos x="T32" y="T33"/>
+                    </a:cxn>
+                    <a:cxn ang="0">
+                      <a:pos x="T34" y="T35"/>
+                    </a:cxn>
+                    <a:cxn ang="0">
+                      <a:pos x="T36" y="T37"/>
+                    </a:cxn>
+                    <a:cxn ang="0">
+                      <a:pos x="T38" y="T39"/>
+                    </a:cxn>
+                    <a:cxn ang="0">
+                      <a:pos x="T40" y="T41"/>
+                    </a:cxn>
+                    <a:cxn ang="0">
+                      <a:pos x="T42" y="T43"/>
+                    </a:cxn>
+                    <a:cxn ang="0">
+                      <a:pos x="T44" y="T45"/>
+                    </a:cxn>
+                    <a:cxn ang="0">
+                      <a:pos x="T46" y="T47"/>
+                    </a:cxn>
+                    <a:cxn ang="0">
+                      <a:pos x="T48" y="T49"/>
+                    </a:cxn>
+                    <a:cxn ang="0">
+                      <a:pos x="T50" y="T51"/>
+                    </a:cxn>
+                    <a:cxn ang="0">
+                      <a:pos x="T52" y="T53"/>
+                    </a:cxn>
+                    <a:cxn ang="0">
+                      <a:pos x="T54" y="T55"/>
+                    </a:cxn>
+                    <a:cxn ang="0">
+                      <a:pos x="T56" y="T57"/>
+                    </a:cxn>
+                    <a:cxn ang="0">
+                      <a:pos x="T58" y="T59"/>
+                    </a:cxn>
+                    <a:cxn ang="0">
+                      <a:pos x="T60" y="T61"/>
+                    </a:cxn>
+                    <a:cxn ang="0">
+                      <a:pos x="T62" y="T63"/>
+                    </a:cxn>
+                    <a:cxn ang="0">
+                      <a:pos x="T64" y="T65"/>
+                    </a:cxn>
+                    <a:cxn ang="0">
+                      <a:pos x="T66" y="T67"/>
+                    </a:cxn>
+                    <a:cxn ang="0">
+                      <a:pos x="T68" y="T69"/>
+                    </a:cxn>
+                    <a:cxn ang="0">
+                      <a:pos x="T70" y="T71"/>
+                    </a:cxn>
+                    <a:cxn ang="0">
+                      <a:pos x="T72" y="T73"/>
+                    </a:cxn>
+                    <a:cxn ang="0">
+                      <a:pos x="T74" y="T75"/>
+                    </a:cxn>
+                    <a:cxn ang="0">
+                      <a:pos x="T76" y="T77"/>
+                    </a:cxn>
+                    <a:cxn ang="0">
+                      <a:pos x="T78" y="T79"/>
+                    </a:cxn>
+                    <a:cxn ang="0">
+                      <a:pos x="T80" y="T81"/>
+                    </a:cxn>
+                    <a:cxn ang="0">
+                      <a:pos x="T82" y="T83"/>
+                    </a:cxn>
+                    <a:cxn ang="0">
+                      <a:pos x="T84" y="T85"/>
+                    </a:cxn>
+                    <a:cxn ang="0">
+                      <a:pos x="T86" y="T87"/>
+                    </a:cxn>
+                    <a:cxn ang="0">
+                      <a:pos x="T88" y="T89"/>
+                    </a:cxn>
+                    <a:cxn ang="0">
+                      <a:pos x="T90" y="T91"/>
+                    </a:cxn>
+                    <a:cxn ang="0">
+                      <a:pos x="T92" y="T93"/>
+                    </a:cxn>
+                  </a:cxnLst>
+                  <a:rect l="0" t="0" r="r" b="b"/>
+                  <a:pathLst>
+                    <a:path w="1617" h="646">
+                      <a:moveTo>
+                        <a:pt x="788" y="1"/>
+                      </a:moveTo>
+                      <a:lnTo>
+                        <a:pt x="788" y="1"/>
+                      </a:lnTo>
+                      <a:lnTo>
+                        <a:pt x="802" y="0"/>
+                      </a:lnTo>
+                      <a:lnTo>
+                        <a:pt x="819" y="1"/>
+                      </a:lnTo>
+                      <a:lnTo>
+                        <a:pt x="842" y="3"/>
+                      </a:lnTo>
+                      <a:lnTo>
+                        <a:pt x="869" y="6"/>
+                      </a:lnTo>
+                      <a:lnTo>
+                        <a:pt x="901" y="11"/>
+                      </a:lnTo>
+                      <a:lnTo>
+                        <a:pt x="937" y="20"/>
+                      </a:lnTo>
+                      <a:lnTo>
+                        <a:pt x="956" y="25"/>
+                      </a:lnTo>
+                      <a:lnTo>
+                        <a:pt x="975" y="32"/>
+                      </a:lnTo>
+                      <a:lnTo>
+                        <a:pt x="996" y="39"/>
+                      </a:lnTo>
+                      <a:lnTo>
+                        <a:pt x="1017" y="48"/>
+                      </a:lnTo>
+                      <a:lnTo>
+                        <a:pt x="1038" y="57"/>
+                      </a:lnTo>
+                      <a:lnTo>
+                        <a:pt x="1060" y="68"/>
+                      </a:lnTo>
+                      <a:lnTo>
+                        <a:pt x="1082" y="80"/>
+                      </a:lnTo>
+                      <a:lnTo>
+                        <a:pt x="1104" y="93"/>
+                      </a:lnTo>
+                      <a:lnTo>
+                        <a:pt x="1126" y="108"/>
+                      </a:lnTo>
+                      <a:lnTo>
+                        <a:pt x="1149" y="124"/>
+                      </a:lnTo>
+                      <a:lnTo>
+                        <a:pt x="1170" y="143"/>
+                      </a:lnTo>
+                      <a:lnTo>
+                        <a:pt x="1193" y="162"/>
+                      </a:lnTo>
+                      <a:lnTo>
+                        <a:pt x="1214" y="183"/>
+                      </a:lnTo>
+                      <a:lnTo>
+                        <a:pt x="1236" y="207"/>
+                      </a:lnTo>
+                      <a:lnTo>
+                        <a:pt x="1258" y="232"/>
+                      </a:lnTo>
+                      <a:lnTo>
+                        <a:pt x="1278" y="259"/>
+                      </a:lnTo>
+                      <a:lnTo>
+                        <a:pt x="1299" y="288"/>
+                      </a:lnTo>
+                      <a:lnTo>
+                        <a:pt x="1318" y="319"/>
+                      </a:lnTo>
+                      <a:lnTo>
+                        <a:pt x="1470" y="344"/>
+                      </a:lnTo>
+                      <a:lnTo>
+                        <a:pt x="1470" y="344"/>
+                      </a:lnTo>
+                      <a:lnTo>
+                        <a:pt x="1476" y="344"/>
+                      </a:lnTo>
+                      <a:lnTo>
+                        <a:pt x="1493" y="348"/>
+                      </a:lnTo>
+                      <a:lnTo>
+                        <a:pt x="1504" y="353"/>
+                      </a:lnTo>
+                      <a:lnTo>
+                        <a:pt x="1517" y="358"/>
+                      </a:lnTo>
+                      <a:lnTo>
+                        <a:pt x="1530" y="364"/>
+                      </a:lnTo>
+                      <a:lnTo>
+                        <a:pt x="1544" y="373"/>
+                      </a:lnTo>
+                      <a:lnTo>
+                        <a:pt x="1558" y="385"/>
+                      </a:lnTo>
+                      <a:lnTo>
+                        <a:pt x="1571" y="398"/>
+                      </a:lnTo>
+                      <a:lnTo>
+                        <a:pt x="1577" y="406"/>
+                      </a:lnTo>
+                      <a:lnTo>
+                        <a:pt x="1584" y="415"/>
+                      </a:lnTo>
+                      <a:lnTo>
+                        <a:pt x="1589" y="424"/>
+                      </a:lnTo>
+                      <a:lnTo>
+                        <a:pt x="1595" y="433"/>
+                      </a:lnTo>
+                      <a:lnTo>
+                        <a:pt x="1600" y="444"/>
+                      </a:lnTo>
+                      <a:lnTo>
+                        <a:pt x="1604" y="456"/>
+                      </a:lnTo>
+                      <a:lnTo>
+                        <a:pt x="1609" y="469"/>
+                      </a:lnTo>
+                      <a:lnTo>
+                        <a:pt x="1612" y="482"/>
+                      </a:lnTo>
+                      <a:lnTo>
+                        <a:pt x="1614" y="496"/>
+                      </a:lnTo>
+                      <a:lnTo>
+                        <a:pt x="1616" y="511"/>
+                      </a:lnTo>
+                      <a:lnTo>
+                        <a:pt x="1617" y="527"/>
+                      </a:lnTo>
+                      <a:lnTo>
+                        <a:pt x="1617" y="544"/>
+                      </a:lnTo>
+                      <a:lnTo>
+                        <a:pt x="1617" y="590"/>
+                      </a:lnTo>
+                      <a:lnTo>
+                        <a:pt x="1588" y="646"/>
+                      </a:lnTo>
+                      <a:lnTo>
+                        <a:pt x="18" y="634"/>
+                      </a:lnTo>
+                      <a:lnTo>
+                        <a:pt x="0" y="582"/>
+                      </a:lnTo>
+                      <a:lnTo>
+                        <a:pt x="1" y="433"/>
+                      </a:lnTo>
+                      <a:lnTo>
+                        <a:pt x="1" y="433"/>
+                      </a:lnTo>
+                      <a:lnTo>
+                        <a:pt x="1" y="429"/>
+                      </a:lnTo>
+                      <a:lnTo>
+                        <a:pt x="3" y="415"/>
+                      </a:lnTo>
+                      <a:lnTo>
+                        <a:pt x="5" y="406"/>
+                      </a:lnTo>
+                      <a:lnTo>
+                        <a:pt x="9" y="397"/>
+                      </a:lnTo>
+                      <a:lnTo>
+                        <a:pt x="15" y="385"/>
+                      </a:lnTo>
+                      <a:lnTo>
+                        <a:pt x="22" y="373"/>
+                      </a:lnTo>
+                      <a:lnTo>
+                        <a:pt x="32" y="360"/>
+                      </a:lnTo>
+                      <a:lnTo>
+                        <a:pt x="44" y="347"/>
+                      </a:lnTo>
+                      <a:lnTo>
+                        <a:pt x="59" y="334"/>
+                      </a:lnTo>
+                      <a:lnTo>
+                        <a:pt x="78" y="321"/>
+                      </a:lnTo>
+                      <a:lnTo>
+                        <a:pt x="100" y="309"/>
+                      </a:lnTo>
+                      <a:lnTo>
+                        <a:pt x="126" y="298"/>
+                      </a:lnTo>
+                      <a:lnTo>
+                        <a:pt x="156" y="287"/>
+                      </a:lnTo>
+                      <a:lnTo>
+                        <a:pt x="190" y="278"/>
+                      </a:lnTo>
+                      <a:lnTo>
+                        <a:pt x="190" y="278"/>
+                      </a:lnTo>
+                      <a:lnTo>
+                        <a:pt x="199" y="266"/>
+                      </a:lnTo>
+                      <a:lnTo>
+                        <a:pt x="208" y="253"/>
+                      </a:lnTo>
+                      <a:lnTo>
+                        <a:pt x="224" y="235"/>
+                      </a:lnTo>
+                      <a:lnTo>
+                        <a:pt x="243" y="215"/>
+                      </a:lnTo>
+                      <a:lnTo>
+                        <a:pt x="268" y="192"/>
+                      </a:lnTo>
+                      <a:lnTo>
+                        <a:pt x="297" y="167"/>
+                      </a:lnTo>
+                      <a:lnTo>
+                        <a:pt x="313" y="154"/>
+                      </a:lnTo>
+                      <a:lnTo>
+                        <a:pt x="330" y="141"/>
+                      </a:lnTo>
+                      <a:lnTo>
+                        <a:pt x="348" y="129"/>
+                      </a:lnTo>
+                      <a:lnTo>
+                        <a:pt x="369" y="116"/>
+                      </a:lnTo>
+                      <a:lnTo>
+                        <a:pt x="391" y="103"/>
+                      </a:lnTo>
+                      <a:lnTo>
+                        <a:pt x="412" y="91"/>
+                      </a:lnTo>
+                      <a:lnTo>
+                        <a:pt x="437" y="79"/>
+                      </a:lnTo>
+                      <a:lnTo>
+                        <a:pt x="462" y="67"/>
+                      </a:lnTo>
+                      <a:lnTo>
+                        <a:pt x="487" y="56"/>
+                      </a:lnTo>
+                      <a:lnTo>
+                        <a:pt x="515" y="47"/>
+                      </a:lnTo>
+                      <a:lnTo>
+                        <a:pt x="545" y="37"/>
+                      </a:lnTo>
+                      <a:lnTo>
+                        <a:pt x="576" y="28"/>
+                      </a:lnTo>
+                      <a:lnTo>
+                        <a:pt x="607" y="21"/>
+                      </a:lnTo>
+                      <a:lnTo>
+                        <a:pt x="640" y="14"/>
+                      </a:lnTo>
+                      <a:lnTo>
+                        <a:pt x="675" y="9"/>
+                      </a:lnTo>
+                      <a:lnTo>
+                        <a:pt x="711" y="5"/>
+                      </a:lnTo>
+                      <a:lnTo>
+                        <a:pt x="749" y="3"/>
+                      </a:lnTo>
+                      <a:lnTo>
+                        <a:pt x="788" y="1"/>
+                      </a:lnTo>
+                      <a:lnTo>
+                        <a:pt x="788" y="1"/>
+                      </a:lnTo>
+                      <a:close/>
+                    </a:path>
+                  </a:pathLst>
+                </a:custGeom>
+                <a:solidFill>
+                  <a:srgbClr val="57C5EC"/>
+                </a:solidFill>
+                <a:ln>
+                  <a:noFill/>
+                </a:ln>
+                <a:extLst>
+                  <a:ext uri="{91240B29-F687-4F45-9708-019B960494DF}">
+                    <a14:hiddenLine xmlns:a14="http://schemas.microsoft.com/office/drawing/2010/main" w="9525">
+                      <a:solidFill>
+                        <a:srgbClr val="000000"/>
+                      </a:solidFill>
+                      <a:round/>
+                      <a:headEnd/>
+                      <a:tailEnd/>
+                    </a14:hiddenLine>
+                  </a:ext>
+                </a:extLst>
+              </p:spPr>
+              <p:txBody>
+                <a:bodyPr vert="horz" wrap="square" lIns="91440" tIns="45720" rIns="91440" bIns="45720" numCol="1" anchor="t" anchorCtr="0" compatLnSpc="1">
+                  <a:prstTxWarp prst="textNoShape">
+                    <a:avLst/>
+                  </a:prstTxWarp>
+                </a:bodyPr>
+                <a:lstStyle/>
+                <a:p>
+                  <a:endParaRPr lang="ko-KR" altLang="en-US"/>
+                </a:p>
+              </p:txBody>
+            </p:sp>
+            <p:sp>
+              <p:nvSpPr>
+                <p:cNvPr id="24" name="Freeform 40"/>
+                <p:cNvSpPr>
+                  <a:spLocks/>
+                </p:cNvSpPr>
+                <p:nvPr userDrawn="1"/>
+              </p:nvSpPr>
+              <p:spPr bwMode="auto">
+                <a:xfrm>
+                  <a:off x="7316788" y="5756275"/>
+                  <a:ext cx="233363" cy="134938"/>
+                </a:xfrm>
+                <a:custGeom>
+                  <a:avLst/>
+                  <a:gdLst>
+                    <a:gd name="T0" fmla="*/ 442 w 442"/>
+                    <a:gd name="T1" fmla="*/ 255 h 255"/>
+                    <a:gd name="T2" fmla="*/ 0 w 442"/>
+                    <a:gd name="T3" fmla="*/ 252 h 255"/>
+                    <a:gd name="T4" fmla="*/ 2 w 442"/>
+                    <a:gd name="T5" fmla="*/ 0 h 255"/>
+                    <a:gd name="T6" fmla="*/ 2 w 442"/>
+                    <a:gd name="T7" fmla="*/ 0 h 255"/>
+                    <a:gd name="T8" fmla="*/ 17 w 442"/>
+                    <a:gd name="T9" fmla="*/ 1 h 255"/>
+                    <a:gd name="T10" fmla="*/ 35 w 442"/>
+                    <a:gd name="T11" fmla="*/ 2 h 255"/>
+                    <a:gd name="T12" fmla="*/ 57 w 442"/>
+                    <a:gd name="T13" fmla="*/ 4 h 255"/>
+                    <a:gd name="T14" fmla="*/ 81 w 442"/>
+                    <a:gd name="T15" fmla="*/ 8 h 255"/>
+                    <a:gd name="T16" fmla="*/ 106 w 442"/>
+                    <a:gd name="T17" fmla="*/ 14 h 255"/>
+                    <a:gd name="T18" fmla="*/ 134 w 442"/>
+                    <a:gd name="T19" fmla="*/ 21 h 255"/>
+                    <a:gd name="T20" fmla="*/ 165 w 442"/>
+                    <a:gd name="T21" fmla="*/ 30 h 255"/>
+                    <a:gd name="T22" fmla="*/ 195 w 442"/>
+                    <a:gd name="T23" fmla="*/ 42 h 255"/>
+                    <a:gd name="T24" fmla="*/ 227 w 442"/>
+                    <a:gd name="T25" fmla="*/ 57 h 255"/>
+                    <a:gd name="T26" fmla="*/ 243 w 442"/>
+                    <a:gd name="T27" fmla="*/ 64 h 255"/>
+                    <a:gd name="T28" fmla="*/ 259 w 442"/>
+                    <a:gd name="T29" fmla="*/ 74 h 255"/>
+                    <a:gd name="T30" fmla="*/ 275 w 442"/>
+                    <a:gd name="T31" fmla="*/ 84 h 255"/>
+                    <a:gd name="T32" fmla="*/ 292 w 442"/>
+                    <a:gd name="T33" fmla="*/ 95 h 255"/>
+                    <a:gd name="T34" fmla="*/ 307 w 442"/>
+                    <a:gd name="T35" fmla="*/ 106 h 255"/>
+                    <a:gd name="T36" fmla="*/ 323 w 442"/>
+                    <a:gd name="T37" fmla="*/ 118 h 255"/>
+                    <a:gd name="T38" fmla="*/ 339 w 442"/>
+                    <a:gd name="T39" fmla="*/ 132 h 255"/>
+                    <a:gd name="T40" fmla="*/ 355 w 442"/>
+                    <a:gd name="T41" fmla="*/ 146 h 255"/>
+                    <a:gd name="T42" fmla="*/ 370 w 442"/>
+                    <a:gd name="T43" fmla="*/ 162 h 255"/>
+                    <a:gd name="T44" fmla="*/ 385 w 442"/>
+                    <a:gd name="T45" fmla="*/ 179 h 255"/>
+                    <a:gd name="T46" fmla="*/ 400 w 442"/>
+                    <a:gd name="T47" fmla="*/ 196 h 255"/>
+                    <a:gd name="T48" fmla="*/ 414 w 442"/>
+                    <a:gd name="T49" fmla="*/ 214 h 255"/>
+                    <a:gd name="T50" fmla="*/ 428 w 442"/>
+                    <a:gd name="T51" fmla="*/ 235 h 255"/>
+                    <a:gd name="T52" fmla="*/ 442 w 442"/>
+                    <a:gd name="T53" fmla="*/ 255 h 255"/>
+                    <a:gd name="T54" fmla="*/ 442 w 442"/>
+                    <a:gd name="T55" fmla="*/ 255 h 255"/>
+                  </a:gdLst>
+                  <a:ahLst/>
+                  <a:cxnLst>
+                    <a:cxn ang="0">
+                      <a:pos x="T0" y="T1"/>
+                    </a:cxn>
+                    <a:cxn ang="0">
+                      <a:pos x="T2" y="T3"/>
+                    </a:cxn>
+                    <a:cxn ang="0">
+                      <a:pos x="T4" y="T5"/>
+                    </a:cxn>
+                    <a:cxn ang="0">
+                      <a:pos x="T6" y="T7"/>
+                    </a:cxn>
+                    <a:cxn ang="0">
+                      <a:pos x="T8" y="T9"/>
+                    </a:cxn>
+                    <a:cxn ang="0">
+                      <a:pos x="T10" y="T11"/>
+                    </a:cxn>
+                    <a:cxn ang="0">
+                      <a:pos x="T12" y="T13"/>
+                    </a:cxn>
+                    <a:cxn ang="0">
+                      <a:pos x="T14" y="T15"/>
+                    </a:cxn>
+                    <a:cxn ang="0">
+                      <a:pos x="T16" y="T17"/>
+                    </a:cxn>
+                    <a:cxn ang="0">
+                      <a:pos x="T18" y="T19"/>
+                    </a:cxn>
+                    <a:cxn ang="0">
+                      <a:pos x="T20" y="T21"/>
+                    </a:cxn>
+                    <a:cxn ang="0">
+                      <a:pos x="T22" y="T23"/>
+                    </a:cxn>
+                    <a:cxn ang="0">
+                      <a:pos x="T24" y="T25"/>
+                    </a:cxn>
+                    <a:cxn ang="0">
+                      <a:pos x="T26" y="T27"/>
+                    </a:cxn>
+                    <a:cxn ang="0">
+                      <a:pos x="T28" y="T29"/>
+                    </a:cxn>
+                    <a:cxn ang="0">
+                      <a:pos x="T30" y="T31"/>
+                    </a:cxn>
+                    <a:cxn ang="0">
+                      <a:pos x="T32" y="T33"/>
+                    </a:cxn>
+                    <a:cxn ang="0">
+                      <a:pos x="T34" y="T35"/>
+                    </a:cxn>
+                    <a:cxn ang="0">
+                      <a:pos x="T36" y="T37"/>
+                    </a:cxn>
+                    <a:cxn ang="0">
+                      <a:pos x="T38" y="T39"/>
+                    </a:cxn>
+                    <a:cxn ang="0">
+                      <a:pos x="T40" y="T41"/>
+                    </a:cxn>
+                    <a:cxn ang="0">
+                      <a:pos x="T42" y="T43"/>
+                    </a:cxn>
+                    <a:cxn ang="0">
+                      <a:pos x="T44" y="T45"/>
+                    </a:cxn>
+                    <a:cxn ang="0">
+                      <a:pos x="T46" y="T47"/>
+                    </a:cxn>
+                    <a:cxn ang="0">
+                      <a:pos x="T48" y="T49"/>
+                    </a:cxn>
+                    <a:cxn ang="0">
+                      <a:pos x="T50" y="T51"/>
+                    </a:cxn>
+                    <a:cxn ang="0">
+                      <a:pos x="T52" y="T53"/>
+                    </a:cxn>
+                    <a:cxn ang="0">
+                      <a:pos x="T54" y="T55"/>
+                    </a:cxn>
+                  </a:cxnLst>
+                  <a:rect l="0" t="0" r="r" b="b"/>
+                  <a:pathLst>
+                    <a:path w="442" h="255">
+                      <a:moveTo>
+                        <a:pt x="442" y="255"/>
+                      </a:moveTo>
+                      <a:lnTo>
+                        <a:pt x="0" y="252"/>
+                      </a:lnTo>
+                      <a:lnTo>
+                        <a:pt x="2" y="0"/>
+                      </a:lnTo>
+                      <a:lnTo>
+                        <a:pt x="2" y="0"/>
+                      </a:lnTo>
+                      <a:lnTo>
+                        <a:pt x="17" y="1"/>
+                      </a:lnTo>
+                      <a:lnTo>
+                        <a:pt x="35" y="2"/>
+                      </a:lnTo>
+                      <a:lnTo>
+                        <a:pt x="57" y="4"/>
+                      </a:lnTo>
+                      <a:lnTo>
+                        <a:pt x="81" y="8"/>
+                      </a:lnTo>
+                      <a:lnTo>
+                        <a:pt x="106" y="14"/>
+                      </a:lnTo>
+                      <a:lnTo>
+                        <a:pt x="134" y="21"/>
+                      </a:lnTo>
+                      <a:lnTo>
+                        <a:pt x="165" y="30"/>
+                      </a:lnTo>
+                      <a:lnTo>
+                        <a:pt x="195" y="42"/>
+                      </a:lnTo>
+                      <a:lnTo>
+                        <a:pt x="227" y="57"/>
+                      </a:lnTo>
+                      <a:lnTo>
+                        <a:pt x="243" y="64"/>
+                      </a:lnTo>
+                      <a:lnTo>
+                        <a:pt x="259" y="74"/>
+                      </a:lnTo>
+                      <a:lnTo>
+                        <a:pt x="275" y="84"/>
+                      </a:lnTo>
+                      <a:lnTo>
+                        <a:pt x="292" y="95"/>
+                      </a:lnTo>
+                      <a:lnTo>
+                        <a:pt x="307" y="106"/>
+                      </a:lnTo>
+                      <a:lnTo>
+                        <a:pt x="323" y="118"/>
+                      </a:lnTo>
+                      <a:lnTo>
+                        <a:pt x="339" y="132"/>
+                      </a:lnTo>
+                      <a:lnTo>
+                        <a:pt x="355" y="146"/>
+                      </a:lnTo>
+                      <a:lnTo>
+                        <a:pt x="370" y="162"/>
+                      </a:lnTo>
+                      <a:lnTo>
+                        <a:pt x="385" y="179"/>
+                      </a:lnTo>
+                      <a:lnTo>
+                        <a:pt x="400" y="196"/>
+                      </a:lnTo>
+                      <a:lnTo>
+                        <a:pt x="414" y="214"/>
+                      </a:lnTo>
+                      <a:lnTo>
+                        <a:pt x="428" y="235"/>
+                      </a:lnTo>
+                      <a:lnTo>
+                        <a:pt x="442" y="255"/>
+                      </a:lnTo>
+                      <a:lnTo>
+                        <a:pt x="442" y="255"/>
+                      </a:lnTo>
+                      <a:close/>
+                    </a:path>
+                  </a:pathLst>
+                </a:custGeom>
+                <a:solidFill>
+                  <a:srgbClr val="FFFFFF"/>
+                </a:solidFill>
+                <a:ln>
+                  <a:noFill/>
+                </a:ln>
+                <a:extLst>
+                  <a:ext uri="{91240B29-F687-4F45-9708-019B960494DF}">
+                    <a14:hiddenLine xmlns:a14="http://schemas.microsoft.com/office/drawing/2010/main" w="9525">
+                      <a:solidFill>
+                        <a:srgbClr val="000000"/>
+                      </a:solidFill>
+                      <a:round/>
+                      <a:headEnd/>
+                      <a:tailEnd/>
+                    </a14:hiddenLine>
+                  </a:ext>
+                </a:extLst>
+              </p:spPr>
+              <p:txBody>
+                <a:bodyPr vert="horz" wrap="square" lIns="91440" tIns="45720" rIns="91440" bIns="45720" numCol="1" anchor="t" anchorCtr="0" compatLnSpc="1">
+                  <a:prstTxWarp prst="textNoShape">
+                    <a:avLst/>
+                  </a:prstTxWarp>
+                </a:bodyPr>
+                <a:lstStyle/>
+                <a:p>
+                  <a:endParaRPr lang="ko-KR" altLang="en-US"/>
+                </a:p>
+              </p:txBody>
+            </p:sp>
+            <p:sp>
+              <p:nvSpPr>
+                <p:cNvPr id="25" name="Freeform 41"/>
+                <p:cNvSpPr>
+                  <a:spLocks/>
+                </p:cNvSpPr>
+                <p:nvPr userDrawn="1"/>
+              </p:nvSpPr>
+              <p:spPr bwMode="auto">
+                <a:xfrm>
+                  <a:off x="7085013" y="5756275"/>
+                  <a:ext cx="200025" cy="131763"/>
+                </a:xfrm>
+                <a:custGeom>
+                  <a:avLst/>
+                  <a:gdLst>
+                    <a:gd name="T0" fmla="*/ 0 w 379"/>
+                    <a:gd name="T1" fmla="*/ 248 h 250"/>
+                    <a:gd name="T2" fmla="*/ 0 w 379"/>
+                    <a:gd name="T3" fmla="*/ 248 h 250"/>
+                    <a:gd name="T4" fmla="*/ 5 w 379"/>
+                    <a:gd name="T5" fmla="*/ 237 h 250"/>
+                    <a:gd name="T6" fmla="*/ 10 w 379"/>
+                    <a:gd name="T7" fmla="*/ 226 h 250"/>
+                    <a:gd name="T8" fmla="*/ 18 w 379"/>
+                    <a:gd name="T9" fmla="*/ 211 h 250"/>
+                    <a:gd name="T10" fmla="*/ 27 w 379"/>
+                    <a:gd name="T11" fmla="*/ 194 h 250"/>
+                    <a:gd name="T12" fmla="*/ 41 w 379"/>
+                    <a:gd name="T13" fmla="*/ 174 h 250"/>
+                    <a:gd name="T14" fmla="*/ 58 w 379"/>
+                    <a:gd name="T15" fmla="*/ 153 h 250"/>
+                    <a:gd name="T16" fmla="*/ 77 w 379"/>
+                    <a:gd name="T17" fmla="*/ 131 h 250"/>
+                    <a:gd name="T18" fmla="*/ 88 w 379"/>
+                    <a:gd name="T19" fmla="*/ 119 h 250"/>
+                    <a:gd name="T20" fmla="*/ 100 w 379"/>
+                    <a:gd name="T21" fmla="*/ 109 h 250"/>
+                    <a:gd name="T22" fmla="*/ 113 w 379"/>
+                    <a:gd name="T23" fmla="*/ 98 h 250"/>
+                    <a:gd name="T24" fmla="*/ 127 w 379"/>
+                    <a:gd name="T25" fmla="*/ 87 h 250"/>
+                    <a:gd name="T26" fmla="*/ 142 w 379"/>
+                    <a:gd name="T27" fmla="*/ 76 h 250"/>
+                    <a:gd name="T28" fmla="*/ 158 w 379"/>
+                    <a:gd name="T29" fmla="*/ 66 h 250"/>
+                    <a:gd name="T30" fmla="*/ 175 w 379"/>
+                    <a:gd name="T31" fmla="*/ 56 h 250"/>
+                    <a:gd name="T32" fmla="*/ 192 w 379"/>
+                    <a:gd name="T33" fmla="*/ 47 h 250"/>
+                    <a:gd name="T34" fmla="*/ 212 w 379"/>
+                    <a:gd name="T35" fmla="*/ 39 h 250"/>
+                    <a:gd name="T36" fmla="*/ 232 w 379"/>
+                    <a:gd name="T37" fmla="*/ 30 h 250"/>
+                    <a:gd name="T38" fmla="*/ 254 w 379"/>
+                    <a:gd name="T39" fmla="*/ 23 h 250"/>
+                    <a:gd name="T40" fmla="*/ 276 w 379"/>
+                    <a:gd name="T41" fmla="*/ 16 h 250"/>
+                    <a:gd name="T42" fmla="*/ 300 w 379"/>
+                    <a:gd name="T43" fmla="*/ 11 h 250"/>
+                    <a:gd name="T44" fmla="*/ 325 w 379"/>
+                    <a:gd name="T45" fmla="*/ 6 h 250"/>
+                    <a:gd name="T46" fmla="*/ 351 w 379"/>
+                    <a:gd name="T47" fmla="*/ 3 h 250"/>
+                    <a:gd name="T48" fmla="*/ 379 w 379"/>
+                    <a:gd name="T49" fmla="*/ 0 h 250"/>
+                    <a:gd name="T50" fmla="*/ 376 w 379"/>
+                    <a:gd name="T51" fmla="*/ 250 h 250"/>
+                    <a:gd name="T52" fmla="*/ 0 w 379"/>
+                    <a:gd name="T53" fmla="*/ 248 h 250"/>
+                  </a:gdLst>
+                  <a:ahLst/>
+                  <a:cxnLst>
+                    <a:cxn ang="0">
+                      <a:pos x="T0" y="T1"/>
+                    </a:cxn>
+                    <a:cxn ang="0">
+                      <a:pos x="T2" y="T3"/>
+                    </a:cxn>
+                    <a:cxn ang="0">
+                      <a:pos x="T4" y="T5"/>
+                    </a:cxn>
+                    <a:cxn ang="0">
+                      <a:pos x="T6" y="T7"/>
+                    </a:cxn>
+                    <a:cxn ang="0">
+                      <a:pos x="T8" y="T9"/>
+                    </a:cxn>
+                    <a:cxn ang="0">
+                      <a:pos x="T10" y="T11"/>
+                    </a:cxn>
+                    <a:cxn ang="0">
+                      <a:pos x="T12" y="T13"/>
+                    </a:cxn>
+                    <a:cxn ang="0">
+                      <a:pos x="T14" y="T15"/>
+                    </a:cxn>
+                    <a:cxn ang="0">
+                      <a:pos x="T16" y="T17"/>
+                    </a:cxn>
+                    <a:cxn ang="0">
+                      <a:pos x="T18" y="T19"/>
+                    </a:cxn>
+                    <a:cxn ang="0">
+                      <a:pos x="T20" y="T21"/>
+                    </a:cxn>
+                    <a:cxn ang="0">
+                      <a:pos x="T22" y="T23"/>
+                    </a:cxn>
+                    <a:cxn ang="0">
+                      <a:pos x="T24" y="T25"/>
+                    </a:cxn>
+                    <a:cxn ang="0">
+                      <a:pos x="T26" y="T27"/>
+                    </a:cxn>
+                    <a:cxn ang="0">
+                      <a:pos x="T28" y="T29"/>
+                    </a:cxn>
+                    <a:cxn ang="0">
+                      <a:pos x="T30" y="T31"/>
+                    </a:cxn>
+                    <a:cxn ang="0">
+                      <a:pos x="T32" y="T33"/>
+                    </a:cxn>
+                    <a:cxn ang="0">
+                      <a:pos x="T34" y="T35"/>
+                    </a:cxn>
+                    <a:cxn ang="0">
+                      <a:pos x="T36" y="T37"/>
+                    </a:cxn>
+                    <a:cxn ang="0">
+                      <a:pos x="T38" y="T39"/>
+                    </a:cxn>
+                    <a:cxn ang="0">
+                      <a:pos x="T40" y="T41"/>
+                    </a:cxn>
+                    <a:cxn ang="0">
+                      <a:pos x="T42" y="T43"/>
+                    </a:cxn>
+                    <a:cxn ang="0">
+                      <a:pos x="T44" y="T45"/>
+                    </a:cxn>
+                    <a:cxn ang="0">
+                      <a:pos x="T46" y="T47"/>
+                    </a:cxn>
+                    <a:cxn ang="0">
+                      <a:pos x="T48" y="T49"/>
+                    </a:cxn>
+                    <a:cxn ang="0">
+                      <a:pos x="T50" y="T51"/>
+                    </a:cxn>
+                    <a:cxn ang="0">
+                      <a:pos x="T52" y="T53"/>
+                    </a:cxn>
+                  </a:cxnLst>
+                  <a:rect l="0" t="0" r="r" b="b"/>
+                  <a:pathLst>
+                    <a:path w="379" h="250">
+                      <a:moveTo>
+                        <a:pt x="0" y="248"/>
+                      </a:moveTo>
+                      <a:lnTo>
+                        <a:pt x="0" y="248"/>
+                      </a:lnTo>
+                      <a:lnTo>
+                        <a:pt x="5" y="237"/>
+                      </a:lnTo>
+                      <a:lnTo>
+                        <a:pt x="10" y="226"/>
+                      </a:lnTo>
+                      <a:lnTo>
+                        <a:pt x="18" y="211"/>
+                      </a:lnTo>
+                      <a:lnTo>
+                        <a:pt x="27" y="194"/>
+                      </a:lnTo>
+                      <a:lnTo>
+                        <a:pt x="41" y="174"/>
+                      </a:lnTo>
+                      <a:lnTo>
+                        <a:pt x="58" y="153"/>
+                      </a:lnTo>
+                      <a:lnTo>
+                        <a:pt x="77" y="131"/>
+                      </a:lnTo>
+                      <a:lnTo>
+                        <a:pt x="88" y="119"/>
+                      </a:lnTo>
+                      <a:lnTo>
+                        <a:pt x="100" y="109"/>
+                      </a:lnTo>
+                      <a:lnTo>
+                        <a:pt x="113" y="98"/>
+                      </a:lnTo>
+                      <a:lnTo>
+                        <a:pt x="127" y="87"/>
+                      </a:lnTo>
+                      <a:lnTo>
+                        <a:pt x="142" y="76"/>
+                      </a:lnTo>
+                      <a:lnTo>
+                        <a:pt x="158" y="66"/>
+                      </a:lnTo>
+                      <a:lnTo>
+                        <a:pt x="175" y="56"/>
+                      </a:lnTo>
+                      <a:lnTo>
+                        <a:pt x="192" y="47"/>
+                      </a:lnTo>
+                      <a:lnTo>
+                        <a:pt x="212" y="39"/>
+                      </a:lnTo>
+                      <a:lnTo>
+                        <a:pt x="232" y="30"/>
+                      </a:lnTo>
+                      <a:lnTo>
+                        <a:pt x="254" y="23"/>
+                      </a:lnTo>
+                      <a:lnTo>
+                        <a:pt x="276" y="16"/>
+                      </a:lnTo>
+                      <a:lnTo>
+                        <a:pt x="300" y="11"/>
+                      </a:lnTo>
+                      <a:lnTo>
+                        <a:pt x="325" y="6"/>
+                      </a:lnTo>
+                      <a:lnTo>
+                        <a:pt x="351" y="3"/>
+                      </a:lnTo>
+                      <a:lnTo>
+                        <a:pt x="379" y="0"/>
+                      </a:lnTo>
+                      <a:lnTo>
+                        <a:pt x="376" y="250"/>
+                      </a:lnTo>
+                      <a:lnTo>
+                        <a:pt x="0" y="248"/>
+                      </a:lnTo>
+                      <a:close/>
+                    </a:path>
+                  </a:pathLst>
+                </a:custGeom>
+                <a:solidFill>
+                  <a:srgbClr val="FFFFFF"/>
+                </a:solidFill>
+                <a:ln>
+                  <a:noFill/>
+                </a:ln>
+                <a:extLst>
+                  <a:ext uri="{91240B29-F687-4F45-9708-019B960494DF}">
+                    <a14:hiddenLine xmlns:a14="http://schemas.microsoft.com/office/drawing/2010/main" w="9525">
+                      <a:solidFill>
+                        <a:srgbClr val="000000"/>
+                      </a:solidFill>
+                      <a:round/>
+                      <a:headEnd/>
+                      <a:tailEnd/>
+                    </a14:hiddenLine>
+                  </a:ext>
+                </a:extLst>
+              </p:spPr>
+              <p:txBody>
+                <a:bodyPr vert="horz" wrap="square" lIns="91440" tIns="45720" rIns="91440" bIns="45720" numCol="1" anchor="t" anchorCtr="0" compatLnSpc="1">
+                  <a:prstTxWarp prst="textNoShape">
+                    <a:avLst/>
+                  </a:prstTxWarp>
+                </a:bodyPr>
+                <a:lstStyle/>
+                <a:p>
+                  <a:endParaRPr lang="ko-KR" altLang="en-US"/>
+                </a:p>
+              </p:txBody>
+            </p:sp>
+            <p:sp>
+              <p:nvSpPr>
+                <p:cNvPr id="26" name="Freeform 42"/>
+                <p:cNvSpPr>
+                  <a:spLocks/>
+                </p:cNvSpPr>
+                <p:nvPr userDrawn="1"/>
+              </p:nvSpPr>
+              <p:spPr bwMode="auto">
+                <a:xfrm>
+                  <a:off x="7742238" y="5972175"/>
+                  <a:ext cx="22225" cy="66675"/>
+                </a:xfrm>
+                <a:custGeom>
+                  <a:avLst/>
+                  <a:gdLst>
+                    <a:gd name="T0" fmla="*/ 40 w 42"/>
+                    <a:gd name="T1" fmla="*/ 118 h 126"/>
+                    <a:gd name="T2" fmla="*/ 40 w 42"/>
+                    <a:gd name="T3" fmla="*/ 118 h 126"/>
+                    <a:gd name="T4" fmla="*/ 41 w 42"/>
+                    <a:gd name="T5" fmla="*/ 106 h 126"/>
+                    <a:gd name="T6" fmla="*/ 42 w 42"/>
+                    <a:gd name="T7" fmla="*/ 79 h 126"/>
+                    <a:gd name="T8" fmla="*/ 41 w 42"/>
+                    <a:gd name="T9" fmla="*/ 63 h 126"/>
+                    <a:gd name="T10" fmla="*/ 41 w 42"/>
+                    <a:gd name="T11" fmla="*/ 45 h 126"/>
+                    <a:gd name="T12" fmla="*/ 39 w 42"/>
+                    <a:gd name="T13" fmla="*/ 28 h 126"/>
+                    <a:gd name="T14" fmla="*/ 37 w 42"/>
+                    <a:gd name="T15" fmla="*/ 13 h 126"/>
+                    <a:gd name="T16" fmla="*/ 37 w 42"/>
+                    <a:gd name="T17" fmla="*/ 13 h 126"/>
+                    <a:gd name="T18" fmla="*/ 31 w 42"/>
+                    <a:gd name="T19" fmla="*/ 9 h 126"/>
+                    <a:gd name="T20" fmla="*/ 25 w 42"/>
+                    <a:gd name="T21" fmla="*/ 4 h 126"/>
+                    <a:gd name="T22" fmla="*/ 19 w 42"/>
+                    <a:gd name="T23" fmla="*/ 1 h 126"/>
+                    <a:gd name="T24" fmla="*/ 16 w 42"/>
+                    <a:gd name="T25" fmla="*/ 0 h 126"/>
+                    <a:gd name="T26" fmla="*/ 12 w 42"/>
+                    <a:gd name="T27" fmla="*/ 1 h 126"/>
+                    <a:gd name="T28" fmla="*/ 10 w 42"/>
+                    <a:gd name="T29" fmla="*/ 2 h 126"/>
+                    <a:gd name="T30" fmla="*/ 7 w 42"/>
+                    <a:gd name="T31" fmla="*/ 4 h 126"/>
+                    <a:gd name="T32" fmla="*/ 6 w 42"/>
+                    <a:gd name="T33" fmla="*/ 8 h 126"/>
+                    <a:gd name="T34" fmla="*/ 5 w 42"/>
+                    <a:gd name="T35" fmla="*/ 13 h 126"/>
+                    <a:gd name="T36" fmla="*/ 4 w 42"/>
+                    <a:gd name="T37" fmla="*/ 20 h 126"/>
+                    <a:gd name="T38" fmla="*/ 5 w 42"/>
+                    <a:gd name="T39" fmla="*/ 29 h 126"/>
+                    <a:gd name="T40" fmla="*/ 5 w 42"/>
+                    <a:gd name="T41" fmla="*/ 29 h 126"/>
+                    <a:gd name="T42" fmla="*/ 4 w 42"/>
+                    <a:gd name="T43" fmla="*/ 66 h 126"/>
+                    <a:gd name="T44" fmla="*/ 3 w 42"/>
+                    <a:gd name="T45" fmla="*/ 97 h 126"/>
+                    <a:gd name="T46" fmla="*/ 0 w 42"/>
+                    <a:gd name="T47" fmla="*/ 126 h 126"/>
+                    <a:gd name="T48" fmla="*/ 40 w 42"/>
+                    <a:gd name="T49" fmla="*/ 118 h 126"/>
+                  </a:gdLst>
+                  <a:ahLst/>
+                  <a:cxnLst>
+                    <a:cxn ang="0">
+                      <a:pos x="T0" y="T1"/>
+                    </a:cxn>
+                    <a:cxn ang="0">
+                      <a:pos x="T2" y="T3"/>
+                    </a:cxn>
+                    <a:cxn ang="0">
+                      <a:pos x="T4" y="T5"/>
+                    </a:cxn>
+                    <a:cxn ang="0">
+                      <a:pos x="T6" y="T7"/>
+                    </a:cxn>
+                    <a:cxn ang="0">
+                      <a:pos x="T8" y="T9"/>
+                    </a:cxn>
+                    <a:cxn ang="0">
+                      <a:pos x="T10" y="T11"/>
+                    </a:cxn>
+                    <a:cxn ang="0">
+                      <a:pos x="T12" y="T13"/>
+                    </a:cxn>
+                    <a:cxn ang="0">
+                      <a:pos x="T14" y="T15"/>
+                    </a:cxn>
+                    <a:cxn ang="0">
+                      <a:pos x="T16" y="T17"/>
+                    </a:cxn>
+                    <a:cxn ang="0">
+                      <a:pos x="T18" y="T19"/>
+                    </a:cxn>
+                    <a:cxn ang="0">
+                      <a:pos x="T20" y="T21"/>
+                    </a:cxn>
+                    <a:cxn ang="0">
+                      <a:pos x="T22" y="T23"/>
+                    </a:cxn>
+                    <a:cxn ang="0">
+                      <a:pos x="T24" y="T25"/>
+                    </a:cxn>
+                    <a:cxn ang="0">
+                      <a:pos x="T26" y="T27"/>
+                    </a:cxn>
+                    <a:cxn ang="0">
+                      <a:pos x="T28" y="T29"/>
+                    </a:cxn>
+                    <a:cxn ang="0">
+                      <a:pos x="T30" y="T31"/>
+                    </a:cxn>
+                    <a:cxn ang="0">
+                      <a:pos x="T32" y="T33"/>
+                    </a:cxn>
+                    <a:cxn ang="0">
+                      <a:pos x="T34" y="T35"/>
+                    </a:cxn>
+                    <a:cxn ang="0">
+                      <a:pos x="T36" y="T37"/>
+                    </a:cxn>
+                    <a:cxn ang="0">
+                      <a:pos x="T38" y="T39"/>
+                    </a:cxn>
+                    <a:cxn ang="0">
+                      <a:pos x="T40" y="T41"/>
+                    </a:cxn>
+                    <a:cxn ang="0">
+                      <a:pos x="T42" y="T43"/>
+                    </a:cxn>
+                    <a:cxn ang="0">
+                      <a:pos x="T44" y="T45"/>
+                    </a:cxn>
+                    <a:cxn ang="0">
+                      <a:pos x="T46" y="T47"/>
+                    </a:cxn>
+                    <a:cxn ang="0">
+                      <a:pos x="T48" y="T49"/>
+                    </a:cxn>
+                  </a:cxnLst>
+                  <a:rect l="0" t="0" r="r" b="b"/>
+                  <a:pathLst>
+                    <a:path w="42" h="126">
+                      <a:moveTo>
+                        <a:pt x="40" y="118"/>
+                      </a:moveTo>
+                      <a:lnTo>
+                        <a:pt x="40" y="118"/>
+                      </a:lnTo>
+                      <a:lnTo>
+                        <a:pt x="41" y="106"/>
+                      </a:lnTo>
+                      <a:lnTo>
+                        <a:pt x="42" y="79"/>
+                      </a:lnTo>
+                      <a:lnTo>
+                        <a:pt x="41" y="63"/>
+                      </a:lnTo>
+                      <a:lnTo>
+                        <a:pt x="41" y="45"/>
+                      </a:lnTo>
+                      <a:lnTo>
+                        <a:pt x="39" y="28"/>
+                      </a:lnTo>
+                      <a:lnTo>
+                        <a:pt x="37" y="13"/>
+                      </a:lnTo>
+                      <a:lnTo>
+                        <a:pt x="37" y="13"/>
+                      </a:lnTo>
+                      <a:lnTo>
+                        <a:pt x="31" y="9"/>
+                      </a:lnTo>
+                      <a:lnTo>
+                        <a:pt x="25" y="4"/>
+                      </a:lnTo>
+                      <a:lnTo>
+                        <a:pt x="19" y="1"/>
+                      </a:lnTo>
+                      <a:lnTo>
+                        <a:pt x="16" y="0"/>
+                      </a:lnTo>
+                      <a:lnTo>
+                        <a:pt x="12" y="1"/>
+                      </a:lnTo>
+                      <a:lnTo>
+                        <a:pt x="10" y="2"/>
+                      </a:lnTo>
+                      <a:lnTo>
+                        <a:pt x="7" y="4"/>
+                      </a:lnTo>
+                      <a:lnTo>
+                        <a:pt x="6" y="8"/>
+                      </a:lnTo>
+                      <a:lnTo>
+                        <a:pt x="5" y="13"/>
+                      </a:lnTo>
+                      <a:lnTo>
+                        <a:pt x="4" y="20"/>
+                      </a:lnTo>
+                      <a:lnTo>
+                        <a:pt x="5" y="29"/>
+                      </a:lnTo>
+                      <a:lnTo>
+                        <a:pt x="5" y="29"/>
+                      </a:lnTo>
+                      <a:lnTo>
+                        <a:pt x="4" y="66"/>
+                      </a:lnTo>
+                      <a:lnTo>
+                        <a:pt x="3" y="97"/>
+                      </a:lnTo>
+                      <a:lnTo>
+                        <a:pt x="0" y="126"/>
+                      </a:lnTo>
+                      <a:lnTo>
+                        <a:pt x="40" y="118"/>
+                      </a:lnTo>
+                      <a:close/>
+                    </a:path>
+                  </a:pathLst>
+                </a:custGeom>
+                <a:solidFill>
+                  <a:srgbClr val="ACDBEC"/>
+                </a:solidFill>
+                <a:ln>
+                  <a:noFill/>
+                </a:ln>
+                <a:extLst>
+                  <a:ext uri="{91240B29-F687-4F45-9708-019B960494DF}">
+                    <a14:hiddenLine xmlns:a14="http://schemas.microsoft.com/office/drawing/2010/main" w="9525">
+                      <a:solidFill>
+                        <a:srgbClr val="000000"/>
+                      </a:solidFill>
+                      <a:round/>
+                      <a:headEnd/>
+                      <a:tailEnd/>
+                    </a14:hiddenLine>
+                  </a:ext>
+                </a:extLst>
+              </p:spPr>
+              <p:txBody>
+                <a:bodyPr vert="horz" wrap="square" lIns="91440" tIns="45720" rIns="91440" bIns="45720" numCol="1" anchor="t" anchorCtr="0" compatLnSpc="1">
+                  <a:prstTxWarp prst="textNoShape">
+                    <a:avLst/>
+                  </a:prstTxWarp>
+                </a:bodyPr>
+                <a:lstStyle/>
+                <a:p>
+                  <a:endParaRPr lang="ko-KR" altLang="en-US"/>
+                </a:p>
+              </p:txBody>
+            </p:sp>
+            <p:sp>
+              <p:nvSpPr>
+                <p:cNvPr id="27" name="Freeform 43"/>
+                <p:cNvSpPr>
+                  <a:spLocks/>
+                </p:cNvSpPr>
+                <p:nvPr userDrawn="1"/>
+              </p:nvSpPr>
+              <p:spPr bwMode="auto">
+                <a:xfrm>
+                  <a:off x="6908800" y="6026150"/>
+                  <a:ext cx="854075" cy="84138"/>
+                </a:xfrm>
+                <a:custGeom>
+                  <a:avLst/>
+                  <a:gdLst>
+                    <a:gd name="T0" fmla="*/ 0 w 1616"/>
+                    <a:gd name="T1" fmla="*/ 0 h 161"/>
+                    <a:gd name="T2" fmla="*/ 0 w 1616"/>
+                    <a:gd name="T3" fmla="*/ 0 h 161"/>
+                    <a:gd name="T4" fmla="*/ 1 w 1616"/>
+                    <a:gd name="T5" fmla="*/ 15 h 161"/>
+                    <a:gd name="T6" fmla="*/ 3 w 1616"/>
+                    <a:gd name="T7" fmla="*/ 31 h 161"/>
+                    <a:gd name="T8" fmla="*/ 6 w 1616"/>
+                    <a:gd name="T9" fmla="*/ 45 h 161"/>
+                    <a:gd name="T10" fmla="*/ 11 w 1616"/>
+                    <a:gd name="T11" fmla="*/ 59 h 161"/>
+                    <a:gd name="T12" fmla="*/ 17 w 1616"/>
+                    <a:gd name="T13" fmla="*/ 71 h 161"/>
+                    <a:gd name="T14" fmla="*/ 24 w 1616"/>
+                    <a:gd name="T15" fmla="*/ 83 h 161"/>
+                    <a:gd name="T16" fmla="*/ 33 w 1616"/>
+                    <a:gd name="T17" fmla="*/ 95 h 161"/>
+                    <a:gd name="T18" fmla="*/ 43 w 1616"/>
+                    <a:gd name="T19" fmla="*/ 106 h 161"/>
+                    <a:gd name="T20" fmla="*/ 53 w 1616"/>
+                    <a:gd name="T21" fmla="*/ 116 h 161"/>
+                    <a:gd name="T22" fmla="*/ 64 w 1616"/>
+                    <a:gd name="T23" fmla="*/ 124 h 161"/>
+                    <a:gd name="T24" fmla="*/ 77 w 1616"/>
+                    <a:gd name="T25" fmla="*/ 132 h 161"/>
+                    <a:gd name="T26" fmla="*/ 90 w 1616"/>
+                    <a:gd name="T27" fmla="*/ 138 h 161"/>
+                    <a:gd name="T28" fmla="*/ 104 w 1616"/>
+                    <a:gd name="T29" fmla="*/ 144 h 161"/>
+                    <a:gd name="T30" fmla="*/ 118 w 1616"/>
+                    <a:gd name="T31" fmla="*/ 147 h 161"/>
+                    <a:gd name="T32" fmla="*/ 132 w 1616"/>
+                    <a:gd name="T33" fmla="*/ 150 h 161"/>
+                    <a:gd name="T34" fmla="*/ 148 w 1616"/>
+                    <a:gd name="T35" fmla="*/ 150 h 161"/>
+                    <a:gd name="T36" fmla="*/ 1465 w 1616"/>
+                    <a:gd name="T37" fmla="*/ 161 h 161"/>
+                    <a:gd name="T38" fmla="*/ 1465 w 1616"/>
+                    <a:gd name="T39" fmla="*/ 161 h 161"/>
+                    <a:gd name="T40" fmla="*/ 1482 w 1616"/>
+                    <a:gd name="T41" fmla="*/ 161 h 161"/>
+                    <a:gd name="T42" fmla="*/ 1496 w 1616"/>
+                    <a:gd name="T43" fmla="*/ 159 h 161"/>
+                    <a:gd name="T44" fmla="*/ 1511 w 1616"/>
+                    <a:gd name="T45" fmla="*/ 154 h 161"/>
+                    <a:gd name="T46" fmla="*/ 1524 w 1616"/>
+                    <a:gd name="T47" fmla="*/ 150 h 161"/>
+                    <a:gd name="T48" fmla="*/ 1538 w 1616"/>
+                    <a:gd name="T49" fmla="*/ 144 h 161"/>
+                    <a:gd name="T50" fmla="*/ 1549 w 1616"/>
+                    <a:gd name="T51" fmla="*/ 136 h 161"/>
+                    <a:gd name="T52" fmla="*/ 1561 w 1616"/>
+                    <a:gd name="T53" fmla="*/ 127 h 161"/>
+                    <a:gd name="T54" fmla="*/ 1572 w 1616"/>
+                    <a:gd name="T55" fmla="*/ 119 h 161"/>
+                    <a:gd name="T56" fmla="*/ 1582 w 1616"/>
+                    <a:gd name="T57" fmla="*/ 108 h 161"/>
+                    <a:gd name="T58" fmla="*/ 1590 w 1616"/>
+                    <a:gd name="T59" fmla="*/ 96 h 161"/>
+                    <a:gd name="T60" fmla="*/ 1598 w 1616"/>
+                    <a:gd name="T61" fmla="*/ 84 h 161"/>
+                    <a:gd name="T62" fmla="*/ 1604 w 1616"/>
+                    <a:gd name="T63" fmla="*/ 71 h 161"/>
+                    <a:gd name="T64" fmla="*/ 1609 w 1616"/>
+                    <a:gd name="T65" fmla="*/ 57 h 161"/>
+                    <a:gd name="T66" fmla="*/ 1613 w 1616"/>
+                    <a:gd name="T67" fmla="*/ 43 h 161"/>
+                    <a:gd name="T68" fmla="*/ 1615 w 1616"/>
+                    <a:gd name="T69" fmla="*/ 28 h 161"/>
+                    <a:gd name="T70" fmla="*/ 1616 w 1616"/>
+                    <a:gd name="T71" fmla="*/ 13 h 161"/>
+                    <a:gd name="T72" fmla="*/ 0 w 1616"/>
+                    <a:gd name="T73" fmla="*/ 0 h 161"/>
+                  </a:gdLst>
+                  <a:ahLst/>
+                  <a:cxnLst>
+                    <a:cxn ang="0">
+                      <a:pos x="T0" y="T1"/>
+                    </a:cxn>
+                    <a:cxn ang="0">
+                      <a:pos x="T2" y="T3"/>
+                    </a:cxn>
+                    <a:cxn ang="0">
+                      <a:pos x="T4" y="T5"/>
+                    </a:cxn>
+                    <a:cxn ang="0">
+                      <a:pos x="T6" y="T7"/>
+                    </a:cxn>
+                    <a:cxn ang="0">
+                      <a:pos x="T8" y="T9"/>
+                    </a:cxn>
+                    <a:cxn ang="0">
+                      <a:pos x="T10" y="T11"/>
+                    </a:cxn>
+                    <a:cxn ang="0">
+                      <a:pos x="T12" y="T13"/>
+                    </a:cxn>
+                    <a:cxn ang="0">
+                      <a:pos x="T14" y="T15"/>
+                    </a:cxn>
+                    <a:cxn ang="0">
+                      <a:pos x="T16" y="T17"/>
+                    </a:cxn>
+                    <a:cxn ang="0">
+                      <a:pos x="T18" y="T19"/>
+                    </a:cxn>
+                    <a:cxn ang="0">
+                      <a:pos x="T20" y="T21"/>
+                    </a:cxn>
+                    <a:cxn ang="0">
+                      <a:pos x="T22" y="T23"/>
+                    </a:cxn>
+                    <a:cxn ang="0">
+                      <a:pos x="T24" y="T25"/>
+                    </a:cxn>
+                    <a:cxn ang="0">
+                      <a:pos x="T26" y="T27"/>
+                    </a:cxn>
+                    <a:cxn ang="0">
+                      <a:pos x="T28" y="T29"/>
+                    </a:cxn>
+                    <a:cxn ang="0">
+                      <a:pos x="T30" y="T31"/>
+                    </a:cxn>
+                    <a:cxn ang="0">
+                      <a:pos x="T32" y="T33"/>
+                    </a:cxn>
+                    <a:cxn ang="0">
+                      <a:pos x="T34" y="T35"/>
+                    </a:cxn>
+                    <a:cxn ang="0">
+                      <a:pos x="T36" y="T37"/>
+                    </a:cxn>
+                    <a:cxn ang="0">
+                      <a:pos x="T38" y="T39"/>
+                    </a:cxn>
+                    <a:cxn ang="0">
+                      <a:pos x="T40" y="T41"/>
+                    </a:cxn>
+                    <a:cxn ang="0">
+                      <a:pos x="T42" y="T43"/>
+                    </a:cxn>
+                    <a:cxn ang="0">
+                      <a:pos x="T44" y="T45"/>
+                    </a:cxn>
+                    <a:cxn ang="0">
+                      <a:pos x="T46" y="T47"/>
+                    </a:cxn>
+                    <a:cxn ang="0">
+                      <a:pos x="T48" y="T49"/>
+                    </a:cxn>
+                    <a:cxn ang="0">
+                      <a:pos x="T50" y="T51"/>
+                    </a:cxn>
+                    <a:cxn ang="0">
+                      <a:pos x="T52" y="T53"/>
+                    </a:cxn>
+                    <a:cxn ang="0">
+                      <a:pos x="T54" y="T55"/>
+                    </a:cxn>
+                    <a:cxn ang="0">
+                      <a:pos x="T56" y="T57"/>
+                    </a:cxn>
+                    <a:cxn ang="0">
+                      <a:pos x="T58" y="T59"/>
+                    </a:cxn>
+                    <a:cxn ang="0">
+                      <a:pos x="T60" y="T61"/>
+                    </a:cxn>
+                    <a:cxn ang="0">
+                      <a:pos x="T62" y="T63"/>
+                    </a:cxn>
+                    <a:cxn ang="0">
+                      <a:pos x="T64" y="T65"/>
+                    </a:cxn>
+                    <a:cxn ang="0">
+                      <a:pos x="T66" y="T67"/>
+                    </a:cxn>
+                    <a:cxn ang="0">
+                      <a:pos x="T68" y="T69"/>
+                    </a:cxn>
+                    <a:cxn ang="0">
+                      <a:pos x="T70" y="T71"/>
+                    </a:cxn>
+                    <a:cxn ang="0">
+                      <a:pos x="T72" y="T73"/>
+                    </a:cxn>
+                  </a:cxnLst>
+                  <a:rect l="0" t="0" r="r" b="b"/>
+                  <a:pathLst>
+                    <a:path w="1616" h="161">
+                      <a:moveTo>
+                        <a:pt x="0" y="0"/>
+                      </a:moveTo>
+                      <a:lnTo>
+                        <a:pt x="0" y="0"/>
+                      </a:lnTo>
+                      <a:lnTo>
+                        <a:pt x="1" y="15"/>
+                      </a:lnTo>
+                      <a:lnTo>
+                        <a:pt x="3" y="31"/>
+                      </a:lnTo>
+                      <a:lnTo>
+                        <a:pt x="6" y="45"/>
+                      </a:lnTo>
+                      <a:lnTo>
+                        <a:pt x="11" y="59"/>
+                      </a:lnTo>
+                      <a:lnTo>
+                        <a:pt x="17" y="71"/>
+                      </a:lnTo>
+                      <a:lnTo>
+                        <a:pt x="24" y="83"/>
+                      </a:lnTo>
+                      <a:lnTo>
+                        <a:pt x="33" y="95"/>
+                      </a:lnTo>
+                      <a:lnTo>
+                        <a:pt x="43" y="106"/>
+                      </a:lnTo>
+                      <a:lnTo>
+                        <a:pt x="53" y="116"/>
+                      </a:lnTo>
+                      <a:lnTo>
+                        <a:pt x="64" y="124"/>
+                      </a:lnTo>
+                      <a:lnTo>
+                        <a:pt x="77" y="132"/>
+                      </a:lnTo>
+                      <a:lnTo>
+                        <a:pt x="90" y="138"/>
+                      </a:lnTo>
+                      <a:lnTo>
+                        <a:pt x="104" y="144"/>
+                      </a:lnTo>
+                      <a:lnTo>
+                        <a:pt x="118" y="147"/>
+                      </a:lnTo>
+                      <a:lnTo>
+                        <a:pt x="132" y="150"/>
+                      </a:lnTo>
+                      <a:lnTo>
+                        <a:pt x="148" y="150"/>
+                      </a:lnTo>
+                      <a:lnTo>
+                        <a:pt x="1465" y="161"/>
+                      </a:lnTo>
+                      <a:lnTo>
+                        <a:pt x="1465" y="161"/>
+                      </a:lnTo>
+                      <a:lnTo>
+                        <a:pt x="1482" y="161"/>
+                      </a:lnTo>
+                      <a:lnTo>
+                        <a:pt x="1496" y="159"/>
+                      </a:lnTo>
+                      <a:lnTo>
+                        <a:pt x="1511" y="154"/>
+                      </a:lnTo>
+                      <a:lnTo>
+                        <a:pt x="1524" y="150"/>
+                      </a:lnTo>
+                      <a:lnTo>
+                        <a:pt x="1538" y="144"/>
+                      </a:lnTo>
+                      <a:lnTo>
+                        <a:pt x="1549" y="136"/>
+                      </a:lnTo>
+                      <a:lnTo>
+                        <a:pt x="1561" y="127"/>
+                      </a:lnTo>
+                      <a:lnTo>
+                        <a:pt x="1572" y="119"/>
+                      </a:lnTo>
+                      <a:lnTo>
+                        <a:pt x="1582" y="108"/>
+                      </a:lnTo>
+                      <a:lnTo>
+                        <a:pt x="1590" y="96"/>
+                      </a:lnTo>
+                      <a:lnTo>
+                        <a:pt x="1598" y="84"/>
+                      </a:lnTo>
+                      <a:lnTo>
+                        <a:pt x="1604" y="71"/>
+                      </a:lnTo>
+                      <a:lnTo>
+                        <a:pt x="1609" y="57"/>
+                      </a:lnTo>
+                      <a:lnTo>
+                        <a:pt x="1613" y="43"/>
+                      </a:lnTo>
+                      <a:lnTo>
+                        <a:pt x="1615" y="28"/>
+                      </a:lnTo>
+                      <a:lnTo>
+                        <a:pt x="1616" y="13"/>
+                      </a:lnTo>
+                      <a:lnTo>
+                        <a:pt x="0" y="0"/>
+                      </a:lnTo>
+                      <a:close/>
+                    </a:path>
+                  </a:pathLst>
+                </a:custGeom>
+                <a:solidFill>
+                  <a:srgbClr val="57C5EC"/>
+                </a:solidFill>
+                <a:ln>
+                  <a:noFill/>
+                </a:ln>
+                <a:extLst>
+                  <a:ext uri="{91240B29-F687-4F45-9708-019B960494DF}">
+                    <a14:hiddenLine xmlns:a14="http://schemas.microsoft.com/office/drawing/2010/main" w="9525">
+                      <a:solidFill>
+                        <a:srgbClr val="000000"/>
+                      </a:solidFill>
+                      <a:round/>
+                      <a:headEnd/>
+                      <a:tailEnd/>
+                    </a14:hiddenLine>
+                  </a:ext>
+                </a:extLst>
+              </p:spPr>
+              <p:txBody>
+                <a:bodyPr vert="horz" wrap="square" lIns="91440" tIns="45720" rIns="91440" bIns="45720" numCol="1" anchor="t" anchorCtr="0" compatLnSpc="1">
+                  <a:prstTxWarp prst="textNoShape">
+                    <a:avLst/>
+                  </a:prstTxWarp>
+                </a:bodyPr>
+                <a:lstStyle/>
+                <a:p>
+                  <a:endParaRPr lang="ko-KR" altLang="en-US"/>
+                </a:p>
+              </p:txBody>
+            </p:sp>
+            <p:sp>
+              <p:nvSpPr>
+                <p:cNvPr id="28" name="Freeform 44"/>
+                <p:cNvSpPr>
+                  <a:spLocks/>
+                </p:cNvSpPr>
+                <p:nvPr userDrawn="1"/>
+              </p:nvSpPr>
+              <p:spPr bwMode="auto">
+                <a:xfrm>
+                  <a:off x="7486650" y="5951538"/>
+                  <a:ext cx="203200" cy="203200"/>
+                </a:xfrm>
+                <a:custGeom>
+                  <a:avLst/>
+                  <a:gdLst>
+                    <a:gd name="T0" fmla="*/ 0 w 384"/>
+                    <a:gd name="T1" fmla="*/ 190 h 384"/>
+                    <a:gd name="T2" fmla="*/ 4 w 384"/>
+                    <a:gd name="T3" fmla="*/ 229 h 384"/>
+                    <a:gd name="T4" fmla="*/ 15 w 384"/>
+                    <a:gd name="T5" fmla="*/ 265 h 384"/>
+                    <a:gd name="T6" fmla="*/ 32 w 384"/>
+                    <a:gd name="T7" fmla="*/ 298 h 384"/>
+                    <a:gd name="T8" fmla="*/ 55 w 384"/>
+                    <a:gd name="T9" fmla="*/ 327 h 384"/>
+                    <a:gd name="T10" fmla="*/ 84 w 384"/>
+                    <a:gd name="T11" fmla="*/ 350 h 384"/>
+                    <a:gd name="T12" fmla="*/ 116 w 384"/>
+                    <a:gd name="T13" fmla="*/ 368 h 384"/>
+                    <a:gd name="T14" fmla="*/ 152 w 384"/>
+                    <a:gd name="T15" fmla="*/ 379 h 384"/>
+                    <a:gd name="T16" fmla="*/ 190 w 384"/>
+                    <a:gd name="T17" fmla="*/ 384 h 384"/>
+                    <a:gd name="T18" fmla="*/ 210 w 384"/>
+                    <a:gd name="T19" fmla="*/ 383 h 384"/>
+                    <a:gd name="T20" fmla="*/ 247 w 384"/>
+                    <a:gd name="T21" fmla="*/ 375 h 384"/>
+                    <a:gd name="T22" fmla="*/ 282 w 384"/>
+                    <a:gd name="T23" fmla="*/ 361 h 384"/>
+                    <a:gd name="T24" fmla="*/ 313 w 384"/>
+                    <a:gd name="T25" fmla="*/ 341 h 384"/>
+                    <a:gd name="T26" fmla="*/ 339 w 384"/>
+                    <a:gd name="T27" fmla="*/ 315 h 384"/>
+                    <a:gd name="T28" fmla="*/ 359 w 384"/>
+                    <a:gd name="T29" fmla="*/ 285 h 384"/>
+                    <a:gd name="T30" fmla="*/ 375 w 384"/>
+                    <a:gd name="T31" fmla="*/ 250 h 384"/>
+                    <a:gd name="T32" fmla="*/ 383 w 384"/>
+                    <a:gd name="T33" fmla="*/ 212 h 384"/>
+                    <a:gd name="T34" fmla="*/ 384 w 384"/>
+                    <a:gd name="T35" fmla="*/ 193 h 384"/>
+                    <a:gd name="T36" fmla="*/ 380 w 384"/>
+                    <a:gd name="T37" fmla="*/ 154 h 384"/>
+                    <a:gd name="T38" fmla="*/ 369 w 384"/>
+                    <a:gd name="T39" fmla="*/ 119 h 384"/>
+                    <a:gd name="T40" fmla="*/ 352 w 384"/>
+                    <a:gd name="T41" fmla="*/ 85 h 384"/>
+                    <a:gd name="T42" fmla="*/ 328 w 384"/>
+                    <a:gd name="T43" fmla="*/ 57 h 384"/>
+                    <a:gd name="T44" fmla="*/ 300 w 384"/>
+                    <a:gd name="T45" fmla="*/ 34 h 384"/>
+                    <a:gd name="T46" fmla="*/ 268 w 384"/>
+                    <a:gd name="T47" fmla="*/ 15 h 384"/>
+                    <a:gd name="T48" fmla="*/ 232 w 384"/>
+                    <a:gd name="T49" fmla="*/ 4 h 384"/>
+                    <a:gd name="T50" fmla="*/ 194 w 384"/>
+                    <a:gd name="T51" fmla="*/ 0 h 384"/>
+                    <a:gd name="T52" fmla="*/ 174 w 384"/>
+                    <a:gd name="T53" fmla="*/ 0 h 384"/>
+                    <a:gd name="T54" fmla="*/ 136 w 384"/>
+                    <a:gd name="T55" fmla="*/ 8 h 384"/>
+                    <a:gd name="T56" fmla="*/ 102 w 384"/>
+                    <a:gd name="T57" fmla="*/ 22 h 384"/>
+                    <a:gd name="T58" fmla="*/ 71 w 384"/>
+                    <a:gd name="T59" fmla="*/ 42 h 384"/>
+                    <a:gd name="T60" fmla="*/ 45 w 384"/>
+                    <a:gd name="T61" fmla="*/ 68 h 384"/>
+                    <a:gd name="T62" fmla="*/ 23 w 384"/>
+                    <a:gd name="T63" fmla="*/ 98 h 384"/>
+                    <a:gd name="T64" fmla="*/ 9 w 384"/>
+                    <a:gd name="T65" fmla="*/ 133 h 384"/>
+                    <a:gd name="T66" fmla="*/ 1 w 384"/>
+                    <a:gd name="T67" fmla="*/ 170 h 384"/>
+                    <a:gd name="T68" fmla="*/ 0 w 384"/>
+                    <a:gd name="T69" fmla="*/ 190 h 384"/>
+                  </a:gdLst>
+                  <a:ahLst/>
+                  <a:cxnLst>
+                    <a:cxn ang="0">
+                      <a:pos x="T0" y="T1"/>
+                    </a:cxn>
+                    <a:cxn ang="0">
+                      <a:pos x="T2" y="T3"/>
+                    </a:cxn>
+                    <a:cxn ang="0">
+                      <a:pos x="T4" y="T5"/>
+                    </a:cxn>
+                    <a:cxn ang="0">
+                      <a:pos x="T6" y="T7"/>
+                    </a:cxn>
+                    <a:cxn ang="0">
+                      <a:pos x="T8" y="T9"/>
+                    </a:cxn>
+                    <a:cxn ang="0">
+                      <a:pos x="T10" y="T11"/>
+                    </a:cxn>
+                    <a:cxn ang="0">
+                      <a:pos x="T12" y="T13"/>
+                    </a:cxn>
+                    <a:cxn ang="0">
+                      <a:pos x="T14" y="T15"/>
+                    </a:cxn>
+                    <a:cxn ang="0">
+                      <a:pos x="T16" y="T17"/>
+                    </a:cxn>
+                    <a:cxn ang="0">
+                      <a:pos x="T18" y="T19"/>
+                    </a:cxn>
+                    <a:cxn ang="0">
+                      <a:pos x="T20" y="T21"/>
+                    </a:cxn>
+                    <a:cxn ang="0">
+                      <a:pos x="T22" y="T23"/>
+                    </a:cxn>
+                    <a:cxn ang="0">
+                      <a:pos x="T24" y="T25"/>
+                    </a:cxn>
+                    <a:cxn ang="0">
+                      <a:pos x="T26" y="T27"/>
+                    </a:cxn>
+                    <a:cxn ang="0">
+                      <a:pos x="T28" y="T29"/>
+                    </a:cxn>
+                    <a:cxn ang="0">
+                      <a:pos x="T30" y="T31"/>
+                    </a:cxn>
+                    <a:cxn ang="0">
+                      <a:pos x="T32" y="T33"/>
+                    </a:cxn>
+                    <a:cxn ang="0">
+                      <a:pos x="T34" y="T35"/>
+                    </a:cxn>
+                    <a:cxn ang="0">
+                      <a:pos x="T36" y="T37"/>
+                    </a:cxn>
+                    <a:cxn ang="0">
+                      <a:pos x="T38" y="T39"/>
+                    </a:cxn>
+                    <a:cxn ang="0">
+                      <a:pos x="T40" y="T41"/>
+                    </a:cxn>
+                    <a:cxn ang="0">
+                      <a:pos x="T42" y="T43"/>
+                    </a:cxn>
+                    <a:cxn ang="0">
+                      <a:pos x="T44" y="T45"/>
+                    </a:cxn>
+                    <a:cxn ang="0">
+                      <a:pos x="T46" y="T47"/>
+                    </a:cxn>
+                    <a:cxn ang="0">
+                      <a:pos x="T48" y="T49"/>
+                    </a:cxn>
+                    <a:cxn ang="0">
+                      <a:pos x="T50" y="T51"/>
+                    </a:cxn>
+                    <a:cxn ang="0">
+                      <a:pos x="T52" y="T53"/>
+                    </a:cxn>
+                    <a:cxn ang="0">
+                      <a:pos x="T54" y="T55"/>
+                    </a:cxn>
+                    <a:cxn ang="0">
+                      <a:pos x="T56" y="T57"/>
+                    </a:cxn>
+                    <a:cxn ang="0">
+                      <a:pos x="T58" y="T59"/>
+                    </a:cxn>
+                    <a:cxn ang="0">
+                      <a:pos x="T60" y="T61"/>
+                    </a:cxn>
+                    <a:cxn ang="0">
+                      <a:pos x="T62" y="T63"/>
+                    </a:cxn>
+                    <a:cxn ang="0">
+                      <a:pos x="T64" y="T65"/>
+                    </a:cxn>
+                    <a:cxn ang="0">
+                      <a:pos x="T66" y="T67"/>
+                    </a:cxn>
+                    <a:cxn ang="0">
+                      <a:pos x="T68" y="T69"/>
+                    </a:cxn>
+                  </a:cxnLst>
+                  <a:rect l="0" t="0" r="r" b="b"/>
+                  <a:pathLst>
+                    <a:path w="384" h="384">
+                      <a:moveTo>
+                        <a:pt x="0" y="190"/>
+                      </a:moveTo>
+                      <a:lnTo>
+                        <a:pt x="0" y="190"/>
+                      </a:lnTo>
+                      <a:lnTo>
+                        <a:pt x="1" y="209"/>
+                      </a:lnTo>
+                      <a:lnTo>
+                        <a:pt x="4" y="229"/>
+                      </a:lnTo>
+                      <a:lnTo>
+                        <a:pt x="8" y="247"/>
+                      </a:lnTo>
+                      <a:lnTo>
+                        <a:pt x="15" y="265"/>
+                      </a:lnTo>
+                      <a:lnTo>
+                        <a:pt x="22" y="281"/>
+                      </a:lnTo>
+                      <a:lnTo>
+                        <a:pt x="32" y="298"/>
+                      </a:lnTo>
+                      <a:lnTo>
+                        <a:pt x="43" y="313"/>
+                      </a:lnTo>
+                      <a:lnTo>
+                        <a:pt x="55" y="327"/>
+                      </a:lnTo>
+                      <a:lnTo>
+                        <a:pt x="69" y="339"/>
+                      </a:lnTo>
+                      <a:lnTo>
+                        <a:pt x="84" y="350"/>
+                      </a:lnTo>
+                      <a:lnTo>
+                        <a:pt x="99" y="360"/>
+                      </a:lnTo>
+                      <a:lnTo>
+                        <a:pt x="116" y="368"/>
+                      </a:lnTo>
+                      <a:lnTo>
+                        <a:pt x="133" y="374"/>
+                      </a:lnTo>
+                      <a:lnTo>
+                        <a:pt x="152" y="379"/>
+                      </a:lnTo>
+                      <a:lnTo>
+                        <a:pt x="171" y="383"/>
+                      </a:lnTo>
+                      <a:lnTo>
+                        <a:pt x="190" y="384"/>
+                      </a:lnTo>
+                      <a:lnTo>
+                        <a:pt x="190" y="384"/>
+                      </a:lnTo>
+                      <a:lnTo>
+                        <a:pt x="210" y="383"/>
+                      </a:lnTo>
+                      <a:lnTo>
+                        <a:pt x="229" y="381"/>
+                      </a:lnTo>
+                      <a:lnTo>
+                        <a:pt x="247" y="375"/>
+                      </a:lnTo>
+                      <a:lnTo>
+                        <a:pt x="265" y="369"/>
+                      </a:lnTo>
+                      <a:lnTo>
+                        <a:pt x="282" y="361"/>
+                      </a:lnTo>
+                      <a:lnTo>
+                        <a:pt x="298" y="351"/>
+                      </a:lnTo>
+                      <a:lnTo>
+                        <a:pt x="313" y="341"/>
+                      </a:lnTo>
+                      <a:lnTo>
+                        <a:pt x="326" y="329"/>
+                      </a:lnTo>
+                      <a:lnTo>
+                        <a:pt x="339" y="315"/>
+                      </a:lnTo>
+                      <a:lnTo>
+                        <a:pt x="350" y="301"/>
+                      </a:lnTo>
+                      <a:lnTo>
+                        <a:pt x="359" y="285"/>
+                      </a:lnTo>
+                      <a:lnTo>
+                        <a:pt x="368" y="267"/>
+                      </a:lnTo>
+                      <a:lnTo>
+                        <a:pt x="375" y="250"/>
+                      </a:lnTo>
+                      <a:lnTo>
+                        <a:pt x="380" y="232"/>
+                      </a:lnTo>
+                      <a:lnTo>
+                        <a:pt x="383" y="212"/>
+                      </a:lnTo>
+                      <a:lnTo>
+                        <a:pt x="384" y="193"/>
+                      </a:lnTo>
+                      <a:lnTo>
+                        <a:pt x="384" y="193"/>
+                      </a:lnTo>
+                      <a:lnTo>
+                        <a:pt x="383" y="174"/>
+                      </a:lnTo>
+                      <a:lnTo>
+                        <a:pt x="380" y="154"/>
+                      </a:lnTo>
+                      <a:lnTo>
+                        <a:pt x="376" y="136"/>
+                      </a:lnTo>
+                      <a:lnTo>
+                        <a:pt x="369" y="119"/>
+                      </a:lnTo>
+                      <a:lnTo>
+                        <a:pt x="362" y="102"/>
+                      </a:lnTo>
+                      <a:lnTo>
+                        <a:pt x="352" y="85"/>
+                      </a:lnTo>
+                      <a:lnTo>
+                        <a:pt x="341" y="70"/>
+                      </a:lnTo>
+                      <a:lnTo>
+                        <a:pt x="328" y="57"/>
+                      </a:lnTo>
+                      <a:lnTo>
+                        <a:pt x="315" y="44"/>
+                      </a:lnTo>
+                      <a:lnTo>
+                        <a:pt x="300" y="34"/>
+                      </a:lnTo>
+                      <a:lnTo>
+                        <a:pt x="285" y="24"/>
+                      </a:lnTo>
+                      <a:lnTo>
+                        <a:pt x="268" y="15"/>
+                      </a:lnTo>
+                      <a:lnTo>
+                        <a:pt x="251" y="9"/>
+                      </a:lnTo>
+                      <a:lnTo>
+                        <a:pt x="232" y="4"/>
+                      </a:lnTo>
+                      <a:lnTo>
+                        <a:pt x="213" y="1"/>
+                      </a:lnTo>
+                      <a:lnTo>
+                        <a:pt x="194" y="0"/>
+                      </a:lnTo>
+                      <a:lnTo>
+                        <a:pt x="194" y="0"/>
+                      </a:lnTo>
+                      <a:lnTo>
+                        <a:pt x="174" y="0"/>
+                      </a:lnTo>
+                      <a:lnTo>
+                        <a:pt x="155" y="4"/>
+                      </a:lnTo>
+                      <a:lnTo>
+                        <a:pt x="136" y="8"/>
+                      </a:lnTo>
+                      <a:lnTo>
+                        <a:pt x="118" y="14"/>
+                      </a:lnTo>
+                      <a:lnTo>
+                        <a:pt x="102" y="22"/>
+                      </a:lnTo>
+                      <a:lnTo>
+                        <a:pt x="86" y="32"/>
+                      </a:lnTo>
+                      <a:lnTo>
+                        <a:pt x="71" y="42"/>
+                      </a:lnTo>
+                      <a:lnTo>
+                        <a:pt x="57" y="55"/>
+                      </a:lnTo>
+                      <a:lnTo>
+                        <a:pt x="45" y="68"/>
+                      </a:lnTo>
+                      <a:lnTo>
+                        <a:pt x="33" y="83"/>
+                      </a:lnTo>
+                      <a:lnTo>
+                        <a:pt x="23" y="98"/>
+                      </a:lnTo>
+                      <a:lnTo>
+                        <a:pt x="16" y="116"/>
+                      </a:lnTo>
+                      <a:lnTo>
+                        <a:pt x="9" y="133"/>
+                      </a:lnTo>
+                      <a:lnTo>
+                        <a:pt x="4" y="151"/>
+                      </a:lnTo>
+                      <a:lnTo>
+                        <a:pt x="1" y="170"/>
+                      </a:lnTo>
+                      <a:lnTo>
+                        <a:pt x="0" y="190"/>
+                      </a:lnTo>
+                      <a:lnTo>
+                        <a:pt x="0" y="190"/>
+                      </a:lnTo>
+                      <a:close/>
+                    </a:path>
+                  </a:pathLst>
+                </a:custGeom>
+                <a:solidFill>
+                  <a:srgbClr val="636F6D"/>
+                </a:solidFill>
+                <a:ln>
+                  <a:noFill/>
+                </a:ln>
+                <a:extLst>
+                  <a:ext uri="{91240B29-F687-4F45-9708-019B960494DF}">
+                    <a14:hiddenLine xmlns:a14="http://schemas.microsoft.com/office/drawing/2010/main" w="9525">
+                      <a:solidFill>
+                        <a:srgbClr val="000000"/>
+                      </a:solidFill>
+                      <a:round/>
+                      <a:headEnd/>
+                      <a:tailEnd/>
+                    </a14:hiddenLine>
+                  </a:ext>
+                </a:extLst>
+              </p:spPr>
+              <p:txBody>
+                <a:bodyPr vert="horz" wrap="square" lIns="91440" tIns="45720" rIns="91440" bIns="45720" numCol="1" anchor="t" anchorCtr="0" compatLnSpc="1">
+                  <a:prstTxWarp prst="textNoShape">
+                    <a:avLst/>
+                  </a:prstTxWarp>
+                </a:bodyPr>
+                <a:lstStyle/>
+                <a:p>
+                  <a:endParaRPr lang="ko-KR" altLang="en-US"/>
+                </a:p>
+              </p:txBody>
+            </p:sp>
+            <p:sp>
+              <p:nvSpPr>
+                <p:cNvPr id="29" name="Freeform 45"/>
+                <p:cNvSpPr>
+                  <a:spLocks/>
+                </p:cNvSpPr>
+                <p:nvPr userDrawn="1"/>
+              </p:nvSpPr>
+              <p:spPr bwMode="auto">
+                <a:xfrm>
+                  <a:off x="7532688" y="5997575"/>
+                  <a:ext cx="109538" cy="109538"/>
+                </a:xfrm>
+                <a:custGeom>
+                  <a:avLst/>
+                  <a:gdLst>
+                    <a:gd name="T0" fmla="*/ 0 w 206"/>
+                    <a:gd name="T1" fmla="*/ 102 h 205"/>
+                    <a:gd name="T2" fmla="*/ 2 w 206"/>
+                    <a:gd name="T3" fmla="*/ 122 h 205"/>
+                    <a:gd name="T4" fmla="*/ 8 w 206"/>
+                    <a:gd name="T5" fmla="*/ 142 h 205"/>
+                    <a:gd name="T6" fmla="*/ 17 w 206"/>
+                    <a:gd name="T7" fmla="*/ 159 h 205"/>
+                    <a:gd name="T8" fmla="*/ 30 w 206"/>
+                    <a:gd name="T9" fmla="*/ 174 h 205"/>
+                    <a:gd name="T10" fmla="*/ 45 w 206"/>
+                    <a:gd name="T11" fmla="*/ 187 h 205"/>
+                    <a:gd name="T12" fmla="*/ 63 w 206"/>
+                    <a:gd name="T13" fmla="*/ 197 h 205"/>
+                    <a:gd name="T14" fmla="*/ 81 w 206"/>
+                    <a:gd name="T15" fmla="*/ 203 h 205"/>
+                    <a:gd name="T16" fmla="*/ 102 w 206"/>
+                    <a:gd name="T17" fmla="*/ 205 h 205"/>
+                    <a:gd name="T18" fmla="*/ 112 w 206"/>
+                    <a:gd name="T19" fmla="*/ 205 h 205"/>
+                    <a:gd name="T20" fmla="*/ 133 w 206"/>
+                    <a:gd name="T21" fmla="*/ 201 h 205"/>
+                    <a:gd name="T22" fmla="*/ 151 w 206"/>
+                    <a:gd name="T23" fmla="*/ 193 h 205"/>
+                    <a:gd name="T24" fmla="*/ 167 w 206"/>
+                    <a:gd name="T25" fmla="*/ 183 h 205"/>
+                    <a:gd name="T26" fmla="*/ 181 w 206"/>
+                    <a:gd name="T27" fmla="*/ 169 h 205"/>
+                    <a:gd name="T28" fmla="*/ 193 w 206"/>
+                    <a:gd name="T29" fmla="*/ 153 h 205"/>
+                    <a:gd name="T30" fmla="*/ 200 w 206"/>
+                    <a:gd name="T31" fmla="*/ 134 h 205"/>
+                    <a:gd name="T32" fmla="*/ 205 w 206"/>
+                    <a:gd name="T33" fmla="*/ 114 h 205"/>
+                    <a:gd name="T34" fmla="*/ 206 w 206"/>
+                    <a:gd name="T35" fmla="*/ 104 h 205"/>
+                    <a:gd name="T36" fmla="*/ 204 w 206"/>
+                    <a:gd name="T37" fmla="*/ 83 h 205"/>
+                    <a:gd name="T38" fmla="*/ 197 w 206"/>
+                    <a:gd name="T39" fmla="*/ 63 h 205"/>
+                    <a:gd name="T40" fmla="*/ 189 w 206"/>
+                    <a:gd name="T41" fmla="*/ 46 h 205"/>
+                    <a:gd name="T42" fmla="*/ 176 w 206"/>
+                    <a:gd name="T43" fmla="*/ 31 h 205"/>
+                    <a:gd name="T44" fmla="*/ 161 w 206"/>
+                    <a:gd name="T45" fmla="*/ 18 h 205"/>
+                    <a:gd name="T46" fmla="*/ 143 w 206"/>
+                    <a:gd name="T47" fmla="*/ 8 h 205"/>
+                    <a:gd name="T48" fmla="*/ 124 w 206"/>
+                    <a:gd name="T49" fmla="*/ 3 h 205"/>
+                    <a:gd name="T50" fmla="*/ 104 w 206"/>
+                    <a:gd name="T51" fmla="*/ 0 h 205"/>
+                    <a:gd name="T52" fmla="*/ 93 w 206"/>
+                    <a:gd name="T53" fmla="*/ 1 h 205"/>
+                    <a:gd name="T54" fmla="*/ 73 w 206"/>
+                    <a:gd name="T55" fmla="*/ 5 h 205"/>
+                    <a:gd name="T56" fmla="*/ 55 w 206"/>
+                    <a:gd name="T57" fmla="*/ 13 h 205"/>
+                    <a:gd name="T58" fmla="*/ 38 w 206"/>
+                    <a:gd name="T59" fmla="*/ 23 h 205"/>
+                    <a:gd name="T60" fmla="*/ 24 w 206"/>
+                    <a:gd name="T61" fmla="*/ 37 h 205"/>
+                    <a:gd name="T62" fmla="*/ 13 w 206"/>
+                    <a:gd name="T63" fmla="*/ 53 h 205"/>
+                    <a:gd name="T64" fmla="*/ 5 w 206"/>
+                    <a:gd name="T65" fmla="*/ 72 h 205"/>
+                    <a:gd name="T66" fmla="*/ 1 w 206"/>
+                    <a:gd name="T67" fmla="*/ 91 h 205"/>
+                    <a:gd name="T68" fmla="*/ 0 w 206"/>
+                    <a:gd name="T69" fmla="*/ 102 h 205"/>
+                  </a:gdLst>
+                  <a:ahLst/>
+                  <a:cxnLst>
+                    <a:cxn ang="0">
+                      <a:pos x="T0" y="T1"/>
+                    </a:cxn>
+                    <a:cxn ang="0">
+                      <a:pos x="T2" y="T3"/>
+                    </a:cxn>
+                    <a:cxn ang="0">
+                      <a:pos x="T4" y="T5"/>
+                    </a:cxn>
+                    <a:cxn ang="0">
+                      <a:pos x="T6" y="T7"/>
+                    </a:cxn>
+                    <a:cxn ang="0">
+                      <a:pos x="T8" y="T9"/>
+                    </a:cxn>
+                    <a:cxn ang="0">
+                      <a:pos x="T10" y="T11"/>
+                    </a:cxn>
+                    <a:cxn ang="0">
+                      <a:pos x="T12" y="T13"/>
+                    </a:cxn>
+                    <a:cxn ang="0">
+                      <a:pos x="T14" y="T15"/>
+                    </a:cxn>
+                    <a:cxn ang="0">
+                      <a:pos x="T16" y="T17"/>
+                    </a:cxn>
+                    <a:cxn ang="0">
+                      <a:pos x="T18" y="T19"/>
+                    </a:cxn>
+                    <a:cxn ang="0">
+                      <a:pos x="T20" y="T21"/>
+                    </a:cxn>
+                    <a:cxn ang="0">
+                      <a:pos x="T22" y="T23"/>
+                    </a:cxn>
+                    <a:cxn ang="0">
+                      <a:pos x="T24" y="T25"/>
+                    </a:cxn>
+                    <a:cxn ang="0">
+                      <a:pos x="T26" y="T27"/>
+                    </a:cxn>
+                    <a:cxn ang="0">
+                      <a:pos x="T28" y="T29"/>
+                    </a:cxn>
+                    <a:cxn ang="0">
+                      <a:pos x="T30" y="T31"/>
+                    </a:cxn>
+                    <a:cxn ang="0">
+                      <a:pos x="T32" y="T33"/>
+                    </a:cxn>
+                    <a:cxn ang="0">
+                      <a:pos x="T34" y="T35"/>
+                    </a:cxn>
+                    <a:cxn ang="0">
+                      <a:pos x="T36" y="T37"/>
+                    </a:cxn>
+                    <a:cxn ang="0">
+                      <a:pos x="T38" y="T39"/>
+                    </a:cxn>
+                    <a:cxn ang="0">
+                      <a:pos x="T40" y="T41"/>
+                    </a:cxn>
+                    <a:cxn ang="0">
+                      <a:pos x="T42" y="T43"/>
+                    </a:cxn>
+                    <a:cxn ang="0">
+                      <a:pos x="T44" y="T45"/>
+                    </a:cxn>
+                    <a:cxn ang="0">
+                      <a:pos x="T46" y="T47"/>
+                    </a:cxn>
+                    <a:cxn ang="0">
+                      <a:pos x="T48" y="T49"/>
+                    </a:cxn>
+                    <a:cxn ang="0">
+                      <a:pos x="T50" y="T51"/>
+                    </a:cxn>
+                    <a:cxn ang="0">
+                      <a:pos x="T52" y="T53"/>
+                    </a:cxn>
+                    <a:cxn ang="0">
+                      <a:pos x="T54" y="T55"/>
+                    </a:cxn>
+                    <a:cxn ang="0">
+                      <a:pos x="T56" y="T57"/>
+                    </a:cxn>
+                    <a:cxn ang="0">
+                      <a:pos x="T58" y="T59"/>
+                    </a:cxn>
+                    <a:cxn ang="0">
+                      <a:pos x="T60" y="T61"/>
+                    </a:cxn>
+                    <a:cxn ang="0">
+                      <a:pos x="T62" y="T63"/>
+                    </a:cxn>
+                    <a:cxn ang="0">
+                      <a:pos x="T64" y="T65"/>
+                    </a:cxn>
+                    <a:cxn ang="0">
+                      <a:pos x="T66" y="T67"/>
+                    </a:cxn>
+                    <a:cxn ang="0">
+                      <a:pos x="T68" y="T69"/>
+                    </a:cxn>
+                  </a:cxnLst>
+                  <a:rect l="0" t="0" r="r" b="b"/>
+                  <a:pathLst>
+                    <a:path w="206" h="205">
+                      <a:moveTo>
+                        <a:pt x="0" y="102"/>
+                      </a:moveTo>
+                      <a:lnTo>
+                        <a:pt x="0" y="102"/>
+                      </a:lnTo>
+                      <a:lnTo>
+                        <a:pt x="1" y="113"/>
+                      </a:lnTo>
+                      <a:lnTo>
+                        <a:pt x="2" y="122"/>
+                      </a:lnTo>
+                      <a:lnTo>
+                        <a:pt x="4" y="132"/>
+                      </a:lnTo>
+                      <a:lnTo>
+                        <a:pt x="8" y="142"/>
+                      </a:lnTo>
+                      <a:lnTo>
+                        <a:pt x="12" y="150"/>
+                      </a:lnTo>
+                      <a:lnTo>
+                        <a:pt x="17" y="159"/>
+                      </a:lnTo>
+                      <a:lnTo>
+                        <a:pt x="23" y="168"/>
+                      </a:lnTo>
+                      <a:lnTo>
+                        <a:pt x="30" y="174"/>
+                      </a:lnTo>
+                      <a:lnTo>
+                        <a:pt x="37" y="182"/>
+                      </a:lnTo>
+                      <a:lnTo>
+                        <a:pt x="45" y="187"/>
+                      </a:lnTo>
+                      <a:lnTo>
+                        <a:pt x="53" y="192"/>
+                      </a:lnTo>
+                      <a:lnTo>
+                        <a:pt x="63" y="197"/>
+                      </a:lnTo>
+                      <a:lnTo>
+                        <a:pt x="71" y="200"/>
+                      </a:lnTo>
+                      <a:lnTo>
+                        <a:pt x="81" y="203"/>
+                      </a:lnTo>
+                      <a:lnTo>
+                        <a:pt x="92" y="204"/>
+                      </a:lnTo>
+                      <a:lnTo>
+                        <a:pt x="102" y="205"/>
+                      </a:lnTo>
+                      <a:lnTo>
+                        <a:pt x="102" y="205"/>
+                      </a:lnTo>
+                      <a:lnTo>
+                        <a:pt x="112" y="205"/>
+                      </a:lnTo>
+                      <a:lnTo>
+                        <a:pt x="123" y="203"/>
+                      </a:lnTo>
+                      <a:lnTo>
+                        <a:pt x="133" y="201"/>
+                      </a:lnTo>
+                      <a:lnTo>
+                        <a:pt x="142" y="198"/>
+                      </a:lnTo>
+                      <a:lnTo>
+                        <a:pt x="151" y="193"/>
+                      </a:lnTo>
+                      <a:lnTo>
+                        <a:pt x="160" y="188"/>
+                      </a:lnTo>
+                      <a:lnTo>
+                        <a:pt x="167" y="183"/>
+                      </a:lnTo>
+                      <a:lnTo>
+                        <a:pt x="175" y="176"/>
+                      </a:lnTo>
+                      <a:lnTo>
+                        <a:pt x="181" y="169"/>
+                      </a:lnTo>
+                      <a:lnTo>
+                        <a:pt x="188" y="161"/>
+                      </a:lnTo>
+                      <a:lnTo>
+                        <a:pt x="193" y="153"/>
+                      </a:lnTo>
+                      <a:lnTo>
+                        <a:pt x="197" y="143"/>
+                      </a:lnTo>
+                      <a:lnTo>
+                        <a:pt x="200" y="134"/>
+                      </a:lnTo>
+                      <a:lnTo>
+                        <a:pt x="204" y="125"/>
+                      </a:lnTo>
+                      <a:lnTo>
+                        <a:pt x="205" y="114"/>
+                      </a:lnTo>
+                      <a:lnTo>
+                        <a:pt x="206" y="104"/>
+                      </a:lnTo>
+                      <a:lnTo>
+                        <a:pt x="206" y="104"/>
+                      </a:lnTo>
+                      <a:lnTo>
+                        <a:pt x="205" y="93"/>
+                      </a:lnTo>
+                      <a:lnTo>
+                        <a:pt x="204" y="83"/>
+                      </a:lnTo>
+                      <a:lnTo>
+                        <a:pt x="202" y="73"/>
+                      </a:lnTo>
+                      <a:lnTo>
+                        <a:pt x="197" y="63"/>
+                      </a:lnTo>
+                      <a:lnTo>
+                        <a:pt x="194" y="55"/>
+                      </a:lnTo>
+                      <a:lnTo>
+                        <a:pt x="189" y="46"/>
+                      </a:lnTo>
+                      <a:lnTo>
+                        <a:pt x="182" y="38"/>
+                      </a:lnTo>
+                      <a:lnTo>
+                        <a:pt x="176" y="31"/>
+                      </a:lnTo>
+                      <a:lnTo>
+                        <a:pt x="169" y="24"/>
+                      </a:lnTo>
+                      <a:lnTo>
+                        <a:pt x="161" y="18"/>
+                      </a:lnTo>
+                      <a:lnTo>
+                        <a:pt x="152" y="13"/>
+                      </a:lnTo>
+                      <a:lnTo>
+                        <a:pt x="143" y="8"/>
+                      </a:lnTo>
+                      <a:lnTo>
+                        <a:pt x="134" y="5"/>
+                      </a:lnTo>
+                      <a:lnTo>
+                        <a:pt x="124" y="3"/>
+                      </a:lnTo>
+                      <a:lnTo>
+                        <a:pt x="114" y="1"/>
+                      </a:lnTo>
+                      <a:lnTo>
+                        <a:pt x="104" y="0"/>
+                      </a:lnTo>
+                      <a:lnTo>
+                        <a:pt x="104" y="0"/>
+                      </a:lnTo>
+                      <a:lnTo>
+                        <a:pt x="93" y="1"/>
+                      </a:lnTo>
+                      <a:lnTo>
+                        <a:pt x="83" y="2"/>
+                      </a:lnTo>
+                      <a:lnTo>
+                        <a:pt x="73" y="5"/>
+                      </a:lnTo>
+                      <a:lnTo>
+                        <a:pt x="64" y="8"/>
+                      </a:lnTo>
+                      <a:lnTo>
+                        <a:pt x="55" y="13"/>
+                      </a:lnTo>
+                      <a:lnTo>
+                        <a:pt x="46" y="17"/>
+                      </a:lnTo>
+                      <a:lnTo>
+                        <a:pt x="38" y="23"/>
+                      </a:lnTo>
+                      <a:lnTo>
+                        <a:pt x="31" y="30"/>
+                      </a:lnTo>
+                      <a:lnTo>
+                        <a:pt x="24" y="37"/>
+                      </a:lnTo>
+                      <a:lnTo>
+                        <a:pt x="18" y="45"/>
+                      </a:lnTo>
+                      <a:lnTo>
+                        <a:pt x="13" y="53"/>
+                      </a:lnTo>
+                      <a:lnTo>
+                        <a:pt x="9" y="62"/>
+                      </a:lnTo>
+                      <a:lnTo>
+                        <a:pt x="5" y="72"/>
+                      </a:lnTo>
+                      <a:lnTo>
+                        <a:pt x="2" y="81"/>
+                      </a:lnTo>
+                      <a:lnTo>
+                        <a:pt x="1" y="91"/>
+                      </a:lnTo>
+                      <a:lnTo>
+                        <a:pt x="0" y="102"/>
+                      </a:lnTo>
+                      <a:lnTo>
+                        <a:pt x="0" y="102"/>
+                      </a:lnTo>
+                      <a:close/>
+                    </a:path>
+                  </a:pathLst>
+                </a:custGeom>
+                <a:solidFill>
+                  <a:srgbClr val="FFFFFF"/>
+                </a:solidFill>
+                <a:ln>
+                  <a:noFill/>
+                </a:ln>
+                <a:extLst>
+                  <a:ext uri="{91240B29-F687-4F45-9708-019B960494DF}">
+                    <a14:hiddenLine xmlns:a14="http://schemas.microsoft.com/office/drawing/2010/main" w="9525">
+                      <a:solidFill>
+                        <a:srgbClr val="000000"/>
+                      </a:solidFill>
+                      <a:round/>
+                      <a:headEnd/>
+                      <a:tailEnd/>
+                    </a14:hiddenLine>
+                  </a:ext>
+                </a:extLst>
+              </p:spPr>
+              <p:txBody>
+                <a:bodyPr vert="horz" wrap="square" lIns="91440" tIns="45720" rIns="91440" bIns="45720" numCol="1" anchor="t" anchorCtr="0" compatLnSpc="1">
+                  <a:prstTxWarp prst="textNoShape">
+                    <a:avLst/>
+                  </a:prstTxWarp>
+                </a:bodyPr>
+                <a:lstStyle/>
+                <a:p>
+                  <a:endParaRPr lang="ko-KR" altLang="en-US"/>
+                </a:p>
+              </p:txBody>
+            </p:sp>
+            <p:sp>
+              <p:nvSpPr>
+                <p:cNvPr id="30" name="Freeform 46"/>
+                <p:cNvSpPr>
+                  <a:spLocks/>
+                </p:cNvSpPr>
+                <p:nvPr userDrawn="1"/>
+              </p:nvSpPr>
+              <p:spPr bwMode="auto">
+                <a:xfrm>
+                  <a:off x="6969125" y="5946775"/>
+                  <a:ext cx="203200" cy="203200"/>
+                </a:xfrm>
+                <a:custGeom>
+                  <a:avLst/>
+                  <a:gdLst>
+                    <a:gd name="T0" fmla="*/ 0 w 383"/>
+                    <a:gd name="T1" fmla="*/ 190 h 383"/>
+                    <a:gd name="T2" fmla="*/ 3 w 383"/>
+                    <a:gd name="T3" fmla="*/ 229 h 383"/>
+                    <a:gd name="T4" fmla="*/ 14 w 383"/>
+                    <a:gd name="T5" fmla="*/ 265 h 383"/>
+                    <a:gd name="T6" fmla="*/ 31 w 383"/>
+                    <a:gd name="T7" fmla="*/ 298 h 383"/>
+                    <a:gd name="T8" fmla="*/ 55 w 383"/>
+                    <a:gd name="T9" fmla="*/ 326 h 383"/>
+                    <a:gd name="T10" fmla="*/ 83 w 383"/>
+                    <a:gd name="T11" fmla="*/ 350 h 383"/>
+                    <a:gd name="T12" fmla="*/ 115 w 383"/>
+                    <a:gd name="T13" fmla="*/ 368 h 383"/>
+                    <a:gd name="T14" fmla="*/ 151 w 383"/>
+                    <a:gd name="T15" fmla="*/ 380 h 383"/>
+                    <a:gd name="T16" fmla="*/ 189 w 383"/>
+                    <a:gd name="T17" fmla="*/ 383 h 383"/>
+                    <a:gd name="T18" fmla="*/ 210 w 383"/>
+                    <a:gd name="T19" fmla="*/ 383 h 383"/>
+                    <a:gd name="T20" fmla="*/ 246 w 383"/>
+                    <a:gd name="T21" fmla="*/ 376 h 383"/>
+                    <a:gd name="T22" fmla="*/ 281 w 383"/>
+                    <a:gd name="T23" fmla="*/ 362 h 383"/>
+                    <a:gd name="T24" fmla="*/ 312 w 383"/>
+                    <a:gd name="T25" fmla="*/ 341 h 383"/>
+                    <a:gd name="T26" fmla="*/ 338 w 383"/>
+                    <a:gd name="T27" fmla="*/ 315 h 383"/>
+                    <a:gd name="T28" fmla="*/ 360 w 383"/>
+                    <a:gd name="T29" fmla="*/ 285 h 383"/>
+                    <a:gd name="T30" fmla="*/ 375 w 383"/>
+                    <a:gd name="T31" fmla="*/ 251 h 383"/>
+                    <a:gd name="T32" fmla="*/ 382 w 383"/>
+                    <a:gd name="T33" fmla="*/ 213 h 383"/>
+                    <a:gd name="T34" fmla="*/ 383 w 383"/>
+                    <a:gd name="T35" fmla="*/ 194 h 383"/>
+                    <a:gd name="T36" fmla="*/ 380 w 383"/>
+                    <a:gd name="T37" fmla="*/ 155 h 383"/>
+                    <a:gd name="T38" fmla="*/ 369 w 383"/>
+                    <a:gd name="T39" fmla="*/ 118 h 383"/>
+                    <a:gd name="T40" fmla="*/ 351 w 383"/>
+                    <a:gd name="T41" fmla="*/ 86 h 383"/>
+                    <a:gd name="T42" fmla="*/ 328 w 383"/>
+                    <a:gd name="T43" fmla="*/ 57 h 383"/>
+                    <a:gd name="T44" fmla="*/ 300 w 383"/>
+                    <a:gd name="T45" fmla="*/ 33 h 383"/>
+                    <a:gd name="T46" fmla="*/ 267 w 383"/>
+                    <a:gd name="T47" fmla="*/ 16 h 383"/>
+                    <a:gd name="T48" fmla="*/ 231 w 383"/>
+                    <a:gd name="T49" fmla="*/ 4 h 383"/>
+                    <a:gd name="T50" fmla="*/ 193 w 383"/>
+                    <a:gd name="T51" fmla="*/ 0 h 383"/>
+                    <a:gd name="T52" fmla="*/ 173 w 383"/>
+                    <a:gd name="T53" fmla="*/ 1 h 383"/>
+                    <a:gd name="T54" fmla="*/ 135 w 383"/>
+                    <a:gd name="T55" fmla="*/ 8 h 383"/>
+                    <a:gd name="T56" fmla="*/ 101 w 383"/>
+                    <a:gd name="T57" fmla="*/ 22 h 383"/>
+                    <a:gd name="T58" fmla="*/ 71 w 383"/>
+                    <a:gd name="T59" fmla="*/ 43 h 383"/>
+                    <a:gd name="T60" fmla="*/ 44 w 383"/>
+                    <a:gd name="T61" fmla="*/ 69 h 383"/>
+                    <a:gd name="T62" fmla="*/ 23 w 383"/>
+                    <a:gd name="T63" fmla="*/ 99 h 383"/>
+                    <a:gd name="T64" fmla="*/ 8 w 383"/>
+                    <a:gd name="T65" fmla="*/ 133 h 383"/>
+                    <a:gd name="T66" fmla="*/ 1 w 383"/>
+                    <a:gd name="T67" fmla="*/ 171 h 383"/>
+                    <a:gd name="T68" fmla="*/ 0 w 383"/>
+                    <a:gd name="T69" fmla="*/ 190 h 383"/>
+                  </a:gdLst>
+                  <a:ahLst/>
+                  <a:cxnLst>
+                    <a:cxn ang="0">
+                      <a:pos x="T0" y="T1"/>
+                    </a:cxn>
+                    <a:cxn ang="0">
+                      <a:pos x="T2" y="T3"/>
+                    </a:cxn>
+                    <a:cxn ang="0">
+                      <a:pos x="T4" y="T5"/>
+                    </a:cxn>
+                    <a:cxn ang="0">
+                      <a:pos x="T6" y="T7"/>
+                    </a:cxn>
+                    <a:cxn ang="0">
+                      <a:pos x="T8" y="T9"/>
+                    </a:cxn>
+                    <a:cxn ang="0">
+                      <a:pos x="T10" y="T11"/>
+                    </a:cxn>
+                    <a:cxn ang="0">
+                      <a:pos x="T12" y="T13"/>
+                    </a:cxn>
+                    <a:cxn ang="0">
+                      <a:pos x="T14" y="T15"/>
+                    </a:cxn>
+                    <a:cxn ang="0">
+                      <a:pos x="T16" y="T17"/>
+                    </a:cxn>
+                    <a:cxn ang="0">
+                      <a:pos x="T18" y="T19"/>
+                    </a:cxn>
+                    <a:cxn ang="0">
+                      <a:pos x="T20" y="T21"/>
+                    </a:cxn>
+                    <a:cxn ang="0">
+                      <a:pos x="T22" y="T23"/>
+                    </a:cxn>
+                    <a:cxn ang="0">
+                      <a:pos x="T24" y="T25"/>
+                    </a:cxn>
+                    <a:cxn ang="0">
+                      <a:pos x="T26" y="T27"/>
+                    </a:cxn>
+                    <a:cxn ang="0">
+                      <a:pos x="T28" y="T29"/>
+                    </a:cxn>
+                    <a:cxn ang="0">
+                      <a:pos x="T30" y="T31"/>
+                    </a:cxn>
+                    <a:cxn ang="0">
+                      <a:pos x="T32" y="T33"/>
+                    </a:cxn>
+                    <a:cxn ang="0">
+                      <a:pos x="T34" y="T35"/>
+                    </a:cxn>
+                    <a:cxn ang="0">
+                      <a:pos x="T36" y="T37"/>
+                    </a:cxn>
+                    <a:cxn ang="0">
+                      <a:pos x="T38" y="T39"/>
+                    </a:cxn>
+                    <a:cxn ang="0">
+                      <a:pos x="T40" y="T41"/>
+                    </a:cxn>
+                    <a:cxn ang="0">
+                      <a:pos x="T42" y="T43"/>
+                    </a:cxn>
+                    <a:cxn ang="0">
+                      <a:pos x="T44" y="T45"/>
+                    </a:cxn>
+                    <a:cxn ang="0">
+                      <a:pos x="T46" y="T47"/>
+                    </a:cxn>
+                    <a:cxn ang="0">
+                      <a:pos x="T48" y="T49"/>
+                    </a:cxn>
+                    <a:cxn ang="0">
+                      <a:pos x="T50" y="T51"/>
+                    </a:cxn>
+                    <a:cxn ang="0">
+                      <a:pos x="T52" y="T53"/>
+                    </a:cxn>
+                    <a:cxn ang="0">
+                      <a:pos x="T54" y="T55"/>
+                    </a:cxn>
+                    <a:cxn ang="0">
+                      <a:pos x="T56" y="T57"/>
+                    </a:cxn>
+                    <a:cxn ang="0">
+                      <a:pos x="T58" y="T59"/>
+                    </a:cxn>
+                    <a:cxn ang="0">
+                      <a:pos x="T60" y="T61"/>
+                    </a:cxn>
+                    <a:cxn ang="0">
+                      <a:pos x="T62" y="T63"/>
+                    </a:cxn>
+                    <a:cxn ang="0">
+                      <a:pos x="T64" y="T65"/>
+                    </a:cxn>
+                    <a:cxn ang="0">
+                      <a:pos x="T66" y="T67"/>
+                    </a:cxn>
+                    <a:cxn ang="0">
+                      <a:pos x="T68" y="T69"/>
+                    </a:cxn>
+                  </a:cxnLst>
+                  <a:rect l="0" t="0" r="r" b="b"/>
+                  <a:pathLst>
+                    <a:path w="383" h="383">
+                      <a:moveTo>
+                        <a:pt x="0" y="190"/>
+                      </a:moveTo>
+                      <a:lnTo>
+                        <a:pt x="0" y="190"/>
+                      </a:lnTo>
+                      <a:lnTo>
+                        <a:pt x="0" y="210"/>
+                      </a:lnTo>
+                      <a:lnTo>
+                        <a:pt x="3" y="229"/>
+                      </a:lnTo>
+                      <a:lnTo>
+                        <a:pt x="7" y="247"/>
+                      </a:lnTo>
+                      <a:lnTo>
+                        <a:pt x="14" y="265"/>
+                      </a:lnTo>
+                      <a:lnTo>
+                        <a:pt x="21" y="282"/>
+                      </a:lnTo>
+                      <a:lnTo>
+                        <a:pt x="31" y="298"/>
+                      </a:lnTo>
+                      <a:lnTo>
+                        <a:pt x="42" y="313"/>
+                      </a:lnTo>
+                      <a:lnTo>
+                        <a:pt x="55" y="326"/>
+                      </a:lnTo>
+                      <a:lnTo>
+                        <a:pt x="68" y="339"/>
+                      </a:lnTo>
+                      <a:lnTo>
+                        <a:pt x="83" y="350"/>
+                      </a:lnTo>
+                      <a:lnTo>
+                        <a:pt x="99" y="359"/>
+                      </a:lnTo>
+                      <a:lnTo>
+                        <a:pt x="115" y="368"/>
+                      </a:lnTo>
+                      <a:lnTo>
+                        <a:pt x="132" y="375"/>
+                      </a:lnTo>
+                      <a:lnTo>
+                        <a:pt x="151" y="380"/>
+                      </a:lnTo>
+                      <a:lnTo>
+                        <a:pt x="170" y="382"/>
+                      </a:lnTo>
+                      <a:lnTo>
+                        <a:pt x="189" y="383"/>
+                      </a:lnTo>
+                      <a:lnTo>
+                        <a:pt x="189" y="383"/>
+                      </a:lnTo>
+                      <a:lnTo>
+                        <a:pt x="210" y="383"/>
+                      </a:lnTo>
+                      <a:lnTo>
+                        <a:pt x="228" y="380"/>
+                      </a:lnTo>
+                      <a:lnTo>
+                        <a:pt x="246" y="376"/>
+                      </a:lnTo>
+                      <a:lnTo>
+                        <a:pt x="265" y="369"/>
+                      </a:lnTo>
+                      <a:lnTo>
+                        <a:pt x="281" y="362"/>
+                      </a:lnTo>
+                      <a:lnTo>
+                        <a:pt x="297" y="352"/>
+                      </a:lnTo>
+                      <a:lnTo>
+                        <a:pt x="312" y="341"/>
+                      </a:lnTo>
+                      <a:lnTo>
+                        <a:pt x="326" y="328"/>
+                      </a:lnTo>
+                      <a:lnTo>
+                        <a:pt x="338" y="315"/>
+                      </a:lnTo>
+                      <a:lnTo>
+                        <a:pt x="350" y="300"/>
+                      </a:lnTo>
+                      <a:lnTo>
+                        <a:pt x="360" y="285"/>
+                      </a:lnTo>
+                      <a:lnTo>
+                        <a:pt x="367" y="268"/>
+                      </a:lnTo>
+                      <a:lnTo>
+                        <a:pt x="375" y="251"/>
+                      </a:lnTo>
+                      <a:lnTo>
+                        <a:pt x="379" y="232"/>
+                      </a:lnTo>
+                      <a:lnTo>
+                        <a:pt x="382" y="213"/>
+                      </a:lnTo>
+                      <a:lnTo>
+                        <a:pt x="383" y="194"/>
+                      </a:lnTo>
+                      <a:lnTo>
+                        <a:pt x="383" y="194"/>
+                      </a:lnTo>
+                      <a:lnTo>
+                        <a:pt x="382" y="174"/>
+                      </a:lnTo>
+                      <a:lnTo>
+                        <a:pt x="380" y="155"/>
+                      </a:lnTo>
+                      <a:lnTo>
+                        <a:pt x="375" y="136"/>
+                      </a:lnTo>
+                      <a:lnTo>
+                        <a:pt x="369" y="118"/>
+                      </a:lnTo>
+                      <a:lnTo>
+                        <a:pt x="361" y="102"/>
+                      </a:lnTo>
+                      <a:lnTo>
+                        <a:pt x="351" y="86"/>
+                      </a:lnTo>
+                      <a:lnTo>
+                        <a:pt x="340" y="71"/>
+                      </a:lnTo>
+                      <a:lnTo>
+                        <a:pt x="328" y="57"/>
+                      </a:lnTo>
+                      <a:lnTo>
+                        <a:pt x="314" y="45"/>
+                      </a:lnTo>
+                      <a:lnTo>
+                        <a:pt x="300" y="33"/>
+                      </a:lnTo>
+                      <a:lnTo>
+                        <a:pt x="284" y="23"/>
+                      </a:lnTo>
+                      <a:lnTo>
+                        <a:pt x="267" y="16"/>
+                      </a:lnTo>
+                      <a:lnTo>
+                        <a:pt x="250" y="9"/>
+                      </a:lnTo>
+                      <a:lnTo>
+                        <a:pt x="231" y="4"/>
+                      </a:lnTo>
+                      <a:lnTo>
+                        <a:pt x="212" y="1"/>
+                      </a:lnTo>
+                      <a:lnTo>
+                        <a:pt x="193" y="0"/>
+                      </a:lnTo>
+                      <a:lnTo>
+                        <a:pt x="193" y="0"/>
+                      </a:lnTo>
+                      <a:lnTo>
+                        <a:pt x="173" y="1"/>
+                      </a:lnTo>
+                      <a:lnTo>
+                        <a:pt x="154" y="3"/>
+                      </a:lnTo>
+                      <a:lnTo>
+                        <a:pt x="135" y="8"/>
+                      </a:lnTo>
+                      <a:lnTo>
+                        <a:pt x="118" y="15"/>
+                      </a:lnTo>
+                      <a:lnTo>
+                        <a:pt x="101" y="22"/>
+                      </a:lnTo>
+                      <a:lnTo>
+                        <a:pt x="85" y="32"/>
+                      </a:lnTo>
+                      <a:lnTo>
+                        <a:pt x="71" y="43"/>
+                      </a:lnTo>
+                      <a:lnTo>
+                        <a:pt x="57" y="55"/>
+                      </a:lnTo>
+                      <a:lnTo>
+                        <a:pt x="44" y="69"/>
+                      </a:lnTo>
+                      <a:lnTo>
+                        <a:pt x="33" y="83"/>
+                      </a:lnTo>
+                      <a:lnTo>
+                        <a:pt x="23" y="99"/>
+                      </a:lnTo>
+                      <a:lnTo>
+                        <a:pt x="15" y="116"/>
+                      </a:lnTo>
+                      <a:lnTo>
+                        <a:pt x="8" y="133"/>
+                      </a:lnTo>
+                      <a:lnTo>
+                        <a:pt x="4" y="152"/>
+                      </a:lnTo>
+                      <a:lnTo>
+                        <a:pt x="1" y="171"/>
+                      </a:lnTo>
+                      <a:lnTo>
+                        <a:pt x="0" y="190"/>
+                      </a:lnTo>
+                      <a:lnTo>
+                        <a:pt x="0" y="190"/>
+                      </a:lnTo>
+                      <a:close/>
+                    </a:path>
+                  </a:pathLst>
+                </a:custGeom>
+                <a:solidFill>
+                  <a:srgbClr val="636F6D"/>
+                </a:solidFill>
+                <a:ln>
+                  <a:noFill/>
+                </a:ln>
+                <a:extLst>
+                  <a:ext uri="{91240B29-F687-4F45-9708-019B960494DF}">
+                    <a14:hiddenLine xmlns:a14="http://schemas.microsoft.com/office/drawing/2010/main" w="9525">
+                      <a:solidFill>
+                        <a:srgbClr val="000000"/>
+                      </a:solidFill>
+                      <a:round/>
+                      <a:headEnd/>
+                      <a:tailEnd/>
+                    </a14:hiddenLine>
+                  </a:ext>
+                </a:extLst>
+              </p:spPr>
+              <p:txBody>
+                <a:bodyPr vert="horz" wrap="square" lIns="91440" tIns="45720" rIns="91440" bIns="45720" numCol="1" anchor="t" anchorCtr="0" compatLnSpc="1">
+                  <a:prstTxWarp prst="textNoShape">
+                    <a:avLst/>
+                  </a:prstTxWarp>
+                </a:bodyPr>
+                <a:lstStyle/>
+                <a:p>
+                  <a:endParaRPr lang="ko-KR" altLang="en-US"/>
+                </a:p>
+              </p:txBody>
+            </p:sp>
+            <p:sp>
+              <p:nvSpPr>
+                <p:cNvPr id="31" name="Freeform 47"/>
+                <p:cNvSpPr>
+                  <a:spLocks/>
+                </p:cNvSpPr>
+                <p:nvPr userDrawn="1"/>
+              </p:nvSpPr>
+              <p:spPr bwMode="auto">
+                <a:xfrm>
+                  <a:off x="7016750" y="5994400"/>
+                  <a:ext cx="107950" cy="107950"/>
+                </a:xfrm>
+                <a:custGeom>
+                  <a:avLst/>
+                  <a:gdLst>
+                    <a:gd name="T0" fmla="*/ 0 w 205"/>
+                    <a:gd name="T1" fmla="*/ 101 h 206"/>
+                    <a:gd name="T2" fmla="*/ 1 w 205"/>
+                    <a:gd name="T3" fmla="*/ 123 h 206"/>
+                    <a:gd name="T4" fmla="*/ 8 w 205"/>
+                    <a:gd name="T5" fmla="*/ 142 h 206"/>
+                    <a:gd name="T6" fmla="*/ 16 w 205"/>
+                    <a:gd name="T7" fmla="*/ 159 h 206"/>
+                    <a:gd name="T8" fmla="*/ 29 w 205"/>
+                    <a:gd name="T9" fmla="*/ 175 h 206"/>
+                    <a:gd name="T10" fmla="*/ 44 w 205"/>
+                    <a:gd name="T11" fmla="*/ 187 h 206"/>
+                    <a:gd name="T12" fmla="*/ 62 w 205"/>
+                    <a:gd name="T13" fmla="*/ 197 h 206"/>
+                    <a:gd name="T14" fmla="*/ 81 w 205"/>
+                    <a:gd name="T15" fmla="*/ 203 h 206"/>
+                    <a:gd name="T16" fmla="*/ 101 w 205"/>
+                    <a:gd name="T17" fmla="*/ 206 h 206"/>
+                    <a:gd name="T18" fmla="*/ 112 w 205"/>
+                    <a:gd name="T19" fmla="*/ 205 h 206"/>
+                    <a:gd name="T20" fmla="*/ 132 w 205"/>
+                    <a:gd name="T21" fmla="*/ 200 h 206"/>
+                    <a:gd name="T22" fmla="*/ 150 w 205"/>
+                    <a:gd name="T23" fmla="*/ 193 h 206"/>
+                    <a:gd name="T24" fmla="*/ 167 w 205"/>
+                    <a:gd name="T25" fmla="*/ 182 h 206"/>
+                    <a:gd name="T26" fmla="*/ 181 w 205"/>
+                    <a:gd name="T27" fmla="*/ 168 h 206"/>
+                    <a:gd name="T28" fmla="*/ 192 w 205"/>
+                    <a:gd name="T29" fmla="*/ 152 h 206"/>
+                    <a:gd name="T30" fmla="*/ 201 w 205"/>
+                    <a:gd name="T31" fmla="*/ 134 h 206"/>
+                    <a:gd name="T32" fmla="*/ 204 w 205"/>
+                    <a:gd name="T33" fmla="*/ 114 h 206"/>
+                    <a:gd name="T34" fmla="*/ 205 w 205"/>
+                    <a:gd name="T35" fmla="*/ 103 h 206"/>
+                    <a:gd name="T36" fmla="*/ 203 w 205"/>
+                    <a:gd name="T37" fmla="*/ 83 h 206"/>
+                    <a:gd name="T38" fmla="*/ 197 w 205"/>
+                    <a:gd name="T39" fmla="*/ 64 h 206"/>
+                    <a:gd name="T40" fmla="*/ 188 w 205"/>
+                    <a:gd name="T41" fmla="*/ 46 h 206"/>
+                    <a:gd name="T42" fmla="*/ 176 w 205"/>
+                    <a:gd name="T43" fmla="*/ 31 h 206"/>
+                    <a:gd name="T44" fmla="*/ 161 w 205"/>
+                    <a:gd name="T45" fmla="*/ 18 h 206"/>
+                    <a:gd name="T46" fmla="*/ 143 w 205"/>
+                    <a:gd name="T47" fmla="*/ 9 h 206"/>
+                    <a:gd name="T48" fmla="*/ 124 w 205"/>
+                    <a:gd name="T49" fmla="*/ 2 h 206"/>
+                    <a:gd name="T50" fmla="*/ 104 w 205"/>
+                    <a:gd name="T51" fmla="*/ 0 h 206"/>
+                    <a:gd name="T52" fmla="*/ 93 w 205"/>
+                    <a:gd name="T53" fmla="*/ 0 h 206"/>
+                    <a:gd name="T54" fmla="*/ 72 w 205"/>
+                    <a:gd name="T55" fmla="*/ 4 h 206"/>
+                    <a:gd name="T56" fmla="*/ 54 w 205"/>
+                    <a:gd name="T57" fmla="*/ 12 h 206"/>
+                    <a:gd name="T58" fmla="*/ 38 w 205"/>
+                    <a:gd name="T59" fmla="*/ 23 h 206"/>
+                    <a:gd name="T60" fmla="*/ 24 w 205"/>
+                    <a:gd name="T61" fmla="*/ 37 h 206"/>
+                    <a:gd name="T62" fmla="*/ 12 w 205"/>
+                    <a:gd name="T63" fmla="*/ 53 h 206"/>
+                    <a:gd name="T64" fmla="*/ 4 w 205"/>
+                    <a:gd name="T65" fmla="*/ 71 h 206"/>
+                    <a:gd name="T66" fmla="*/ 0 w 205"/>
+                    <a:gd name="T67" fmla="*/ 92 h 206"/>
+                    <a:gd name="T68" fmla="*/ 0 w 205"/>
+                    <a:gd name="T69" fmla="*/ 101 h 206"/>
+                  </a:gdLst>
+                  <a:ahLst/>
+                  <a:cxnLst>
+                    <a:cxn ang="0">
+                      <a:pos x="T0" y="T1"/>
+                    </a:cxn>
+                    <a:cxn ang="0">
+                      <a:pos x="T2" y="T3"/>
+                    </a:cxn>
+                    <a:cxn ang="0">
+                      <a:pos x="T4" y="T5"/>
+                    </a:cxn>
+                    <a:cxn ang="0">
+                      <a:pos x="T6" y="T7"/>
+                    </a:cxn>
+                    <a:cxn ang="0">
+                      <a:pos x="T8" y="T9"/>
+                    </a:cxn>
+                    <a:cxn ang="0">
+                      <a:pos x="T10" y="T11"/>
+                    </a:cxn>
+                    <a:cxn ang="0">
+                      <a:pos x="T12" y="T13"/>
+                    </a:cxn>
+                    <a:cxn ang="0">
+                      <a:pos x="T14" y="T15"/>
+                    </a:cxn>
+                    <a:cxn ang="0">
+                      <a:pos x="T16" y="T17"/>
+                    </a:cxn>
+                    <a:cxn ang="0">
+                      <a:pos x="T18" y="T19"/>
+                    </a:cxn>
+                    <a:cxn ang="0">
+                      <a:pos x="T20" y="T21"/>
+                    </a:cxn>
+                    <a:cxn ang="0">
+                      <a:pos x="T22" y="T23"/>
+                    </a:cxn>
+                    <a:cxn ang="0">
+                      <a:pos x="T24" y="T25"/>
+                    </a:cxn>
+                    <a:cxn ang="0">
+                      <a:pos x="T26" y="T27"/>
+                    </a:cxn>
+                    <a:cxn ang="0">
+                      <a:pos x="T28" y="T29"/>
+                    </a:cxn>
+                    <a:cxn ang="0">
+                      <a:pos x="T30" y="T31"/>
+                    </a:cxn>
+                    <a:cxn ang="0">
+                      <a:pos x="T32" y="T33"/>
+                    </a:cxn>
+                    <a:cxn ang="0">
+                      <a:pos x="T34" y="T35"/>
+                    </a:cxn>
+                    <a:cxn ang="0">
+                      <a:pos x="T36" y="T37"/>
+                    </a:cxn>
+                    <a:cxn ang="0">
+                      <a:pos x="T38" y="T39"/>
+                    </a:cxn>
+                    <a:cxn ang="0">
+                      <a:pos x="T40" y="T41"/>
+                    </a:cxn>
+                    <a:cxn ang="0">
+                      <a:pos x="T42" y="T43"/>
+                    </a:cxn>
+                    <a:cxn ang="0">
+                      <a:pos x="T44" y="T45"/>
+                    </a:cxn>
+                    <a:cxn ang="0">
+                      <a:pos x="T46" y="T47"/>
+                    </a:cxn>
+                    <a:cxn ang="0">
+                      <a:pos x="T48" y="T49"/>
+                    </a:cxn>
+                    <a:cxn ang="0">
+                      <a:pos x="T50" y="T51"/>
+                    </a:cxn>
+                    <a:cxn ang="0">
+                      <a:pos x="T52" y="T53"/>
+                    </a:cxn>
+                    <a:cxn ang="0">
+                      <a:pos x="T54" y="T55"/>
+                    </a:cxn>
+                    <a:cxn ang="0">
+                      <a:pos x="T56" y="T57"/>
+                    </a:cxn>
+                    <a:cxn ang="0">
+                      <a:pos x="T58" y="T59"/>
+                    </a:cxn>
+                    <a:cxn ang="0">
+                      <a:pos x="T60" y="T61"/>
+                    </a:cxn>
+                    <a:cxn ang="0">
+                      <a:pos x="T62" y="T63"/>
+                    </a:cxn>
+                    <a:cxn ang="0">
+                      <a:pos x="T64" y="T65"/>
+                    </a:cxn>
+                    <a:cxn ang="0">
+                      <a:pos x="T66" y="T67"/>
+                    </a:cxn>
+                    <a:cxn ang="0">
+                      <a:pos x="T68" y="T69"/>
+                    </a:cxn>
+                  </a:cxnLst>
+                  <a:rect l="0" t="0" r="r" b="b"/>
+                  <a:pathLst>
+                    <a:path w="205" h="206">
+                      <a:moveTo>
+                        <a:pt x="0" y="101"/>
+                      </a:moveTo>
+                      <a:lnTo>
+                        <a:pt x="0" y="101"/>
+                      </a:lnTo>
+                      <a:lnTo>
+                        <a:pt x="0" y="112"/>
+                      </a:lnTo>
+                      <a:lnTo>
+                        <a:pt x="1" y="123"/>
+                      </a:lnTo>
+                      <a:lnTo>
+                        <a:pt x="4" y="133"/>
+                      </a:lnTo>
+                      <a:lnTo>
+                        <a:pt x="8" y="142"/>
+                      </a:lnTo>
+                      <a:lnTo>
+                        <a:pt x="12" y="151"/>
+                      </a:lnTo>
+                      <a:lnTo>
+                        <a:pt x="16" y="159"/>
+                      </a:lnTo>
+                      <a:lnTo>
+                        <a:pt x="23" y="167"/>
+                      </a:lnTo>
+                      <a:lnTo>
+                        <a:pt x="29" y="175"/>
+                      </a:lnTo>
+                      <a:lnTo>
+                        <a:pt x="37" y="181"/>
+                      </a:lnTo>
+                      <a:lnTo>
+                        <a:pt x="44" y="187"/>
+                      </a:lnTo>
+                      <a:lnTo>
+                        <a:pt x="53" y="193"/>
+                      </a:lnTo>
+                      <a:lnTo>
+                        <a:pt x="62" y="197"/>
+                      </a:lnTo>
+                      <a:lnTo>
+                        <a:pt x="71" y="200"/>
+                      </a:lnTo>
+                      <a:lnTo>
+                        <a:pt x="81" y="203"/>
+                      </a:lnTo>
+                      <a:lnTo>
+                        <a:pt x="91" y="205"/>
+                      </a:lnTo>
+                      <a:lnTo>
+                        <a:pt x="101" y="206"/>
+                      </a:lnTo>
+                      <a:lnTo>
+                        <a:pt x="101" y="206"/>
+                      </a:lnTo>
+                      <a:lnTo>
+                        <a:pt x="112" y="205"/>
+                      </a:lnTo>
+                      <a:lnTo>
+                        <a:pt x="122" y="204"/>
+                      </a:lnTo>
+                      <a:lnTo>
+                        <a:pt x="132" y="200"/>
+                      </a:lnTo>
+                      <a:lnTo>
+                        <a:pt x="141" y="197"/>
+                      </a:lnTo>
+                      <a:lnTo>
+                        <a:pt x="150" y="193"/>
+                      </a:lnTo>
+                      <a:lnTo>
+                        <a:pt x="159" y="189"/>
+                      </a:lnTo>
+                      <a:lnTo>
+                        <a:pt x="167" y="182"/>
+                      </a:lnTo>
+                      <a:lnTo>
+                        <a:pt x="175" y="176"/>
+                      </a:lnTo>
+                      <a:lnTo>
+                        <a:pt x="181" y="168"/>
+                      </a:lnTo>
+                      <a:lnTo>
+                        <a:pt x="187" y="161"/>
+                      </a:lnTo>
+                      <a:lnTo>
+                        <a:pt x="192" y="152"/>
+                      </a:lnTo>
+                      <a:lnTo>
+                        <a:pt x="196" y="143"/>
+                      </a:lnTo>
+                      <a:lnTo>
+                        <a:pt x="201" y="134"/>
+                      </a:lnTo>
+                      <a:lnTo>
+                        <a:pt x="203" y="124"/>
+                      </a:lnTo>
+                      <a:lnTo>
+                        <a:pt x="204" y="114"/>
+                      </a:lnTo>
+                      <a:lnTo>
+                        <a:pt x="205" y="103"/>
+                      </a:lnTo>
+                      <a:lnTo>
+                        <a:pt x="205" y="103"/>
+                      </a:lnTo>
+                      <a:lnTo>
+                        <a:pt x="205" y="93"/>
+                      </a:lnTo>
+                      <a:lnTo>
+                        <a:pt x="203" y="83"/>
+                      </a:lnTo>
+                      <a:lnTo>
+                        <a:pt x="201" y="73"/>
+                      </a:lnTo>
+                      <a:lnTo>
+                        <a:pt x="197" y="64"/>
+                      </a:lnTo>
+                      <a:lnTo>
+                        <a:pt x="193" y="55"/>
+                      </a:lnTo>
+                      <a:lnTo>
+                        <a:pt x="188" y="46"/>
+                      </a:lnTo>
+                      <a:lnTo>
+                        <a:pt x="182" y="38"/>
+                      </a:lnTo>
+                      <a:lnTo>
+                        <a:pt x="176" y="31"/>
+                      </a:lnTo>
+                      <a:lnTo>
+                        <a:pt x="168" y="24"/>
+                      </a:lnTo>
+                      <a:lnTo>
+                        <a:pt x="161" y="18"/>
+                      </a:lnTo>
+                      <a:lnTo>
+                        <a:pt x="152" y="13"/>
+                      </a:lnTo>
+                      <a:lnTo>
+                        <a:pt x="143" y="9"/>
+                      </a:lnTo>
+                      <a:lnTo>
+                        <a:pt x="134" y="5"/>
+                      </a:lnTo>
+                      <a:lnTo>
+                        <a:pt x="124" y="2"/>
+                      </a:lnTo>
+                      <a:lnTo>
+                        <a:pt x="113" y="1"/>
+                      </a:lnTo>
+                      <a:lnTo>
+                        <a:pt x="104" y="0"/>
+                      </a:lnTo>
+                      <a:lnTo>
+                        <a:pt x="104" y="0"/>
+                      </a:lnTo>
+                      <a:lnTo>
+                        <a:pt x="93" y="0"/>
+                      </a:lnTo>
+                      <a:lnTo>
+                        <a:pt x="82" y="2"/>
+                      </a:lnTo>
+                      <a:lnTo>
+                        <a:pt x="72" y="4"/>
+                      </a:lnTo>
+                      <a:lnTo>
+                        <a:pt x="63" y="8"/>
+                      </a:lnTo>
+                      <a:lnTo>
+                        <a:pt x="54" y="12"/>
+                      </a:lnTo>
+                      <a:lnTo>
+                        <a:pt x="45" y="17"/>
+                      </a:lnTo>
+                      <a:lnTo>
+                        <a:pt x="38" y="23"/>
+                      </a:lnTo>
+                      <a:lnTo>
+                        <a:pt x="30" y="29"/>
+                      </a:lnTo>
+                      <a:lnTo>
+                        <a:pt x="24" y="37"/>
+                      </a:lnTo>
+                      <a:lnTo>
+                        <a:pt x="17" y="44"/>
+                      </a:lnTo>
+                      <a:lnTo>
+                        <a:pt x="12" y="53"/>
+                      </a:lnTo>
+                      <a:lnTo>
+                        <a:pt x="8" y="63"/>
+                      </a:lnTo>
+                      <a:lnTo>
+                        <a:pt x="4" y="71"/>
+                      </a:lnTo>
+                      <a:lnTo>
+                        <a:pt x="2" y="81"/>
+                      </a:lnTo>
+                      <a:lnTo>
+                        <a:pt x="0" y="92"/>
+                      </a:lnTo>
+                      <a:lnTo>
+                        <a:pt x="0" y="101"/>
+                      </a:lnTo>
+                      <a:lnTo>
+                        <a:pt x="0" y="101"/>
+                      </a:lnTo>
+                      <a:close/>
+                    </a:path>
+                  </a:pathLst>
+                </a:custGeom>
+                <a:solidFill>
+                  <a:srgbClr val="FFFFFF"/>
+                </a:solidFill>
+                <a:ln>
+                  <a:noFill/>
+                </a:ln>
+                <a:extLst>
+                  <a:ext uri="{91240B29-F687-4F45-9708-019B960494DF}">
+                    <a14:hiddenLine xmlns:a14="http://schemas.microsoft.com/office/drawing/2010/main" w="9525">
+                      <a:solidFill>
+                        <a:srgbClr val="000000"/>
+                      </a:solidFill>
+                      <a:round/>
+                      <a:headEnd/>
+                      <a:tailEnd/>
+                    </a14:hiddenLine>
+                  </a:ext>
+                </a:extLst>
+              </p:spPr>
+              <p:txBody>
+                <a:bodyPr vert="horz" wrap="square" lIns="91440" tIns="45720" rIns="91440" bIns="45720" numCol="1" anchor="t" anchorCtr="0" compatLnSpc="1">
+                  <a:prstTxWarp prst="textNoShape">
+                    <a:avLst/>
+                  </a:prstTxWarp>
+                </a:bodyPr>
+                <a:lstStyle/>
+                <a:p>
+                  <a:endParaRPr lang="ko-KR" altLang="en-US"/>
+                </a:p>
+              </p:txBody>
+            </p:sp>
+          </p:grpSp>
+          <p:sp>
+            <p:nvSpPr>
+              <p:cNvPr id="22" name="Freeform 50"/>
+              <p:cNvSpPr>
+                <a:spLocks/>
+              </p:cNvSpPr>
+              <p:nvPr/>
+            </p:nvSpPr>
+            <p:spPr bwMode="auto">
+              <a:xfrm>
+                <a:off x="5716588" y="4849813"/>
+                <a:ext cx="1019175" cy="1020763"/>
+              </a:xfrm>
+              <a:custGeom>
+                <a:avLst/>
+                <a:gdLst>
+                  <a:gd name="T0" fmla="*/ 1724 w 1927"/>
+                  <a:gd name="T1" fmla="*/ 1557 h 1927"/>
+                  <a:gd name="T2" fmla="*/ 1801 w 1927"/>
+                  <a:gd name="T3" fmla="*/ 1442 h 1927"/>
+                  <a:gd name="T4" fmla="*/ 1859 w 1927"/>
+                  <a:gd name="T5" fmla="*/ 1320 h 1927"/>
+                  <a:gd name="T6" fmla="*/ 1900 w 1927"/>
+                  <a:gd name="T7" fmla="*/ 1193 h 1927"/>
+                  <a:gd name="T8" fmla="*/ 1923 w 1927"/>
+                  <a:gd name="T9" fmla="*/ 1062 h 1927"/>
+                  <a:gd name="T10" fmla="*/ 1927 w 1927"/>
+                  <a:gd name="T11" fmla="*/ 930 h 1927"/>
+                  <a:gd name="T12" fmla="*/ 1913 w 1927"/>
+                  <a:gd name="T13" fmla="*/ 799 h 1927"/>
+                  <a:gd name="T14" fmla="*/ 1882 w 1927"/>
+                  <a:gd name="T15" fmla="*/ 669 h 1927"/>
+                  <a:gd name="T16" fmla="*/ 1833 w 1927"/>
+                  <a:gd name="T17" fmla="*/ 544 h 1927"/>
+                  <a:gd name="T18" fmla="*/ 1765 w 1927"/>
+                  <a:gd name="T19" fmla="*/ 426 h 1927"/>
+                  <a:gd name="T20" fmla="*/ 1678 w 1927"/>
+                  <a:gd name="T21" fmla="*/ 316 h 1927"/>
+                  <a:gd name="T22" fmla="*/ 1610 w 1927"/>
+                  <a:gd name="T23" fmla="*/ 248 h 1927"/>
+                  <a:gd name="T24" fmla="*/ 1494 w 1927"/>
+                  <a:gd name="T25" fmla="*/ 159 h 1927"/>
+                  <a:gd name="T26" fmla="*/ 1369 w 1927"/>
+                  <a:gd name="T27" fmla="*/ 89 h 1927"/>
+                  <a:gd name="T28" fmla="*/ 1238 w 1927"/>
+                  <a:gd name="T29" fmla="*/ 39 h 1927"/>
+                  <a:gd name="T30" fmla="*/ 1102 w 1927"/>
+                  <a:gd name="T31" fmla="*/ 10 h 1927"/>
+                  <a:gd name="T32" fmla="*/ 964 w 1927"/>
+                  <a:gd name="T33" fmla="*/ 0 h 1927"/>
+                  <a:gd name="T34" fmla="*/ 825 w 1927"/>
+                  <a:gd name="T35" fmla="*/ 10 h 1927"/>
+                  <a:gd name="T36" fmla="*/ 690 w 1927"/>
+                  <a:gd name="T37" fmla="*/ 39 h 1927"/>
+                  <a:gd name="T38" fmla="*/ 558 w 1927"/>
+                  <a:gd name="T39" fmla="*/ 89 h 1927"/>
+                  <a:gd name="T40" fmla="*/ 433 w 1927"/>
+                  <a:gd name="T41" fmla="*/ 159 h 1927"/>
+                  <a:gd name="T42" fmla="*/ 318 w 1927"/>
+                  <a:gd name="T43" fmla="*/ 248 h 1927"/>
+                  <a:gd name="T44" fmla="*/ 248 w 1927"/>
+                  <a:gd name="T45" fmla="*/ 318 h 1927"/>
+                  <a:gd name="T46" fmla="*/ 159 w 1927"/>
+                  <a:gd name="T47" fmla="*/ 433 h 1927"/>
+                  <a:gd name="T48" fmla="*/ 90 w 1927"/>
+                  <a:gd name="T49" fmla="*/ 558 h 1927"/>
+                  <a:gd name="T50" fmla="*/ 40 w 1927"/>
+                  <a:gd name="T51" fmla="*/ 690 h 1927"/>
+                  <a:gd name="T52" fmla="*/ 10 w 1927"/>
+                  <a:gd name="T53" fmla="*/ 825 h 1927"/>
+                  <a:gd name="T54" fmla="*/ 0 w 1927"/>
+                  <a:gd name="T55" fmla="*/ 963 h 1927"/>
+                  <a:gd name="T56" fmla="*/ 10 w 1927"/>
+                  <a:gd name="T57" fmla="*/ 1102 h 1927"/>
+                  <a:gd name="T58" fmla="*/ 40 w 1927"/>
+                  <a:gd name="T59" fmla="*/ 1238 h 1927"/>
+                  <a:gd name="T60" fmla="*/ 90 w 1927"/>
+                  <a:gd name="T61" fmla="*/ 1369 h 1927"/>
+                  <a:gd name="T62" fmla="*/ 159 w 1927"/>
+                  <a:gd name="T63" fmla="*/ 1494 h 1927"/>
+                  <a:gd name="T64" fmla="*/ 248 w 1927"/>
+                  <a:gd name="T65" fmla="*/ 1610 h 1927"/>
+                  <a:gd name="T66" fmla="*/ 317 w 1927"/>
+                  <a:gd name="T67" fmla="*/ 1679 h 1927"/>
+                  <a:gd name="T68" fmla="*/ 426 w 1927"/>
+                  <a:gd name="T69" fmla="*/ 1764 h 1927"/>
+                  <a:gd name="T70" fmla="*/ 544 w 1927"/>
+                  <a:gd name="T71" fmla="*/ 1831 h 1927"/>
+                  <a:gd name="T72" fmla="*/ 669 w 1927"/>
+                  <a:gd name="T73" fmla="*/ 1882 h 1927"/>
+                  <a:gd name="T74" fmla="*/ 799 w 1927"/>
+                  <a:gd name="T75" fmla="*/ 1913 h 1927"/>
+                  <a:gd name="T76" fmla="*/ 930 w 1927"/>
+                  <a:gd name="T77" fmla="*/ 1927 h 1927"/>
+                  <a:gd name="T78" fmla="*/ 1062 w 1927"/>
+                  <a:gd name="T79" fmla="*/ 1922 h 1927"/>
+                  <a:gd name="T80" fmla="*/ 1193 w 1927"/>
+                  <a:gd name="T81" fmla="*/ 1900 h 1927"/>
+                  <a:gd name="T82" fmla="*/ 1321 w 1927"/>
+                  <a:gd name="T83" fmla="*/ 1859 h 1927"/>
+                  <a:gd name="T84" fmla="*/ 1443 w 1927"/>
+                  <a:gd name="T85" fmla="*/ 1800 h 1927"/>
+                  <a:gd name="T86" fmla="*/ 1557 w 1927"/>
+                  <a:gd name="T87" fmla="*/ 1724 h 1927"/>
+                  <a:gd name="T88" fmla="*/ 1695 w 1927"/>
+                  <a:gd name="T89" fmla="*/ 1592 h 1927"/>
+                </a:gdLst>
+                <a:ahLst/>
+                <a:cxnLst>
+                  <a:cxn ang="0">
+                    <a:pos x="T0" y="T1"/>
+                  </a:cxn>
+                  <a:cxn ang="0">
+                    <a:pos x="T2" y="T3"/>
+                  </a:cxn>
+                  <a:cxn ang="0">
+                    <a:pos x="T4" y="T5"/>
+                  </a:cxn>
+                  <a:cxn ang="0">
+                    <a:pos x="T6" y="T7"/>
+                  </a:cxn>
+                  <a:cxn ang="0">
+                    <a:pos x="T8" y="T9"/>
+                  </a:cxn>
+                  <a:cxn ang="0">
+                    <a:pos x="T10" y="T11"/>
+                  </a:cxn>
+                  <a:cxn ang="0">
+                    <a:pos x="T12" y="T13"/>
+                  </a:cxn>
+                  <a:cxn ang="0">
+                    <a:pos x="T14" y="T15"/>
+                  </a:cxn>
+                  <a:cxn ang="0">
+                    <a:pos x="T16" y="T17"/>
+                  </a:cxn>
+                  <a:cxn ang="0">
+                    <a:pos x="T18" y="T19"/>
+                  </a:cxn>
+                  <a:cxn ang="0">
+                    <a:pos x="T20" y="T21"/>
+                  </a:cxn>
+                  <a:cxn ang="0">
+                    <a:pos x="T22" y="T23"/>
+                  </a:cxn>
+                  <a:cxn ang="0">
+                    <a:pos x="T24" y="T25"/>
+                  </a:cxn>
+                  <a:cxn ang="0">
+                    <a:pos x="T26" y="T27"/>
+                  </a:cxn>
+                  <a:cxn ang="0">
+                    <a:pos x="T28" y="T29"/>
+                  </a:cxn>
+                  <a:cxn ang="0">
+                    <a:pos x="T30" y="T31"/>
+                  </a:cxn>
+                  <a:cxn ang="0">
+                    <a:pos x="T32" y="T33"/>
+                  </a:cxn>
+                  <a:cxn ang="0">
+                    <a:pos x="T34" y="T35"/>
+                  </a:cxn>
+                  <a:cxn ang="0">
+                    <a:pos x="T36" y="T37"/>
+                  </a:cxn>
+                  <a:cxn ang="0">
+                    <a:pos x="T38" y="T39"/>
+                  </a:cxn>
+                  <a:cxn ang="0">
+                    <a:pos x="T40" y="T41"/>
+                  </a:cxn>
+                  <a:cxn ang="0">
+                    <a:pos x="T42" y="T43"/>
+                  </a:cxn>
+                  <a:cxn ang="0">
+                    <a:pos x="T44" y="T45"/>
+                  </a:cxn>
+                  <a:cxn ang="0">
+                    <a:pos x="T46" y="T47"/>
+                  </a:cxn>
+                  <a:cxn ang="0">
+                    <a:pos x="T48" y="T49"/>
+                  </a:cxn>
+                  <a:cxn ang="0">
+                    <a:pos x="T50" y="T51"/>
+                  </a:cxn>
+                  <a:cxn ang="0">
+                    <a:pos x="T52" y="T53"/>
+                  </a:cxn>
+                  <a:cxn ang="0">
+                    <a:pos x="T54" y="T55"/>
+                  </a:cxn>
+                  <a:cxn ang="0">
+                    <a:pos x="T56" y="T57"/>
+                  </a:cxn>
+                  <a:cxn ang="0">
+                    <a:pos x="T58" y="T59"/>
+                  </a:cxn>
+                  <a:cxn ang="0">
+                    <a:pos x="T60" y="T61"/>
+                  </a:cxn>
+                  <a:cxn ang="0">
+                    <a:pos x="T62" y="T63"/>
+                  </a:cxn>
+                  <a:cxn ang="0">
+                    <a:pos x="T64" y="T65"/>
+                  </a:cxn>
+                  <a:cxn ang="0">
+                    <a:pos x="T66" y="T67"/>
+                  </a:cxn>
+                  <a:cxn ang="0">
+                    <a:pos x="T68" y="T69"/>
+                  </a:cxn>
+                  <a:cxn ang="0">
+                    <a:pos x="T70" y="T71"/>
+                  </a:cxn>
+                  <a:cxn ang="0">
+                    <a:pos x="T72" y="T73"/>
+                  </a:cxn>
+                  <a:cxn ang="0">
+                    <a:pos x="T74" y="T75"/>
+                  </a:cxn>
+                  <a:cxn ang="0">
+                    <a:pos x="T76" y="T77"/>
+                  </a:cxn>
+                  <a:cxn ang="0">
+                    <a:pos x="T78" y="T79"/>
+                  </a:cxn>
+                  <a:cxn ang="0">
+                    <a:pos x="T80" y="T81"/>
+                  </a:cxn>
+                  <a:cxn ang="0">
+                    <a:pos x="T82" y="T83"/>
+                  </a:cxn>
+                  <a:cxn ang="0">
+                    <a:pos x="T84" y="T85"/>
+                  </a:cxn>
+                  <a:cxn ang="0">
+                    <a:pos x="T86" y="T87"/>
+                  </a:cxn>
+                  <a:cxn ang="0">
+                    <a:pos x="T88" y="T89"/>
+                  </a:cxn>
+                </a:cxnLst>
+                <a:rect l="0" t="0" r="r" b="b"/>
+                <a:pathLst>
+                  <a:path w="1927" h="1927">
+                    <a:moveTo>
+                      <a:pt x="1695" y="1592"/>
+                    </a:moveTo>
+                    <a:lnTo>
+                      <a:pt x="1695" y="1592"/>
+                    </a:lnTo>
+                    <a:lnTo>
+                      <a:pt x="1724" y="1557"/>
+                    </a:lnTo>
+                    <a:lnTo>
+                      <a:pt x="1752" y="1519"/>
+                    </a:lnTo>
+                    <a:lnTo>
+                      <a:pt x="1778" y="1481"/>
+                    </a:lnTo>
+                    <a:lnTo>
+                      <a:pt x="1801" y="1442"/>
+                    </a:lnTo>
+                    <a:lnTo>
+                      <a:pt x="1823" y="1402"/>
+                    </a:lnTo>
+                    <a:lnTo>
+                      <a:pt x="1842" y="1362"/>
+                    </a:lnTo>
+                    <a:lnTo>
+                      <a:pt x="1859" y="1320"/>
+                    </a:lnTo>
+                    <a:lnTo>
+                      <a:pt x="1875" y="1279"/>
+                    </a:lnTo>
+                    <a:lnTo>
+                      <a:pt x="1889" y="1236"/>
+                    </a:lnTo>
+                    <a:lnTo>
+                      <a:pt x="1900" y="1193"/>
+                    </a:lnTo>
+                    <a:lnTo>
+                      <a:pt x="1910" y="1150"/>
+                    </a:lnTo>
+                    <a:lnTo>
+                      <a:pt x="1918" y="1107"/>
+                    </a:lnTo>
+                    <a:lnTo>
+                      <a:pt x="1923" y="1062"/>
+                    </a:lnTo>
+                    <a:lnTo>
+                      <a:pt x="1926" y="1018"/>
+                    </a:lnTo>
+                    <a:lnTo>
+                      <a:pt x="1927" y="974"/>
+                    </a:lnTo>
+                    <a:lnTo>
+                      <a:pt x="1927" y="930"/>
+                    </a:lnTo>
+                    <a:lnTo>
+                      <a:pt x="1925" y="886"/>
+                    </a:lnTo>
+                    <a:lnTo>
+                      <a:pt x="1920" y="842"/>
+                    </a:lnTo>
+                    <a:lnTo>
+                      <a:pt x="1913" y="799"/>
+                    </a:lnTo>
+                    <a:lnTo>
+                      <a:pt x="1905" y="754"/>
+                    </a:lnTo>
+                    <a:lnTo>
+                      <a:pt x="1894" y="711"/>
+                    </a:lnTo>
+                    <a:lnTo>
+                      <a:pt x="1882" y="669"/>
+                    </a:lnTo>
+                    <a:lnTo>
+                      <a:pt x="1867" y="627"/>
+                    </a:lnTo>
+                    <a:lnTo>
+                      <a:pt x="1851" y="585"/>
+                    </a:lnTo>
+                    <a:lnTo>
+                      <a:pt x="1833" y="544"/>
+                    </a:lnTo>
+                    <a:lnTo>
+                      <a:pt x="1811" y="504"/>
+                    </a:lnTo>
+                    <a:lnTo>
+                      <a:pt x="1788" y="465"/>
+                    </a:lnTo>
+                    <a:lnTo>
+                      <a:pt x="1765" y="426"/>
+                    </a:lnTo>
+                    <a:lnTo>
+                      <a:pt x="1738" y="388"/>
+                    </a:lnTo>
+                    <a:lnTo>
+                      <a:pt x="1709" y="352"/>
+                    </a:lnTo>
+                    <a:lnTo>
+                      <a:pt x="1678" y="316"/>
+                    </a:lnTo>
+                    <a:lnTo>
+                      <a:pt x="1645" y="283"/>
+                    </a:lnTo>
+                    <a:lnTo>
+                      <a:pt x="1645" y="283"/>
+                    </a:lnTo>
+                    <a:lnTo>
+                      <a:pt x="1610" y="248"/>
+                    </a:lnTo>
+                    <a:lnTo>
+                      <a:pt x="1572" y="216"/>
+                    </a:lnTo>
+                    <a:lnTo>
+                      <a:pt x="1534" y="187"/>
+                    </a:lnTo>
+                    <a:lnTo>
+                      <a:pt x="1494" y="159"/>
+                    </a:lnTo>
+                    <a:lnTo>
+                      <a:pt x="1453" y="133"/>
+                    </a:lnTo>
+                    <a:lnTo>
+                      <a:pt x="1412" y="110"/>
+                    </a:lnTo>
+                    <a:lnTo>
+                      <a:pt x="1369" y="89"/>
+                    </a:lnTo>
+                    <a:lnTo>
+                      <a:pt x="1326" y="70"/>
+                    </a:lnTo>
+                    <a:lnTo>
+                      <a:pt x="1283" y="54"/>
+                    </a:lnTo>
+                    <a:lnTo>
+                      <a:pt x="1238" y="39"/>
+                    </a:lnTo>
+                    <a:lnTo>
+                      <a:pt x="1194" y="27"/>
+                    </a:lnTo>
+                    <a:lnTo>
+                      <a:pt x="1149" y="18"/>
+                    </a:lnTo>
+                    <a:lnTo>
+                      <a:pt x="1102" y="10"/>
+                    </a:lnTo>
+                    <a:lnTo>
+                      <a:pt x="1056" y="5"/>
+                    </a:lnTo>
+                    <a:lnTo>
+                      <a:pt x="1011" y="1"/>
+                    </a:lnTo>
+                    <a:lnTo>
+                      <a:pt x="964" y="0"/>
+                    </a:lnTo>
+                    <a:lnTo>
+                      <a:pt x="918" y="1"/>
+                    </a:lnTo>
+                    <a:lnTo>
+                      <a:pt x="872" y="5"/>
+                    </a:lnTo>
+                    <a:lnTo>
+                      <a:pt x="825" y="10"/>
+                    </a:lnTo>
+                    <a:lnTo>
+                      <a:pt x="780" y="18"/>
+                    </a:lnTo>
+                    <a:lnTo>
+                      <a:pt x="735" y="27"/>
+                    </a:lnTo>
+                    <a:lnTo>
+                      <a:pt x="690" y="39"/>
+                    </a:lnTo>
+                    <a:lnTo>
+                      <a:pt x="646" y="54"/>
+                    </a:lnTo>
+                    <a:lnTo>
+                      <a:pt x="601" y="70"/>
+                    </a:lnTo>
+                    <a:lnTo>
+                      <a:pt x="558" y="89"/>
+                    </a:lnTo>
+                    <a:lnTo>
+                      <a:pt x="515" y="110"/>
+                    </a:lnTo>
+                    <a:lnTo>
+                      <a:pt x="474" y="133"/>
+                    </a:lnTo>
+                    <a:lnTo>
+                      <a:pt x="433" y="159"/>
+                    </a:lnTo>
+                    <a:lnTo>
+                      <a:pt x="395" y="187"/>
+                    </a:lnTo>
+                    <a:lnTo>
+                      <a:pt x="356" y="216"/>
+                    </a:lnTo>
+                    <a:lnTo>
+                      <a:pt x="318" y="248"/>
+                    </a:lnTo>
+                    <a:lnTo>
+                      <a:pt x="283" y="283"/>
+                    </a:lnTo>
+                    <a:lnTo>
+                      <a:pt x="283" y="283"/>
+                    </a:lnTo>
+                    <a:lnTo>
+                      <a:pt x="248" y="318"/>
+                    </a:lnTo>
+                    <a:lnTo>
+                      <a:pt x="216" y="356"/>
+                    </a:lnTo>
+                    <a:lnTo>
+                      <a:pt x="187" y="394"/>
+                    </a:lnTo>
+                    <a:lnTo>
+                      <a:pt x="159" y="433"/>
+                    </a:lnTo>
+                    <a:lnTo>
+                      <a:pt x="134" y="474"/>
+                    </a:lnTo>
+                    <a:lnTo>
+                      <a:pt x="110" y="515"/>
+                    </a:lnTo>
+                    <a:lnTo>
+                      <a:pt x="90" y="558"/>
+                    </a:lnTo>
+                    <a:lnTo>
+                      <a:pt x="70" y="601"/>
+                    </a:lnTo>
+                    <a:lnTo>
+                      <a:pt x="54" y="644"/>
+                    </a:lnTo>
+                    <a:lnTo>
+                      <a:pt x="40" y="690"/>
+                    </a:lnTo>
+                    <a:lnTo>
+                      <a:pt x="27" y="734"/>
+                    </a:lnTo>
+                    <a:lnTo>
+                      <a:pt x="18" y="780"/>
+                    </a:lnTo>
+                    <a:lnTo>
+                      <a:pt x="10" y="825"/>
+                    </a:lnTo>
+                    <a:lnTo>
+                      <a:pt x="5" y="872"/>
+                    </a:lnTo>
+                    <a:lnTo>
+                      <a:pt x="1" y="918"/>
+                    </a:lnTo>
+                    <a:lnTo>
+                      <a:pt x="0" y="963"/>
+                    </a:lnTo>
+                    <a:lnTo>
+                      <a:pt x="1" y="1010"/>
+                    </a:lnTo>
+                    <a:lnTo>
+                      <a:pt x="5" y="1056"/>
+                    </a:lnTo>
+                    <a:lnTo>
+                      <a:pt x="10" y="1102"/>
+                    </a:lnTo>
+                    <a:lnTo>
+                      <a:pt x="18" y="1147"/>
+                    </a:lnTo>
+                    <a:lnTo>
+                      <a:pt x="27" y="1193"/>
+                    </a:lnTo>
+                    <a:lnTo>
+                      <a:pt x="40" y="1238"/>
+                    </a:lnTo>
+                    <a:lnTo>
+                      <a:pt x="54" y="1282"/>
+                    </a:lnTo>
+                    <a:lnTo>
+                      <a:pt x="70" y="1326"/>
+                    </a:lnTo>
+                    <a:lnTo>
+                      <a:pt x="90" y="1369"/>
+                    </a:lnTo>
+                    <a:lnTo>
+                      <a:pt x="110" y="1412"/>
+                    </a:lnTo>
+                    <a:lnTo>
+                      <a:pt x="134" y="1453"/>
+                    </a:lnTo>
+                    <a:lnTo>
+                      <a:pt x="159" y="1494"/>
+                    </a:lnTo>
+                    <a:lnTo>
+                      <a:pt x="187" y="1534"/>
+                    </a:lnTo>
+                    <a:lnTo>
+                      <a:pt x="216" y="1572"/>
+                    </a:lnTo>
+                    <a:lnTo>
+                      <a:pt x="248" y="1610"/>
+                    </a:lnTo>
+                    <a:lnTo>
+                      <a:pt x="283" y="1645"/>
+                    </a:lnTo>
+                    <a:lnTo>
+                      <a:pt x="283" y="1645"/>
+                    </a:lnTo>
+                    <a:lnTo>
+                      <a:pt x="317" y="1679"/>
+                    </a:lnTo>
+                    <a:lnTo>
+                      <a:pt x="353" y="1709"/>
+                    </a:lnTo>
+                    <a:lnTo>
+                      <a:pt x="389" y="1738"/>
+                    </a:lnTo>
+                    <a:lnTo>
+                      <a:pt x="426" y="1764"/>
+                    </a:lnTo>
+                    <a:lnTo>
+                      <a:pt x="465" y="1788"/>
+                    </a:lnTo>
+                    <a:lnTo>
+                      <a:pt x="504" y="1811"/>
+                    </a:lnTo>
+                    <a:lnTo>
+                      <a:pt x="544" y="1831"/>
+                    </a:lnTo>
+                    <a:lnTo>
+                      <a:pt x="585" y="1851"/>
+                    </a:lnTo>
+                    <a:lnTo>
+                      <a:pt x="627" y="1867"/>
+                    </a:lnTo>
+                    <a:lnTo>
+                      <a:pt x="669" y="1882"/>
+                    </a:lnTo>
+                    <a:lnTo>
+                      <a:pt x="712" y="1894"/>
+                    </a:lnTo>
+                    <a:lnTo>
+                      <a:pt x="755" y="1905"/>
+                    </a:lnTo>
+                    <a:lnTo>
+                      <a:pt x="799" y="1913"/>
+                    </a:lnTo>
+                    <a:lnTo>
+                      <a:pt x="843" y="1920"/>
+                    </a:lnTo>
+                    <a:lnTo>
+                      <a:pt x="886" y="1924"/>
+                    </a:lnTo>
+                    <a:lnTo>
+                      <a:pt x="930" y="1927"/>
+                    </a:lnTo>
+                    <a:lnTo>
+                      <a:pt x="974" y="1927"/>
+                    </a:lnTo>
+                    <a:lnTo>
+                      <a:pt x="1018" y="1926"/>
+                    </a:lnTo>
+                    <a:lnTo>
+                      <a:pt x="1062" y="1922"/>
+                    </a:lnTo>
+                    <a:lnTo>
+                      <a:pt x="1107" y="1917"/>
+                    </a:lnTo>
+                    <a:lnTo>
+                      <a:pt x="1150" y="1909"/>
+                    </a:lnTo>
+                    <a:lnTo>
+                      <a:pt x="1193" y="1900"/>
+                    </a:lnTo>
+                    <a:lnTo>
+                      <a:pt x="1236" y="1889"/>
+                    </a:lnTo>
+                    <a:lnTo>
+                      <a:pt x="1279" y="1875"/>
+                    </a:lnTo>
+                    <a:lnTo>
+                      <a:pt x="1321" y="1859"/>
+                    </a:lnTo>
+                    <a:lnTo>
+                      <a:pt x="1362" y="1842"/>
+                    </a:lnTo>
+                    <a:lnTo>
+                      <a:pt x="1403" y="1822"/>
+                    </a:lnTo>
+                    <a:lnTo>
+                      <a:pt x="1443" y="1800"/>
+                    </a:lnTo>
+                    <a:lnTo>
+                      <a:pt x="1481" y="1777"/>
+                    </a:lnTo>
+                    <a:lnTo>
+                      <a:pt x="1519" y="1752"/>
+                    </a:lnTo>
+                    <a:lnTo>
+                      <a:pt x="1557" y="1724"/>
+                    </a:lnTo>
+                    <a:lnTo>
+                      <a:pt x="1592" y="1695"/>
+                    </a:lnTo>
+                    <a:lnTo>
+                      <a:pt x="1904" y="1903"/>
+                    </a:lnTo>
+                    <a:lnTo>
+                      <a:pt x="1695" y="1592"/>
+                    </a:lnTo>
+                    <a:close/>
+                  </a:path>
+                </a:pathLst>
+              </a:custGeom>
+              <a:solidFill>
+                <a:srgbClr val="57C5EC"/>
+              </a:solidFill>
+              <a:ln>
+                <a:noFill/>
+              </a:ln>
+              <a:extLst>
+                <a:ext uri="{91240B29-F687-4F45-9708-019B960494DF}">
+                  <a14:hiddenLine xmlns:a14="http://schemas.microsoft.com/office/drawing/2010/main" w="9525">
+                    <a:solidFill>
+                      <a:srgbClr val="000000"/>
+                    </a:solidFill>
+                    <a:round/>
+                    <a:headEnd/>
+                    <a:tailEnd/>
+                  </a14:hiddenLine>
+                </a:ext>
+              </a:extLst>
+            </p:spPr>
+            <p:txBody>
+              <a:bodyPr vert="horz" wrap="square" lIns="91440" tIns="45720" rIns="91440" bIns="45720" numCol="1" anchor="t" anchorCtr="0" compatLnSpc="1">
+                <a:prstTxWarp prst="textNoShape">
+                  <a:avLst/>
+                </a:prstTxWarp>
+              </a:bodyPr>
+              <a:lstStyle/>
+              <a:p>
+                <a:endParaRPr lang="ko-KR" altLang="en-US" dirty="0"/>
+              </a:p>
+            </p:txBody>
+          </p:sp>
+        </p:grpSp>
+        <p:sp>
+          <p:nvSpPr>
+            <p:cNvPr id="32" name="직사각형 31"/>
+            <p:cNvSpPr/>
+            <p:nvPr/>
+          </p:nvSpPr>
+          <p:spPr>
+            <a:xfrm>
+              <a:off x="465702" y="422753"/>
+              <a:ext cx="360040" cy="461665"/>
+            </a:xfrm>
+            <a:prstGeom prst="rect">
+              <a:avLst/>
+            </a:prstGeom>
+          </p:spPr>
+          <p:txBody>
+            <a:bodyPr wrap="square">
+              <a:spAutoFit/>
+            </a:bodyPr>
+            <a:lstStyle/>
+            <a:p>
+              <a:pPr algn="ctr"/>
+              <a:r>
+                <a:rPr lang="en-US" altLang="ko-KR" sz="2400" dirty="0">
+                  <a:solidFill>
+                    <a:schemeClr val="bg1"/>
+                  </a:solidFill>
+                  <a:latin typeface="나눔고딕 Bold" pitchFamily="50" charset="-127"/>
+                  <a:ea typeface="나눔고딕 Bold" pitchFamily="50" charset="-127"/>
+                </a:rPr>
+                <a:t>5</a:t>
+              </a:r>
+              <a:endParaRPr lang="ko-KR" altLang="en-US" sz="2400" dirty="0">
+                <a:solidFill>
+                  <a:schemeClr val="bg1"/>
+                </a:solidFill>
+                <a:latin typeface="나눔고딕 Bold" pitchFamily="50" charset="-127"/>
+                <a:ea typeface="나눔고딕 Bold" pitchFamily="50" charset="-127"/>
+              </a:endParaRPr>
+            </a:p>
+          </p:txBody>
+        </p:sp>
+      </p:grpSp>
+      <p:sp>
+        <p:nvSpPr>
+          <p:cNvPr id="55" name="직사각형 54"/>
+          <p:cNvSpPr/>
+          <p:nvPr/>
+        </p:nvSpPr>
+        <p:spPr>
+          <a:xfrm>
+            <a:off x="5303912" y="476746"/>
+            <a:ext cx="5364088" cy="707886"/>
+          </a:xfrm>
+          <a:prstGeom prst="rect">
+            <a:avLst/>
+          </a:prstGeom>
+        </p:spPr>
+        <p:txBody>
+          <a:bodyPr wrap="square">
+            <a:spAutoFit/>
+          </a:bodyPr>
+          <a:lstStyle/>
+          <a:p>
+            <a:pPr algn="r"/>
+            <a:r>
+              <a:rPr lang="ko-KR" altLang="en-US" sz="4000" dirty="0">
+                <a:solidFill>
+                  <a:schemeClr val="tx1">
+                    <a:lumMod val="65000"/>
+                    <a:lumOff val="35000"/>
+                  </a:schemeClr>
+                </a:solidFill>
+                <a:latin typeface="나눔고딕 Bold" pitchFamily="50" charset="-127"/>
+                <a:ea typeface="나눔고딕 Bold" pitchFamily="50" charset="-127"/>
+              </a:rPr>
+              <a:t>시스템 모듈 상세 설계</a:t>
+            </a:r>
+          </a:p>
+        </p:txBody>
+      </p:sp>
+      <p:pic>
+        <p:nvPicPr>
+          <p:cNvPr id="56" name="그림 55"/>
+          <p:cNvPicPr>
+            <a:picLocks noChangeAspect="1"/>
+          </p:cNvPicPr>
+          <p:nvPr/>
+        </p:nvPicPr>
+        <p:blipFill>
+          <a:blip r:embed="rId5"/>
+          <a:stretch>
+            <a:fillRect/>
+          </a:stretch>
+        </p:blipFill>
+        <p:spPr>
+          <a:xfrm>
+            <a:off x="1524000" y="1174942"/>
+            <a:ext cx="9144000" cy="83490"/>
+          </a:xfrm>
+          <a:prstGeom prst="rect">
+            <a:avLst/>
+          </a:prstGeom>
+          <a:blipFill>
+            <a:blip r:embed="rId6">
+              <a:alphaModFix amt="10000"/>
+            </a:blip>
+            <a:stretch>
+              <a:fillRect r="1000"/>
+            </a:stretch>
+          </a:blipFill>
+        </p:spPr>
+      </p:pic>
+      <p:sp>
+        <p:nvSpPr>
+          <p:cNvPr id="20" name="직사각형 19"/>
+          <p:cNvSpPr/>
+          <p:nvPr/>
+        </p:nvSpPr>
+        <p:spPr>
+          <a:xfrm>
+            <a:off x="1847528" y="1268760"/>
+            <a:ext cx="3528392" cy="523220"/>
+          </a:xfrm>
+          <a:prstGeom prst="rect">
+            <a:avLst/>
+          </a:prstGeom>
+        </p:spPr>
+        <p:txBody>
+          <a:bodyPr wrap="square">
+            <a:spAutoFit/>
+          </a:bodyPr>
+          <a:lstStyle/>
+          <a:p>
+            <a:r>
+              <a:rPr lang="en-US" altLang="ko-KR" sz="2800" dirty="0">
+                <a:solidFill>
+                  <a:schemeClr val="tx1">
+                    <a:lumMod val="65000"/>
+                    <a:lumOff val="35000"/>
+                  </a:schemeClr>
+                </a:solidFill>
+                <a:latin typeface="나눔고딕 Bold" pitchFamily="50" charset="-127"/>
+                <a:ea typeface="나눔고딕 Bold" pitchFamily="50" charset="-127"/>
+              </a:rPr>
+              <a:t>c) web </a:t>
+            </a:r>
+            <a:r>
+              <a:rPr lang="en-US" altLang="ko-KR" sz="2800" i="1" dirty="0">
+                <a:solidFill>
+                  <a:schemeClr val="tx1">
+                    <a:lumMod val="65000"/>
+                    <a:lumOff val="35000"/>
+                  </a:schemeClr>
+                </a:solidFill>
+                <a:latin typeface="나눔고딕 Bold" pitchFamily="50" charset="-127"/>
+                <a:ea typeface="나눔고딕 Bold" pitchFamily="50" charset="-127"/>
+              </a:rPr>
+              <a:t>server</a:t>
+            </a:r>
+            <a:endParaRPr lang="ko-KR" altLang="en-US" sz="2800" i="1" dirty="0">
+              <a:solidFill>
+                <a:schemeClr val="tx1">
+                  <a:lumMod val="65000"/>
+                  <a:lumOff val="35000"/>
+                </a:schemeClr>
+              </a:solidFill>
+              <a:latin typeface="나눔고딕 Bold" pitchFamily="50" charset="-127"/>
+              <a:ea typeface="나눔고딕 Bold" pitchFamily="50" charset="-127"/>
+            </a:endParaRPr>
+          </a:p>
+        </p:txBody>
+      </p:sp>
+      <p:cxnSp>
+        <p:nvCxnSpPr>
+          <p:cNvPr id="8" name="꺾인 연결선 7"/>
+          <p:cNvCxnSpPr/>
+          <p:nvPr/>
+        </p:nvCxnSpPr>
+        <p:spPr>
+          <a:xfrm rot="10800000" flipV="1">
+            <a:off x="4583832" y="2395060"/>
+            <a:ext cx="5535380" cy="1926837"/>
+          </a:xfrm>
+          <a:prstGeom prst="bentConnector3">
+            <a:avLst>
+              <a:gd name="adj1" fmla="val 97388"/>
+            </a:avLst>
+          </a:prstGeom>
+          <a:ln w="28575">
+            <a:solidFill>
+              <a:schemeClr val="tx1"/>
+            </a:solidFill>
+          </a:ln>
+        </p:spPr>
+        <p:style>
+          <a:lnRef idx="1">
+            <a:schemeClr val="accent1"/>
+          </a:lnRef>
+          <a:fillRef idx="0">
+            <a:schemeClr val="accent1"/>
+          </a:fillRef>
+          <a:effectRef idx="0">
+            <a:schemeClr val="accent1"/>
+          </a:effectRef>
+          <a:fontRef idx="minor">
+            <a:schemeClr val="tx1"/>
+          </a:fontRef>
+        </p:style>
+      </p:cxnSp>
+      <p:cxnSp>
+        <p:nvCxnSpPr>
+          <p:cNvPr id="15" name="직선 연결선 14"/>
+          <p:cNvCxnSpPr/>
+          <p:nvPr/>
+        </p:nvCxnSpPr>
+        <p:spPr>
+          <a:xfrm>
+            <a:off x="10109976" y="2376588"/>
+            <a:ext cx="0" cy="683136"/>
+          </a:xfrm>
+          <a:prstGeom prst="line">
+            <a:avLst/>
+          </a:prstGeom>
+          <a:ln w="28575">
+            <a:solidFill>
+              <a:schemeClr val="tx1"/>
+            </a:solidFill>
+          </a:ln>
+        </p:spPr>
+        <p:style>
+          <a:lnRef idx="1">
+            <a:schemeClr val="accent1"/>
+          </a:lnRef>
+          <a:fillRef idx="0">
+            <a:schemeClr val="accent1"/>
+          </a:fillRef>
+          <a:effectRef idx="0">
+            <a:schemeClr val="accent1"/>
+          </a:effectRef>
+          <a:fontRef idx="minor">
+            <a:schemeClr val="tx1"/>
+          </a:fontRef>
+        </p:style>
+      </p:cxnSp>
+      <p:sp>
+        <p:nvSpPr>
+          <p:cNvPr id="41" name="직사각형 40"/>
+          <p:cNvSpPr/>
+          <p:nvPr/>
+        </p:nvSpPr>
+        <p:spPr>
+          <a:xfrm>
+            <a:off x="4763852" y="4275717"/>
+            <a:ext cx="1080120" cy="576064"/>
+          </a:xfrm>
+          <a:prstGeom prst="rect">
+            <a:avLst/>
+          </a:prstGeom>
+          <a:solidFill>
+            <a:schemeClr val="bg1"/>
+          </a:solidFill>
+          <a:ln>
+            <a:solidFill>
+              <a:schemeClr val="bg1"/>
+            </a:solidFill>
+          </a:ln>
+        </p:spPr>
+        <p:style>
+          <a:lnRef idx="2">
+            <a:schemeClr val="accent1">
+              <a:shade val="50000"/>
+            </a:schemeClr>
+          </a:lnRef>
+          <a:fillRef idx="1">
+            <a:schemeClr val="accent1"/>
+          </a:fillRef>
+          <a:effectRef idx="0">
+            <a:schemeClr val="accent1"/>
+          </a:effectRef>
+          <a:fontRef idx="minor">
+            <a:schemeClr val="lt1"/>
+          </a:fontRef>
+        </p:style>
+        <p:txBody>
+          <a:bodyPr rtlCol="0" anchor="ctr"/>
+          <a:lstStyle/>
+          <a:p>
+            <a:pPr algn="ctr"/>
+            <a:endParaRPr lang="ko-KR" altLang="en-US"/>
+          </a:p>
+        </p:txBody>
+      </p:sp>
+      <p:cxnSp>
+        <p:nvCxnSpPr>
+          <p:cNvPr id="43" name="꺾인 연결선 42"/>
+          <p:cNvCxnSpPr>
+            <a:stCxn id="37" idx="3"/>
+          </p:cNvCxnSpPr>
+          <p:nvPr/>
+        </p:nvCxnSpPr>
+        <p:spPr>
+          <a:xfrm flipV="1">
+            <a:off x="3394974" y="2636913"/>
+            <a:ext cx="3221675" cy="3204355"/>
+          </a:xfrm>
+          <a:prstGeom prst="bentConnector3">
+            <a:avLst>
+              <a:gd name="adj1" fmla="val 50000"/>
+            </a:avLst>
+          </a:prstGeom>
+          <a:ln w="28575">
+            <a:solidFill>
+              <a:schemeClr val="tx1"/>
+            </a:solidFill>
+          </a:ln>
+        </p:spPr>
+        <p:style>
+          <a:lnRef idx="1">
+            <a:schemeClr val="accent1"/>
+          </a:lnRef>
+          <a:fillRef idx="0">
+            <a:schemeClr val="accent1"/>
+          </a:fillRef>
+          <a:effectRef idx="0">
+            <a:schemeClr val="accent1"/>
+          </a:effectRef>
+          <a:fontRef idx="minor">
+            <a:schemeClr val="tx1"/>
+          </a:fontRef>
+        </p:style>
+      </p:cxnSp>
+      <p:sp>
+        <p:nvSpPr>
+          <p:cNvPr id="37" name="직사각형 36"/>
+          <p:cNvSpPr/>
+          <p:nvPr/>
+        </p:nvSpPr>
+        <p:spPr>
+          <a:xfrm>
+            <a:off x="2314853" y="5805264"/>
+            <a:ext cx="1080120" cy="72006"/>
+          </a:xfrm>
+          <a:prstGeom prst="rect">
+            <a:avLst/>
+          </a:prstGeom>
+          <a:solidFill>
+            <a:schemeClr val="bg1"/>
+          </a:solidFill>
+          <a:ln>
+            <a:solidFill>
+              <a:schemeClr val="bg1"/>
+            </a:solidFill>
+          </a:ln>
+        </p:spPr>
+        <p:style>
+          <a:lnRef idx="2">
+            <a:schemeClr val="accent1">
+              <a:shade val="50000"/>
+            </a:schemeClr>
+          </a:lnRef>
+          <a:fillRef idx="1">
+            <a:schemeClr val="accent1"/>
+          </a:fillRef>
+          <a:effectRef idx="0">
+            <a:schemeClr val="accent1"/>
+          </a:effectRef>
+          <a:fontRef idx="minor">
+            <a:schemeClr val="lt1"/>
+          </a:fontRef>
+        </p:style>
+        <p:txBody>
+          <a:bodyPr rtlCol="0" anchor="ctr"/>
+          <a:lstStyle/>
+          <a:p>
+            <a:pPr algn="ctr"/>
+            <a:endParaRPr lang="ko-KR" altLang="en-US"/>
+          </a:p>
+        </p:txBody>
+      </p:sp>
+      <p:sp>
+        <p:nvSpPr>
+          <p:cNvPr id="39" name="직사각형 38"/>
+          <p:cNvSpPr/>
+          <p:nvPr/>
+        </p:nvSpPr>
+        <p:spPr>
+          <a:xfrm>
+            <a:off x="6602428" y="2612426"/>
+            <a:ext cx="1080120" cy="72006"/>
+          </a:xfrm>
+          <a:prstGeom prst="rect">
+            <a:avLst/>
+          </a:prstGeom>
+          <a:solidFill>
+            <a:schemeClr val="bg1"/>
+          </a:solidFill>
+          <a:ln>
+            <a:solidFill>
+              <a:schemeClr val="bg1"/>
+            </a:solidFill>
+          </a:ln>
+        </p:spPr>
+        <p:style>
+          <a:lnRef idx="2">
+            <a:schemeClr val="accent1">
+              <a:shade val="50000"/>
+            </a:schemeClr>
+          </a:lnRef>
+          <a:fillRef idx="1">
+            <a:schemeClr val="accent1"/>
+          </a:fillRef>
+          <a:effectRef idx="0">
+            <a:schemeClr val="accent1"/>
+          </a:effectRef>
+          <a:fontRef idx="minor">
+            <a:schemeClr val="lt1"/>
+          </a:fontRef>
+        </p:style>
+        <p:txBody>
+          <a:bodyPr rtlCol="0" anchor="ctr"/>
+          <a:lstStyle/>
+          <a:p>
+            <a:pPr algn="ctr"/>
+            <a:endParaRPr lang="ko-KR" altLang="en-US"/>
+          </a:p>
+        </p:txBody>
+      </p:sp>
+    </p:spTree>
+    <p:extLst>
+      <p:ext uri="{BB962C8B-B14F-4D97-AF65-F5344CB8AC3E}">
+        <p14:creationId xmlns:p14="http://schemas.microsoft.com/office/powerpoint/2010/main" val="2787379371"/>
+      </p:ext>
+    </p:extLst>
+  </p:cSld>
+  <p:clrMapOvr>
+    <a:masterClrMapping/>
+  </p:clrMapOvr>
+  <p:timing>
+    <p:tnLst>
+      <p:par>
+        <p:cTn id="1" dur="indefinite" restart="never" nodeType="tmRoot"/>
+      </p:par>
+    </p:tnLst>
+  </p:timing>
+</p:sld>
+</file>
+
+<file path=ppt/slides/slide3.xml><?xml version="1.0" encoding="utf-8"?>
+<p:sld xmlns:a="http://schemas.openxmlformats.org/drawingml/2006/main" xmlns:r="http://schemas.openxmlformats.org/officeDocument/2006/relationships" xmlns:p="http://schemas.openxmlformats.org/presentationml/2006/main">
+  <p:cSld>
+    <p:spTree>
+      <p:nvGrpSpPr>
+        <p:cNvPr id="1" name=""/>
+        <p:cNvGrpSpPr/>
+        <p:nvPr/>
+      </p:nvGrpSpPr>
+      <p:grpSpPr>
+        <a:xfrm>
+          <a:off x="0" y="0"/>
+          <a:ext cx="0" cy="0"/>
+          <a:chOff x="0" y="0"/>
+          <a:chExt cx="0" cy="0"/>
+        </a:xfrm>
+      </p:grpSpPr>
+      <p:grpSp>
+        <p:nvGrpSpPr>
+          <p:cNvPr id="45" name="그룹 44"/>
           <p:cNvGrpSpPr/>
           <p:nvPr/>
         </p:nvGrpSpPr>
@@ -8061,7 +13006,7 @@
         </p:grpSpPr>
         <p:sp>
           <p:nvSpPr>
-            <p:cNvPr id="55" name="직사각형 54"/>
+            <p:cNvPr id="48" name="직사각형 47"/>
             <p:cNvSpPr/>
             <p:nvPr/>
           </p:nvSpPr>
@@ -8099,14 +13044,14 @@
         </p:sp>
         <p:pic>
           <p:nvPicPr>
-            <p:cNvPr id="56" name="그림 55"/>
+            <p:cNvPr id="50" name="그림 49"/>
             <p:cNvPicPr>
               <a:picLocks noChangeAspect="1"/>
             </p:cNvPicPr>
             <p:nvPr/>
           </p:nvPicPr>
           <p:blipFill>
-            <a:blip r:embed="rId2"/>
+            <a:blip r:embed="rId3"/>
             <a:stretch>
               <a:fillRect/>
             </a:stretch>
@@ -8120,7 +13065,7 @@
               <a:avLst/>
             </a:prstGeom>
             <a:blipFill>
-              <a:blip r:embed="rId3">
+              <a:blip r:embed="rId4">
                 <a:alphaModFix amt="10000"/>
               </a:blip>
               <a:stretch>
@@ -8131,7 +13076,7 @@
         </p:pic>
         <p:grpSp>
           <p:nvGrpSpPr>
-            <p:cNvPr id="4" name="그룹 3"/>
+            <p:cNvPr id="51" name="그룹 50"/>
             <p:cNvGrpSpPr/>
             <p:nvPr/>
           </p:nvGrpSpPr>
@@ -8145,7 +13090,7 @@
           </p:grpSpPr>
           <p:grpSp>
             <p:nvGrpSpPr>
-              <p:cNvPr id="24" name="그룹 23"/>
+              <p:cNvPr id="52" name="그룹 51"/>
               <p:cNvGrpSpPr/>
               <p:nvPr/>
             </p:nvGrpSpPr>
@@ -8159,7 +13104,7 @@
             </p:grpSpPr>
             <p:sp>
               <p:nvSpPr>
-                <p:cNvPr id="26" name="Freeform 28"/>
+                <p:cNvPr id="56" name="Freeform 28"/>
                 <p:cNvSpPr>
                   <a:spLocks/>
                 </p:cNvSpPr>
@@ -8605,7 +13550,7 @@
             </p:sp>
             <p:sp>
               <p:nvSpPr>
-                <p:cNvPr id="27" name="Freeform 29"/>
+                <p:cNvPr id="57" name="Freeform 29"/>
                 <p:cNvSpPr>
                   <a:spLocks/>
                 </p:cNvSpPr>
@@ -8839,7 +13784,7 @@
             </p:sp>
             <p:sp>
               <p:nvSpPr>
-                <p:cNvPr id="28" name="Freeform 30"/>
+                <p:cNvPr id="58" name="Freeform 30"/>
                 <p:cNvSpPr>
                   <a:spLocks/>
                 </p:cNvSpPr>
@@ -9017,7 +13962,7 @@
             </p:sp>
             <p:sp>
               <p:nvSpPr>
-                <p:cNvPr id="29" name="Freeform 31"/>
+                <p:cNvPr id="59" name="Freeform 31"/>
                 <p:cNvSpPr>
                   <a:spLocks/>
                 </p:cNvSpPr>
@@ -9331,7 +14276,7 @@
             </p:sp>
             <p:sp>
               <p:nvSpPr>
-                <p:cNvPr id="30" name="Freeform 32"/>
+                <p:cNvPr id="61" name="Freeform 32"/>
                 <p:cNvSpPr>
                   <a:spLocks/>
                 </p:cNvSpPr>
@@ -9641,7 +14586,7 @@
             </p:sp>
             <p:sp>
               <p:nvSpPr>
-                <p:cNvPr id="31" name="Freeform 33"/>
+                <p:cNvPr id="63" name="Freeform 33"/>
                 <p:cNvSpPr>
                   <a:spLocks/>
                 </p:cNvSpPr>
@@ -9955,7 +14900,7 @@
             </p:sp>
             <p:sp>
               <p:nvSpPr>
-                <p:cNvPr id="32" name="Freeform 34"/>
+                <p:cNvPr id="64" name="Freeform 34"/>
                 <p:cNvSpPr>
                   <a:spLocks/>
                 </p:cNvSpPr>
@@ -10309,7 +15254,7 @@
             </p:sp>
             <p:sp>
               <p:nvSpPr>
-                <p:cNvPr id="48" name="Freeform 35"/>
+                <p:cNvPr id="66" name="Freeform 35"/>
                 <p:cNvSpPr>
                   <a:spLocks/>
                 </p:cNvSpPr>
@@ -10752,7 +15697,7 @@
             </p:sp>
             <p:sp>
               <p:nvSpPr>
-                <p:cNvPr id="49" name="Freeform 36"/>
+                <p:cNvPr id="67" name="Freeform 36"/>
                 <p:cNvSpPr>
                   <a:spLocks/>
                 </p:cNvSpPr>
@@ -11195,7 +16140,7 @@
             </p:sp>
             <p:sp>
               <p:nvSpPr>
-                <p:cNvPr id="50" name="Freeform 37"/>
+                <p:cNvPr id="68" name="Freeform 37"/>
                 <p:cNvSpPr>
                   <a:spLocks/>
                 </p:cNvSpPr>
@@ -11638,7 +16583,7 @@
             </p:sp>
             <p:sp>
               <p:nvSpPr>
-                <p:cNvPr id="51" name="Freeform 38"/>
+                <p:cNvPr id="69" name="Freeform 38"/>
                 <p:cNvSpPr>
                   <a:spLocks/>
                 </p:cNvSpPr>
@@ -12082,7 +17027,7 @@
           </p:grpSp>
           <p:grpSp>
             <p:nvGrpSpPr>
-              <p:cNvPr id="3" name="그룹 2"/>
+              <p:cNvPr id="53" name="그룹 52"/>
               <p:cNvGrpSpPr/>
               <p:nvPr/>
             </p:nvGrpSpPr>
@@ -12096,7 +17041,7 @@
             </p:grpSpPr>
             <p:sp>
               <p:nvSpPr>
-                <p:cNvPr id="25" name="Freeform 51"/>
+                <p:cNvPr id="54" name="Freeform 51"/>
                 <p:cNvSpPr>
                   <a:spLocks/>
                 </p:cNvSpPr>
@@ -12784,7 +17729,7 @@
             </p:sp>
             <p:sp>
               <p:nvSpPr>
-                <p:cNvPr id="23" name="직사각형 22"/>
+                <p:cNvPr id="55" name="직사각형 54"/>
                 <p:cNvSpPr/>
                 <p:nvPr/>
               </p:nvSpPr>
@@ -12827,18 +17772,244 @@
           </p:grpSp>
         </p:grpSp>
       </p:grpSp>
-      <p:sp>
-        <p:nvSpPr>
-          <p:cNvPr id="8" name="AutoShape 6" descr="wide monitor icon에 대한 이미지 검색결과"/>
-          <p:cNvSpPr>
-            <a:spLocks noChangeAspect="1" noChangeArrowheads="1"/>
-          </p:cNvSpPr>
+      <p:grpSp>
+        <p:nvGrpSpPr>
+          <p:cNvPr id="19" name="그룹 18"/>
+          <p:cNvGrpSpPr/>
           <p:nvPr/>
-        </p:nvSpPr>
+        </p:nvGrpSpPr>
+        <p:grpSpPr>
+          <a:xfrm>
+            <a:off x="4133659" y="3190379"/>
+            <a:ext cx="4613500" cy="2813137"/>
+            <a:chOff x="534564" y="1981199"/>
+            <a:chExt cx="7997875" cy="4876801"/>
+          </a:xfrm>
+        </p:grpSpPr>
+        <p:pic>
+          <p:nvPicPr>
+            <p:cNvPr id="2050" name="Picture 2" descr="computer monitor icon에 대한 이미지 검색결과"/>
+            <p:cNvPicPr>
+              <a:picLocks noChangeAspect="1" noChangeArrowheads="1"/>
+            </p:cNvPicPr>
+            <p:nvPr/>
+          </p:nvPicPr>
+          <p:blipFill>
+            <a:blip r:embed="rId5">
+              <a:extLst>
+                <a:ext uri="{28A0092B-C50C-407E-A947-70E740481C1C}">
+                  <a14:useLocalDpi xmlns:a14="http://schemas.microsoft.com/office/drawing/2010/main" val="0"/>
+                </a:ext>
+              </a:extLst>
+            </a:blip>
+            <a:srcRect/>
+            <a:stretch>
+              <a:fillRect/>
+            </a:stretch>
+          </p:blipFill>
+          <p:spPr bwMode="auto">
+            <a:xfrm>
+              <a:off x="534564" y="1981199"/>
+              <a:ext cx="7997875" cy="4876801"/>
+            </a:xfrm>
+            <a:prstGeom prst="rect">
+              <a:avLst/>
+            </a:prstGeom>
+            <a:noFill/>
+            <a:extLst>
+              <a:ext uri="{909E8E84-426E-40DD-AFC4-6F175D3DCCD1}">
+                <a14:hiddenFill xmlns:a14="http://schemas.microsoft.com/office/drawing/2010/main">
+                  <a:solidFill>
+                    <a:srgbClr val="FFFFFF"/>
+                  </a:solidFill>
+                </a14:hiddenFill>
+              </a:ext>
+            </a:extLst>
+          </p:spPr>
+        </p:pic>
+        <p:cxnSp>
+          <p:nvCxnSpPr>
+            <p:cNvPr id="5" name="직선 연결선 4"/>
+            <p:cNvCxnSpPr/>
+            <p:nvPr/>
+          </p:nvCxnSpPr>
+          <p:spPr>
+            <a:xfrm>
+              <a:off x="4533501" y="2348880"/>
+              <a:ext cx="0" cy="3744416"/>
+            </a:xfrm>
+            <a:prstGeom prst="line">
+              <a:avLst/>
+            </a:prstGeom>
+            <a:ln w="76200">
+              <a:solidFill>
+                <a:schemeClr val="tx1"/>
+              </a:solidFill>
+            </a:ln>
+          </p:spPr>
+          <p:style>
+            <a:lnRef idx="1">
+              <a:schemeClr val="accent1"/>
+            </a:lnRef>
+            <a:fillRef idx="0">
+              <a:schemeClr val="accent1"/>
+            </a:fillRef>
+            <a:effectRef idx="0">
+              <a:schemeClr val="accent1"/>
+            </a:effectRef>
+            <a:fontRef idx="minor">
+              <a:schemeClr val="tx1"/>
+            </a:fontRef>
+          </p:style>
+        </p:cxnSp>
+        <p:sp>
+          <p:nvSpPr>
+            <p:cNvPr id="11" name="TextBox 10"/>
+            <p:cNvSpPr txBox="1"/>
+            <p:nvPr/>
+          </p:nvSpPr>
+          <p:spPr>
+            <a:xfrm>
+              <a:off x="1115615" y="2624484"/>
+              <a:ext cx="2098097" cy="480200"/>
+            </a:xfrm>
+            <a:prstGeom prst="rect">
+              <a:avLst/>
+            </a:prstGeom>
+            <a:noFill/>
+          </p:spPr>
+          <p:txBody>
+            <a:bodyPr wrap="none" rtlCol="0">
+              <a:spAutoFit/>
+            </a:bodyPr>
+            <a:lstStyle/>
+            <a:p>
+              <a:r>
+                <a:rPr lang="en-US" altLang="ko-KR" sz="1200" dirty="0"/>
+                <a:t>current</a:t>
+              </a:r>
+              <a:r>
+                <a:rPr lang="ko-KR" altLang="en-US" sz="1200" dirty="0"/>
+                <a:t> </a:t>
+              </a:r>
+              <a:r>
+                <a:rPr lang="en-US" altLang="ko-KR" sz="1200" dirty="0"/>
+                <a:t>service</a:t>
+              </a:r>
+              <a:endParaRPr lang="ko-KR" altLang="en-US" sz="1200" dirty="0"/>
+            </a:p>
+          </p:txBody>
+        </p:sp>
+        <p:sp>
+          <p:nvSpPr>
+            <p:cNvPr id="72" name="TextBox 71"/>
+            <p:cNvSpPr txBox="1"/>
+            <p:nvPr/>
+          </p:nvSpPr>
+          <p:spPr>
+            <a:xfrm>
+              <a:off x="5002959" y="2605358"/>
+              <a:ext cx="2508712" cy="480200"/>
+            </a:xfrm>
+            <a:prstGeom prst="rect">
+              <a:avLst/>
+            </a:prstGeom>
+            <a:noFill/>
+          </p:spPr>
+          <p:txBody>
+            <a:bodyPr wrap="none" rtlCol="0">
+              <a:spAutoFit/>
+            </a:bodyPr>
+            <a:lstStyle/>
+            <a:p>
+              <a:r>
+                <a:rPr lang="en-US" altLang="ko-KR" sz="1200" dirty="0"/>
+                <a:t>developed</a:t>
+              </a:r>
+              <a:r>
+                <a:rPr lang="ko-KR" altLang="en-US" sz="1200" dirty="0"/>
+                <a:t> </a:t>
+              </a:r>
+              <a:r>
+                <a:rPr lang="en-US" altLang="ko-KR" sz="1200" dirty="0"/>
+                <a:t>service</a:t>
+              </a:r>
+              <a:endParaRPr lang="ko-KR" altLang="en-US" sz="1200" dirty="0"/>
+            </a:p>
+          </p:txBody>
+        </p:sp>
+        <p:pic>
+          <p:nvPicPr>
+            <p:cNvPr id="13" name="그림 12"/>
+            <p:cNvPicPr>
+              <a:picLocks noChangeAspect="1"/>
+            </p:cNvPicPr>
+            <p:nvPr/>
+          </p:nvPicPr>
+          <p:blipFill>
+            <a:blip r:embed="rId6"/>
+            <a:stretch>
+              <a:fillRect/>
+            </a:stretch>
+          </p:blipFill>
+          <p:spPr>
+            <a:xfrm>
+              <a:off x="958392" y="3098677"/>
+              <a:ext cx="3352800" cy="2792026"/>
+            </a:xfrm>
+            <a:prstGeom prst="rect">
+              <a:avLst/>
+            </a:prstGeom>
+          </p:spPr>
+        </p:pic>
+        <p:pic>
+          <p:nvPicPr>
+            <p:cNvPr id="16" name="그림 15"/>
+            <p:cNvPicPr>
+              <a:picLocks noChangeAspect="1"/>
+            </p:cNvPicPr>
+            <p:nvPr/>
+          </p:nvPicPr>
+          <p:blipFill>
+            <a:blip r:embed="rId7"/>
+            <a:stretch>
+              <a:fillRect/>
+            </a:stretch>
+          </p:blipFill>
+          <p:spPr>
+            <a:xfrm>
+              <a:off x="4867301" y="3098677"/>
+              <a:ext cx="3278617" cy="2830283"/>
+            </a:xfrm>
+            <a:prstGeom prst="rect">
+              <a:avLst/>
+            </a:prstGeom>
+          </p:spPr>
+        </p:pic>
+      </p:grpSp>
+      <p:pic>
+        <p:nvPicPr>
+          <p:cNvPr id="2052" name="Picture 4" descr="computer icon에 대한 이미지 검색결과"/>
+          <p:cNvPicPr>
+            <a:picLocks noChangeAspect="1" noChangeArrowheads="1"/>
+          </p:cNvPicPr>
+          <p:nvPr/>
+        </p:nvPicPr>
+        <p:blipFill rotWithShape="1">
+          <a:blip r:embed="rId8" cstate="print">
+            <a:extLst>
+              <a:ext uri="{28A0092B-C50C-407E-A947-70E740481C1C}">
+                <a14:useLocalDpi xmlns:a14="http://schemas.microsoft.com/office/drawing/2010/main" val="0"/>
+              </a:ext>
+            </a:extLst>
+          </a:blip>
+          <a:srcRect l="74620" b="41632"/>
+          <a:stretch/>
+        </p:blipFill>
         <p:spPr bwMode="auto">
           <a:xfrm>
-            <a:off x="1587500" y="-136525"/>
-            <a:ext cx="304800" cy="304800"/>
+            <a:off x="8801029" y="1893264"/>
+            <a:ext cx="371150" cy="853536"/>
           </a:xfrm>
           <a:prstGeom prst="rect">
             <a:avLst/>
@@ -12854,50 +18025,32 @@
             </a:ext>
           </a:extLst>
         </p:spPr>
-        <p:txBody>
-          <a:bodyPr vert="horz" wrap="square" lIns="91440" tIns="45720" rIns="91440" bIns="45720" numCol="1" anchor="t" anchorCtr="0" compatLnSpc="1">
-            <a:prstTxWarp prst="textNoShape">
-              <a:avLst/>
-            </a:prstTxWarp>
-          </a:bodyPr>
-          <a:lstStyle/>
-          <a:p>
-            <a:endParaRPr lang="ko-KR" altLang="en-US"/>
-          </a:p>
-        </p:txBody>
-      </p:sp>
+      </p:pic>
       <p:pic>
         <p:nvPicPr>
-          <p:cNvPr id="1032" name="Picture 8" descr="https://image.freepik.com/free-icon/widescreen-monitor_318-52228.jpg"/>
+          <p:cNvPr id="2058" name="Picture 10" descr="router icon에 대한 이미지 검색결과"/>
           <p:cNvPicPr>
             <a:picLocks noChangeAspect="1" noChangeArrowheads="1"/>
           </p:cNvPicPr>
           <p:nvPr/>
         </p:nvPicPr>
-        <p:blipFill rotWithShape="1">
-          <a:blip r:embed="rId4">
+        <p:blipFill>
+          <a:blip r:embed="rId9" cstate="print">
             <a:extLst>
-              <a:ext uri="{BEBA8EAE-BF5A-486C-A8C5-ECC9F3942E4B}">
-                <a14:imgProps xmlns:a14="http://schemas.microsoft.com/office/drawing/2010/main">
-                  <a14:imgLayer r:embed="rId5">
-                    <a14:imgEffect>
-                      <a14:backgroundRemoval t="0" b="89617" l="0" r="100000"/>
-                    </a14:imgEffect>
-                  </a14:imgLayer>
-                </a14:imgProps>
-              </a:ext>
               <a:ext uri="{28A0092B-C50C-407E-A947-70E740481C1C}">
                 <a14:useLocalDpi xmlns:a14="http://schemas.microsoft.com/office/drawing/2010/main" val="0"/>
               </a:ext>
             </a:extLst>
           </a:blip>
-          <a:srcRect t="13719" b="12614"/>
-          <a:stretch/>
+          <a:srcRect/>
+          <a:stretch>
+            <a:fillRect/>
+          </a:stretch>
         </p:blipFill>
         <p:spPr bwMode="auto">
           <a:xfrm>
-            <a:off x="6096000" y="3284985"/>
-            <a:ext cx="3871786" cy="2852217"/>
+            <a:off x="6715327" y="1970704"/>
+            <a:ext cx="752292" cy="752292"/>
           </a:xfrm>
           <a:prstGeom prst="rect">
             <a:avLst/>
@@ -12916,14 +18069,403 @@
       </p:pic>
       <p:sp>
         <p:nvSpPr>
-          <p:cNvPr id="2" name="TextBox 1"/>
+          <p:cNvPr id="21" name="TextBox 20"/>
           <p:cNvSpPr txBox="1"/>
           <p:nvPr/>
         </p:nvSpPr>
         <p:spPr>
           <a:xfrm>
-            <a:off x="1941619" y="2060950"/>
-            <a:ext cx="4204997" cy="1200329"/>
+            <a:off x="9162906" y="1856772"/>
+            <a:ext cx="1150956" cy="923330"/>
+          </a:xfrm>
+          <a:prstGeom prst="rect">
+            <a:avLst/>
+          </a:prstGeom>
+          <a:noFill/>
+        </p:spPr>
+        <p:txBody>
+          <a:bodyPr wrap="none" rtlCol="0">
+            <a:spAutoFit/>
+          </a:bodyPr>
+          <a:lstStyle/>
+          <a:p>
+            <a:pPr algn="ctr"/>
+            <a:r>
+              <a:rPr lang="en-US" altLang="ko-KR" dirty="0"/>
+              <a:t>Server</a:t>
+            </a:r>
+          </a:p>
+          <a:p>
+            <a:pPr algn="ctr"/>
+            <a:r>
+              <a:rPr lang="en-US" altLang="ko-KR" dirty="0"/>
+              <a:t>&amp;</a:t>
+            </a:r>
+          </a:p>
+          <a:p>
+            <a:pPr algn="ctr"/>
+            <a:r>
+              <a:rPr lang="en-US" altLang="ko-KR" dirty="0"/>
+              <a:t>simulator</a:t>
+            </a:r>
+            <a:endParaRPr lang="ko-KR" altLang="en-US" dirty="0"/>
+          </a:p>
+        </p:txBody>
+      </p:sp>
+      <p:cxnSp>
+        <p:nvCxnSpPr>
+          <p:cNvPr id="111" name="직선 연결선 110"/>
+          <p:cNvCxnSpPr/>
+          <p:nvPr/>
+        </p:nvCxnSpPr>
+        <p:spPr>
+          <a:xfrm flipV="1">
+            <a:off x="7639816" y="2572188"/>
+            <a:ext cx="976465" cy="9766"/>
+          </a:xfrm>
+          <a:prstGeom prst="line">
+            <a:avLst/>
+          </a:prstGeom>
+          <a:ln w="57150">
+            <a:solidFill>
+              <a:schemeClr val="bg1">
+                <a:lumMod val="50000"/>
+              </a:schemeClr>
+            </a:solidFill>
+          </a:ln>
+        </p:spPr>
+        <p:style>
+          <a:lnRef idx="1">
+            <a:schemeClr val="accent1"/>
+          </a:lnRef>
+          <a:fillRef idx="0">
+            <a:schemeClr val="accent1"/>
+          </a:fillRef>
+          <a:effectRef idx="0">
+            <a:schemeClr val="accent1"/>
+          </a:effectRef>
+          <a:fontRef idx="minor">
+            <a:schemeClr val="tx1"/>
+          </a:fontRef>
+        </p:style>
+      </p:cxnSp>
+      <p:cxnSp>
+        <p:nvCxnSpPr>
+          <p:cNvPr id="112" name="직선 연결선 111"/>
+          <p:cNvCxnSpPr/>
+          <p:nvPr/>
+        </p:nvCxnSpPr>
+        <p:spPr>
+          <a:xfrm flipH="1" flipV="1">
+            <a:off x="8974954" y="2924984"/>
+            <a:ext cx="11651" cy="2232208"/>
+          </a:xfrm>
+          <a:prstGeom prst="line">
+            <a:avLst/>
+          </a:prstGeom>
+          <a:ln w="57150">
+            <a:solidFill>
+              <a:schemeClr val="bg1">
+                <a:lumMod val="50000"/>
+              </a:schemeClr>
+            </a:solidFill>
+          </a:ln>
+        </p:spPr>
+        <p:style>
+          <a:lnRef idx="1">
+            <a:schemeClr val="accent1"/>
+          </a:lnRef>
+          <a:fillRef idx="0">
+            <a:schemeClr val="accent1"/>
+          </a:fillRef>
+          <a:effectRef idx="0">
+            <a:schemeClr val="accent1"/>
+          </a:effectRef>
+          <a:fontRef idx="minor">
+            <a:schemeClr val="tx1"/>
+          </a:fontRef>
+        </p:style>
+      </p:cxnSp>
+      <p:sp>
+        <p:nvSpPr>
+          <p:cNvPr id="29" name="TextBox 28"/>
+          <p:cNvSpPr txBox="1"/>
+          <p:nvPr/>
+        </p:nvSpPr>
+        <p:spPr>
+          <a:xfrm>
+            <a:off x="3359697" y="2717581"/>
+            <a:ext cx="184731" cy="369332"/>
+          </a:xfrm>
+          <a:prstGeom prst="rect">
+            <a:avLst/>
+          </a:prstGeom>
+          <a:noFill/>
+        </p:spPr>
+        <p:txBody>
+          <a:bodyPr wrap="none" rtlCol="0">
+            <a:spAutoFit/>
+          </a:bodyPr>
+          <a:lstStyle/>
+          <a:p>
+            <a:endParaRPr lang="ko-KR" altLang="en-US" dirty="0"/>
+          </a:p>
+        </p:txBody>
+      </p:sp>
+      <p:grpSp>
+        <p:nvGrpSpPr>
+          <p:cNvPr id="76" name="그룹 75"/>
+          <p:cNvGrpSpPr/>
+          <p:nvPr/>
+        </p:nvGrpSpPr>
+        <p:grpSpPr>
+          <a:xfrm>
+            <a:off x="2292054" y="1956628"/>
+            <a:ext cx="1852917" cy="2495178"/>
+            <a:chOff x="444622" y="2590006"/>
+            <a:chExt cx="2534210" cy="3472838"/>
+          </a:xfrm>
+        </p:grpSpPr>
+        <p:pic>
+          <p:nvPicPr>
+            <p:cNvPr id="2054" name="Picture 6" descr="raspberry pi icon에 대한 이미지 검색결과"/>
+            <p:cNvPicPr>
+              <a:picLocks noChangeAspect="1" noChangeArrowheads="1"/>
+            </p:cNvPicPr>
+            <p:nvPr/>
+          </p:nvPicPr>
+          <p:blipFill>
+            <a:blip r:embed="rId10" cstate="print">
+              <a:extLst>
+                <a:ext uri="{28A0092B-C50C-407E-A947-70E740481C1C}">
+                  <a14:useLocalDpi xmlns:a14="http://schemas.microsoft.com/office/drawing/2010/main" val="0"/>
+                </a:ext>
+              </a:extLst>
+            </a:blip>
+            <a:srcRect/>
+            <a:stretch>
+              <a:fillRect/>
+            </a:stretch>
+          </p:blipFill>
+          <p:spPr bwMode="auto">
+            <a:xfrm>
+              <a:off x="444622" y="4725104"/>
+              <a:ext cx="1337740" cy="1337740"/>
+            </a:xfrm>
+            <a:prstGeom prst="rect">
+              <a:avLst/>
+            </a:prstGeom>
+            <a:noFill/>
+            <a:extLst>
+              <a:ext uri="{909E8E84-426E-40DD-AFC4-6F175D3DCCD1}">
+                <a14:hiddenFill xmlns:a14="http://schemas.microsoft.com/office/drawing/2010/main">
+                  <a:solidFill>
+                    <a:srgbClr val="FFFFFF"/>
+                  </a:solidFill>
+                </a14:hiddenFill>
+              </a:ext>
+            </a:extLst>
+          </p:spPr>
+        </p:pic>
+        <p:pic>
+          <p:nvPicPr>
+            <p:cNvPr id="2060" name="Picture 12" descr="pocket pi icon에 대한 이미지 검색결과"/>
+            <p:cNvPicPr>
+              <a:picLocks noChangeAspect="1" noChangeArrowheads="1"/>
+            </p:cNvPicPr>
+            <p:nvPr/>
+          </p:nvPicPr>
+          <p:blipFill>
+            <a:blip r:embed="rId11" cstate="print">
+              <a:extLst>
+                <a:ext uri="{28A0092B-C50C-407E-A947-70E740481C1C}">
+                  <a14:useLocalDpi xmlns:a14="http://schemas.microsoft.com/office/drawing/2010/main" val="0"/>
+                </a:ext>
+              </a:extLst>
+            </a:blip>
+            <a:srcRect/>
+            <a:stretch>
+              <a:fillRect/>
+            </a:stretch>
+          </p:blipFill>
+          <p:spPr bwMode="auto">
+            <a:xfrm>
+              <a:off x="613265" y="2590006"/>
+              <a:ext cx="1000454" cy="1000454"/>
+            </a:xfrm>
+            <a:prstGeom prst="rect">
+              <a:avLst/>
+            </a:prstGeom>
+            <a:noFill/>
+            <a:extLst>
+              <a:ext uri="{909E8E84-426E-40DD-AFC4-6F175D3DCCD1}">
+                <a14:hiddenFill xmlns:a14="http://schemas.microsoft.com/office/drawing/2010/main">
+                  <a:solidFill>
+                    <a:srgbClr val="FFFFFF"/>
+                  </a:solidFill>
+                </a14:hiddenFill>
+              </a:ext>
+            </a:extLst>
+          </p:spPr>
+        </p:pic>
+        <p:cxnSp>
+          <p:nvCxnSpPr>
+            <p:cNvPr id="23" name="직선 연결선 22"/>
+            <p:cNvCxnSpPr>
+              <a:stCxn id="2054" idx="0"/>
+            </p:cNvCxnSpPr>
+            <p:nvPr/>
+          </p:nvCxnSpPr>
+          <p:spPr>
+            <a:xfrm flipV="1">
+              <a:off x="1113492" y="3717032"/>
+              <a:ext cx="0" cy="1008072"/>
+            </a:xfrm>
+            <a:prstGeom prst="line">
+              <a:avLst/>
+            </a:prstGeom>
+            <a:ln w="57150">
+              <a:solidFill>
+                <a:schemeClr val="bg1">
+                  <a:lumMod val="50000"/>
+                </a:schemeClr>
+              </a:solidFill>
+            </a:ln>
+          </p:spPr>
+          <p:style>
+            <a:lnRef idx="1">
+              <a:schemeClr val="accent1"/>
+            </a:lnRef>
+            <a:fillRef idx="0">
+              <a:schemeClr val="accent1"/>
+            </a:fillRef>
+            <a:effectRef idx="0">
+              <a:schemeClr val="accent1"/>
+            </a:effectRef>
+            <a:fontRef idx="minor">
+              <a:schemeClr val="tx1"/>
+            </a:fontRef>
+          </p:style>
+        </p:cxnSp>
+        <p:sp>
+          <p:nvSpPr>
+            <p:cNvPr id="33" name="TextBox 32"/>
+            <p:cNvSpPr txBox="1"/>
+            <p:nvPr/>
+          </p:nvSpPr>
+          <p:spPr>
+            <a:xfrm>
+              <a:off x="1773175" y="2701320"/>
+              <a:ext cx="1205657" cy="899576"/>
+            </a:xfrm>
+            <a:prstGeom prst="rect">
+              <a:avLst/>
+            </a:prstGeom>
+            <a:noFill/>
+          </p:spPr>
+          <p:txBody>
+            <a:bodyPr wrap="square" rtlCol="0">
+              <a:spAutoFit/>
+            </a:bodyPr>
+            <a:lstStyle/>
+            <a:p>
+              <a:r>
+                <a:rPr lang="en-US" altLang="ko-KR" dirty="0"/>
+                <a:t>4G Bridge</a:t>
+              </a:r>
+              <a:endParaRPr lang="ko-KR" altLang="en-US" dirty="0"/>
+            </a:p>
+          </p:txBody>
+        </p:sp>
+      </p:grpSp>
+      <p:pic>
+        <p:nvPicPr>
+          <p:cNvPr id="2062" name="Picture 14" descr="기지국 icon에 대한 이미지 검색결과"/>
+          <p:cNvPicPr>
+            <a:picLocks noChangeAspect="1" noChangeArrowheads="1"/>
+          </p:cNvPicPr>
+          <p:nvPr/>
+        </p:nvPicPr>
+        <p:blipFill>
+          <a:blip r:embed="rId12" cstate="print">
+            <a:extLst>
+              <a:ext uri="{28A0092B-C50C-407E-A947-70E740481C1C}">
+                <a14:useLocalDpi xmlns:a14="http://schemas.microsoft.com/office/drawing/2010/main" val="0"/>
+              </a:ext>
+            </a:extLst>
+          </a:blip>
+          <a:srcRect/>
+          <a:stretch>
+            <a:fillRect/>
+          </a:stretch>
+        </p:blipFill>
+        <p:spPr bwMode="auto">
+          <a:xfrm>
+            <a:off x="5159100" y="1936744"/>
+            <a:ext cx="653208" cy="763387"/>
+          </a:xfrm>
+          <a:prstGeom prst="rect">
+            <a:avLst/>
+          </a:prstGeom>
+          <a:noFill/>
+          <a:extLst>
+            <a:ext uri="{909E8E84-426E-40DD-AFC4-6F175D3DCCD1}">
+              <a14:hiddenFill xmlns:a14="http://schemas.microsoft.com/office/drawing/2010/main">
+                <a:solidFill>
+                  <a:srgbClr val="FFFFFF"/>
+                </a:solidFill>
+              </a14:hiddenFill>
+            </a:ext>
+          </a:extLst>
+        </p:spPr>
+      </p:pic>
+      <p:cxnSp>
+        <p:nvCxnSpPr>
+          <p:cNvPr id="113" name="직선 연결선 112"/>
+          <p:cNvCxnSpPr/>
+          <p:nvPr/>
+        </p:nvCxnSpPr>
+        <p:spPr>
+          <a:xfrm>
+            <a:off x="5970210" y="2572189"/>
+            <a:ext cx="655126" cy="1"/>
+          </a:xfrm>
+          <a:prstGeom prst="line">
+            <a:avLst/>
+          </a:prstGeom>
+          <a:ln w="57150">
+            <a:solidFill>
+              <a:schemeClr val="bg1">
+                <a:lumMod val="50000"/>
+              </a:schemeClr>
+            </a:solidFill>
+          </a:ln>
+        </p:spPr>
+        <p:style>
+          <a:lnRef idx="1">
+            <a:schemeClr val="accent1"/>
+          </a:lnRef>
+          <a:fillRef idx="0">
+            <a:schemeClr val="accent1"/>
+          </a:fillRef>
+          <a:effectRef idx="0">
+            <a:schemeClr val="accent1"/>
+          </a:effectRef>
+          <a:fontRef idx="minor">
+            <a:schemeClr val="tx1"/>
+          </a:fontRef>
+        </p:style>
+      </p:cxnSp>
+      <p:sp>
+        <p:nvSpPr>
+          <p:cNvPr id="37" name="TextBox 36"/>
+          <p:cNvSpPr txBox="1"/>
+          <p:nvPr/>
+        </p:nvSpPr>
+        <p:spPr>
+          <a:xfrm>
+            <a:off x="4963223" y="2807102"/>
+            <a:ext cx="1178464" cy="369332"/>
           </a:xfrm>
           <a:prstGeom prst="rect">
             <a:avLst/>
@@ -12937,53 +18479,294 @@
           <a:lstStyle/>
           <a:p>
             <a:r>
-              <a:rPr lang="ko-KR" altLang="en-US" dirty="0"/>
-              <a:t>시뮬레이션 데모</a:t>
+              <a:rPr lang="en-US" altLang="ko-KR" dirty="0"/>
+              <a:t>controller</a:t>
             </a:r>
-            <a:endParaRPr lang="en-US" altLang="ko-KR" dirty="0"/>
+            <a:endParaRPr lang="ko-KR" altLang="en-US" dirty="0"/>
+          </a:p>
+        </p:txBody>
+      </p:sp>
+      <p:sp>
+        <p:nvSpPr>
+          <p:cNvPr id="38" name="TextBox 37"/>
+          <p:cNvSpPr txBox="1"/>
+          <p:nvPr/>
+        </p:nvSpPr>
+        <p:spPr>
+          <a:xfrm>
+            <a:off x="6215150" y="2794047"/>
+            <a:ext cx="1814856" cy="369332"/>
+          </a:xfrm>
+          <a:prstGeom prst="rect">
+            <a:avLst/>
+          </a:prstGeom>
+          <a:noFill/>
+        </p:spPr>
+        <p:txBody>
+          <a:bodyPr wrap="none" rtlCol="0">
+            <a:spAutoFit/>
+          </a:bodyPr>
+          <a:lstStyle/>
+          <a:p>
+            <a:r>
+              <a:rPr lang="en-US" altLang="ko-KR" dirty="0">
+                <a:solidFill>
+                  <a:srgbClr val="FF0000"/>
+                </a:solidFill>
+                <a:sym typeface="Wingdings" panose="05000000000000000000" pitchFamily="2" charset="2"/>
+              </a:rPr>
+              <a:t> </a:t>
+            </a:r>
+            <a:r>
+              <a:rPr lang="en-US" altLang="ko-KR" dirty="0">
+                <a:solidFill>
+                  <a:srgbClr val="FF0000"/>
+                </a:solidFill>
+              </a:rPr>
+              <a:t>Port forward</a:t>
+            </a:r>
+            <a:endParaRPr lang="ko-KR" altLang="en-US" dirty="0">
+              <a:solidFill>
+                <a:srgbClr val="FF0000"/>
+              </a:solidFill>
+            </a:endParaRPr>
+          </a:p>
+        </p:txBody>
+      </p:sp>
+      <p:cxnSp>
+        <p:nvCxnSpPr>
+          <p:cNvPr id="44" name="직선 화살표 연결선 43"/>
+          <p:cNvCxnSpPr/>
+          <p:nvPr/>
+        </p:nvCxnSpPr>
+        <p:spPr>
+          <a:xfrm>
+            <a:off x="5924416" y="2780102"/>
+            <a:ext cx="2691864" cy="0"/>
+          </a:xfrm>
+          <a:prstGeom prst="straightConnector1">
+            <a:avLst/>
+          </a:prstGeom>
+          <a:ln w="19050">
+            <a:solidFill>
+              <a:srgbClr val="FF0000"/>
+            </a:solidFill>
+            <a:tailEnd type="triangle"/>
+          </a:ln>
+        </p:spPr>
+        <p:style>
+          <a:lnRef idx="1">
+            <a:schemeClr val="accent1"/>
+          </a:lnRef>
+          <a:fillRef idx="0">
+            <a:schemeClr val="accent1"/>
+          </a:fillRef>
+          <a:effectRef idx="0">
+            <a:schemeClr val="accent1"/>
+          </a:effectRef>
+          <a:fontRef idx="minor">
+            <a:schemeClr val="tx1"/>
+          </a:fontRef>
+        </p:style>
+      </p:cxnSp>
+      <p:sp>
+        <p:nvSpPr>
+          <p:cNvPr id="78" name="TextBox 77"/>
+          <p:cNvSpPr txBox="1"/>
+          <p:nvPr/>
+        </p:nvSpPr>
+        <p:spPr>
+          <a:xfrm>
+            <a:off x="1768333" y="6280005"/>
+            <a:ext cx="1249509" cy="369332"/>
+          </a:xfrm>
+          <a:prstGeom prst="rect">
+            <a:avLst/>
+          </a:prstGeom>
+          <a:noFill/>
+        </p:spPr>
+        <p:txBody>
+          <a:bodyPr wrap="none" rtlCol="0">
+            <a:spAutoFit/>
+          </a:bodyPr>
+          <a:lstStyle/>
+          <a:p>
+            <a:r>
+              <a:rPr lang="en-US" altLang="ko-KR" dirty="0">
+                <a:solidFill>
+                  <a:srgbClr val="FF0000"/>
+                </a:solidFill>
+              </a:rPr>
+              <a:t>*data flow</a:t>
+            </a:r>
+            <a:endParaRPr lang="ko-KR" altLang="en-US" dirty="0">
+              <a:solidFill>
+                <a:srgbClr val="FF0000"/>
+              </a:solidFill>
+            </a:endParaRPr>
+          </a:p>
+        </p:txBody>
+      </p:sp>
+      <p:sp>
+        <p:nvSpPr>
+          <p:cNvPr id="81" name="TextBox 80"/>
+          <p:cNvSpPr txBox="1"/>
+          <p:nvPr/>
+        </p:nvSpPr>
+        <p:spPr>
+          <a:xfrm>
+            <a:off x="2137559" y="4437112"/>
+            <a:ext cx="1358962" cy="369332"/>
+          </a:xfrm>
+          <a:prstGeom prst="rect">
+            <a:avLst/>
+          </a:prstGeom>
+          <a:noFill/>
+        </p:spPr>
+        <p:txBody>
+          <a:bodyPr wrap="none" rtlCol="0">
+            <a:spAutoFit/>
+          </a:bodyPr>
+          <a:lstStyle/>
+          <a:p>
+            <a:r>
+              <a:rPr lang="en-US" altLang="ko-KR" dirty="0"/>
+              <a:t>Virtual cars</a:t>
+            </a:r>
+            <a:endParaRPr lang="ko-KR" altLang="en-US" dirty="0"/>
+          </a:p>
+        </p:txBody>
+      </p:sp>
+      <p:cxnSp>
+        <p:nvCxnSpPr>
+          <p:cNvPr id="83" name="꺾인 연결선 82"/>
+          <p:cNvCxnSpPr>
+            <a:endCxn id="2058" idx="0"/>
+          </p:cNvCxnSpPr>
+          <p:nvPr/>
+        </p:nvCxnSpPr>
+        <p:spPr>
+          <a:xfrm flipV="1">
+            <a:off x="3163539" y="1970704"/>
+            <a:ext cx="3927934" cy="1888552"/>
+          </a:xfrm>
+          <a:prstGeom prst="bentConnector4">
+            <a:avLst>
+              <a:gd name="adj1" fmla="val 64"/>
+              <a:gd name="adj2" fmla="val 131668"/>
+            </a:avLst>
+          </a:prstGeom>
+          <a:ln w="28575">
+            <a:solidFill>
+              <a:srgbClr val="FF0000"/>
+            </a:solidFill>
+            <a:tailEnd type="triangle"/>
+          </a:ln>
+        </p:spPr>
+        <p:style>
+          <a:lnRef idx="1">
+            <a:schemeClr val="accent1"/>
+          </a:lnRef>
+          <a:fillRef idx="0">
+            <a:schemeClr val="accent1"/>
+          </a:fillRef>
+          <a:effectRef idx="0">
+            <a:schemeClr val="accent1"/>
+          </a:effectRef>
+          <a:fontRef idx="minor">
+            <a:schemeClr val="tx1"/>
+          </a:fontRef>
+        </p:style>
+      </p:cxnSp>
+      <p:cxnSp>
+        <p:nvCxnSpPr>
+          <p:cNvPr id="124" name="직선 연결선 123"/>
+          <p:cNvCxnSpPr/>
+          <p:nvPr/>
+        </p:nvCxnSpPr>
+        <p:spPr>
+          <a:xfrm>
+            <a:off x="8780102" y="5157192"/>
+            <a:ext cx="231282" cy="0"/>
+          </a:xfrm>
+          <a:prstGeom prst="line">
+            <a:avLst/>
+          </a:prstGeom>
+          <a:ln w="57150">
+            <a:solidFill>
+              <a:schemeClr val="bg1">
+                <a:lumMod val="50000"/>
+              </a:schemeClr>
+            </a:solidFill>
+          </a:ln>
+        </p:spPr>
+        <p:style>
+          <a:lnRef idx="1">
+            <a:schemeClr val="accent1"/>
+          </a:lnRef>
+          <a:fillRef idx="0">
+            <a:schemeClr val="accent1"/>
+          </a:fillRef>
+          <a:effectRef idx="0">
+            <a:schemeClr val="accent1"/>
+          </a:effectRef>
+          <a:fontRef idx="minor">
+            <a:schemeClr val="tx1"/>
+          </a:fontRef>
+        </p:style>
+      </p:cxnSp>
+      <p:sp>
+        <p:nvSpPr>
+          <p:cNvPr id="118" name="TextBox 117"/>
+          <p:cNvSpPr txBox="1"/>
+          <p:nvPr/>
+        </p:nvSpPr>
+        <p:spPr>
+          <a:xfrm>
+            <a:off x="4205663" y="5912375"/>
+            <a:ext cx="4469493" cy="646331"/>
+          </a:xfrm>
+          <a:prstGeom prst="rect">
+            <a:avLst/>
+          </a:prstGeom>
+          <a:noFill/>
+        </p:spPr>
+        <p:txBody>
+          <a:bodyPr wrap="none" rtlCol="0">
+            <a:spAutoFit/>
+          </a:bodyPr>
+          <a:lstStyle/>
+          <a:p>
+            <a:r>
+              <a:rPr lang="en-US" altLang="ko-KR" dirty="0"/>
+              <a:t>&lt;</a:t>
+            </a:r>
+            <a:r>
+              <a:rPr lang="en-US" altLang="ko-KR" dirty="0" err="1"/>
+              <a:t>window.h</a:t>
+            </a:r>
+            <a:r>
+              <a:rPr lang="en-US" altLang="ko-KR" dirty="0"/>
+              <a:t>&gt;</a:t>
+            </a:r>
           </a:p>
           <a:p>
             <a:r>
-              <a:rPr lang="ko-KR" altLang="en-US" dirty="0"/>
-              <a:t>현재 도로상황과 개발한 시스템의 비교</a:t>
-            </a:r>
-            <a:endParaRPr lang="en-US" altLang="ko-KR" dirty="0"/>
-          </a:p>
-          <a:p>
-            <a:r>
-              <a:rPr lang="ko-KR" altLang="en-US" dirty="0"/>
-              <a:t>현재 운용 방식</a:t>
-            </a:r>
-            <a:r>
               <a:rPr lang="en-US" altLang="ko-KR" dirty="0"/>
-              <a:t>: </a:t>
+              <a:t>- Bit map API</a:t>
             </a:r>
             <a:r>
               <a:rPr lang="ko-KR" altLang="en-US" dirty="0"/>
-              <a:t>정적 신호 변경</a:t>
+              <a:t>를 기반으로 한 시뮬레이션</a:t>
             </a:r>
             <a:endParaRPr lang="en-US" altLang="ko-KR" dirty="0"/>
-          </a:p>
-          <a:p>
-            <a:r>
-              <a:rPr lang="ko-KR" altLang="en-US" dirty="0"/>
-              <a:t>개발한 운용 방식</a:t>
-            </a:r>
-            <a:r>
-              <a:rPr lang="en-US" altLang="ko-KR" dirty="0"/>
-              <a:t>: </a:t>
-            </a:r>
-            <a:r>
-              <a:rPr lang="ko-KR" altLang="en-US" dirty="0"/>
-              <a:t>동적인 신호 변경</a:t>
-            </a:r>
           </a:p>
         </p:txBody>
       </p:sp>
     </p:spTree>
     <p:extLst>
       <p:ext uri="{BB962C8B-B14F-4D97-AF65-F5344CB8AC3E}">
-        <p14:creationId xmlns:p14="http://schemas.microsoft.com/office/powerpoint/2010/main" val="3965356824"/>
+        <p14:creationId xmlns:p14="http://schemas.microsoft.com/office/powerpoint/2010/main" val="1457314149"/>
       </p:ext>
     </p:extLst>
   </p:cSld>
